--- a/diagrams/modelling/modellingStructures/classDiagramsIntermediate/a-classDiagramForItemEtc.pptx
+++ b/diagrams/modelling/modellingStructures/classDiagramsIntermediate/a-classDiagramForItemEtc.pptx
@@ -304,7 +304,7 @@
           <a:p>
             <a:fld id="{A0F86979-30DA-49EE-A740-32EBA6D2B7DE}" type="datetimeFigureOut">
               <a:rPr lang="en-SG" smtClean="0"/>
-              <a:t>17/9/2018</a:t>
+              <a:t>9/10/2018</a:t>
             </a:fld>
             <a:endParaRPr lang="en-SG"/>
           </a:p>
@@ -474,7 +474,7 @@
           <a:p>
             <a:fld id="{A0F86979-30DA-49EE-A740-32EBA6D2B7DE}" type="datetimeFigureOut">
               <a:rPr lang="en-SG" smtClean="0"/>
-              <a:t>17/9/2018</a:t>
+              <a:t>9/10/2018</a:t>
             </a:fld>
             <a:endParaRPr lang="en-SG"/>
           </a:p>
@@ -654,7 +654,7 @@
           <a:p>
             <a:fld id="{A0F86979-30DA-49EE-A740-32EBA6D2B7DE}" type="datetimeFigureOut">
               <a:rPr lang="en-SG" smtClean="0"/>
-              <a:t>17/9/2018</a:t>
+              <a:t>9/10/2018</a:t>
             </a:fld>
             <a:endParaRPr lang="en-SG"/>
           </a:p>
@@ -824,7 +824,7 @@
           <a:p>
             <a:fld id="{A0F86979-30DA-49EE-A740-32EBA6D2B7DE}" type="datetimeFigureOut">
               <a:rPr lang="en-SG" smtClean="0"/>
-              <a:t>17/9/2018</a:t>
+              <a:t>9/10/2018</a:t>
             </a:fld>
             <a:endParaRPr lang="en-SG"/>
           </a:p>
@@ -1070,7 +1070,7 @@
           <a:p>
             <a:fld id="{A0F86979-30DA-49EE-A740-32EBA6D2B7DE}" type="datetimeFigureOut">
               <a:rPr lang="en-SG" smtClean="0"/>
-              <a:t>17/9/2018</a:t>
+              <a:t>9/10/2018</a:t>
             </a:fld>
             <a:endParaRPr lang="en-SG"/>
           </a:p>
@@ -1358,7 +1358,7 @@
           <a:p>
             <a:fld id="{A0F86979-30DA-49EE-A740-32EBA6D2B7DE}" type="datetimeFigureOut">
               <a:rPr lang="en-SG" smtClean="0"/>
-              <a:t>17/9/2018</a:t>
+              <a:t>9/10/2018</a:t>
             </a:fld>
             <a:endParaRPr lang="en-SG"/>
           </a:p>
@@ -1780,7 +1780,7 @@
           <a:p>
             <a:fld id="{A0F86979-30DA-49EE-A740-32EBA6D2B7DE}" type="datetimeFigureOut">
               <a:rPr lang="en-SG" smtClean="0"/>
-              <a:t>17/9/2018</a:t>
+              <a:t>9/10/2018</a:t>
             </a:fld>
             <a:endParaRPr lang="en-SG"/>
           </a:p>
@@ -1898,7 +1898,7 @@
           <a:p>
             <a:fld id="{A0F86979-30DA-49EE-A740-32EBA6D2B7DE}" type="datetimeFigureOut">
               <a:rPr lang="en-SG" smtClean="0"/>
-              <a:t>17/9/2018</a:t>
+              <a:t>9/10/2018</a:t>
             </a:fld>
             <a:endParaRPr lang="en-SG"/>
           </a:p>
@@ -1993,7 +1993,7 @@
           <a:p>
             <a:fld id="{A0F86979-30DA-49EE-A740-32EBA6D2B7DE}" type="datetimeFigureOut">
               <a:rPr lang="en-SG" smtClean="0"/>
-              <a:t>17/9/2018</a:t>
+              <a:t>9/10/2018</a:t>
             </a:fld>
             <a:endParaRPr lang="en-SG"/>
           </a:p>
@@ -2270,7 +2270,7 @@
           <a:p>
             <a:fld id="{A0F86979-30DA-49EE-A740-32EBA6D2B7DE}" type="datetimeFigureOut">
               <a:rPr lang="en-SG" smtClean="0"/>
-              <a:t>17/9/2018</a:t>
+              <a:t>9/10/2018</a:t>
             </a:fld>
             <a:endParaRPr lang="en-SG"/>
           </a:p>
@@ -2523,7 +2523,7 @@
           <a:p>
             <a:fld id="{A0F86979-30DA-49EE-A740-32EBA6D2B7DE}" type="datetimeFigureOut">
               <a:rPr lang="en-SG" smtClean="0"/>
-              <a:t>17/9/2018</a:t>
+              <a:t>9/10/2018</a:t>
             </a:fld>
             <a:endParaRPr lang="en-SG"/>
           </a:p>
@@ -2736,7 +2736,7 @@
           <a:p>
             <a:fld id="{A0F86979-30DA-49EE-A740-32EBA6D2B7DE}" type="datetimeFigureOut">
               <a:rPr lang="en-SG" smtClean="0"/>
-              <a:t>17/9/2018</a:t>
+              <a:t>9/10/2018</a:t>
             </a:fld>
             <a:endParaRPr lang="en-SG"/>
           </a:p>
@@ -3119,7 +3119,7 @@
         </p:nvSpPr>
         <p:spPr>
           <a:xfrm>
-            <a:off x="5579156" y="2564904"/>
+            <a:off x="4787068" y="401470"/>
             <a:ext cx="1258315" cy="540059"/>
           </a:xfrm>
           <a:prstGeom prst="rect">
@@ -3171,7 +3171,7 @@
         </p:nvSpPr>
         <p:spPr>
           <a:xfrm>
-            <a:off x="6868485" y="3906873"/>
+            <a:off x="6076397" y="1743439"/>
             <a:ext cx="1878080" cy="294050"/>
           </a:xfrm>
           <a:prstGeom prst="rect">
@@ -3215,7 +3215,7 @@
         </p:nvSpPr>
         <p:spPr>
           <a:xfrm rot="16200000" flipH="1" flipV="1">
-            <a:off x="5345550" y="2749091"/>
+            <a:off x="4553462" y="585657"/>
             <a:ext cx="295526" cy="171685"/>
           </a:xfrm>
           <a:prstGeom prst="triangle">
@@ -3258,7 +3258,7 @@
         </p:nvCxnSpPr>
         <p:spPr>
           <a:xfrm rot="10800000" flipV="1">
-            <a:off x="5108387" y="2834933"/>
+            <a:off x="4316299" y="671499"/>
             <a:ext cx="299084" cy="931607"/>
           </a:xfrm>
           <a:prstGeom prst="bentConnector2">
@@ -3293,7 +3293,7 @@
         </p:nvSpPr>
         <p:spPr>
           <a:xfrm>
-            <a:off x="1979712" y="5700543"/>
+            <a:off x="1187624" y="3537109"/>
             <a:ext cx="1268843" cy="312344"/>
           </a:xfrm>
           <a:prstGeom prst="rect">
@@ -3337,7 +3337,7 @@
         </p:nvSpPr>
         <p:spPr>
           <a:xfrm>
-            <a:off x="5916929" y="3778760"/>
+            <a:off x="5124841" y="1615326"/>
             <a:ext cx="275507" cy="307777"/>
           </a:xfrm>
           <a:prstGeom prst="rect">
@@ -3370,7 +3370,7 @@
         </p:nvCxnSpPr>
         <p:spPr>
           <a:xfrm rot="10800000">
-            <a:off x="5865337" y="4053898"/>
+            <a:off x="5073249" y="1890464"/>
             <a:ext cx="1003148" cy="12700"/>
           </a:xfrm>
           <a:prstGeom prst="bentConnector3">
@@ -3410,7 +3410,7 @@
         </p:nvCxnSpPr>
         <p:spPr>
           <a:xfrm rot="10800000" flipV="1">
-            <a:off x="3248556" y="5850923"/>
+            <a:off x="2456468" y="3687489"/>
             <a:ext cx="763441" cy="5791"/>
           </a:xfrm>
           <a:prstGeom prst="bentConnector3">
@@ -3447,7 +3447,7 @@
         </p:nvSpPr>
         <p:spPr>
           <a:xfrm>
-            <a:off x="4351437" y="3766541"/>
+            <a:off x="3559349" y="1603107"/>
             <a:ext cx="1513900" cy="574714"/>
           </a:xfrm>
           <a:prstGeom prst="rect">
@@ -3498,7 +3498,7 @@
         </p:nvSpPr>
         <p:spPr>
           <a:xfrm>
-            <a:off x="4283968" y="5302809"/>
+            <a:off x="3491880" y="3139375"/>
             <a:ext cx="1648839" cy="310743"/>
           </a:xfrm>
           <a:prstGeom prst="rect">
@@ -3542,7 +3542,7 @@
         </p:nvSpPr>
         <p:spPr>
           <a:xfrm rot="10800000" flipH="1" flipV="1">
-            <a:off x="4964338" y="4790748"/>
+            <a:off x="4172250" y="2627314"/>
             <a:ext cx="295526" cy="171685"/>
           </a:xfrm>
           <a:prstGeom prst="triangle">
@@ -3585,7 +3585,7 @@
         </p:nvCxnSpPr>
         <p:spPr>
           <a:xfrm rot="5400000" flipH="1" flipV="1">
-            <a:off x="4940056" y="5130765"/>
+            <a:off x="4147968" y="2967331"/>
             <a:ext cx="340376" cy="3713"/>
           </a:xfrm>
           <a:prstGeom prst="bentConnector3">
@@ -3623,7 +3623,7 @@
         </p:nvSpPr>
         <p:spPr>
           <a:xfrm>
-            <a:off x="4283968" y="5608552"/>
+            <a:off x="3491880" y="3445118"/>
             <a:ext cx="1648839" cy="484744"/>
           </a:xfrm>
           <a:prstGeom prst="rect">
@@ -3652,13 +3652,8 @@
           <a:p>
             <a:r>
               <a:rPr lang="en-US" sz="1400" dirty="0" smtClean="0"/>
-              <a:t>- </a:t>
-            </a:r>
-            <a:r>
-              <a:rPr lang="en-US" sz="1400" dirty="0" smtClean="0"/>
-              <a:t>name: String</a:t>
-            </a:r>
-            <a:endParaRPr lang="en-US" sz="1400" dirty="0" smtClean="0"/>
+              <a:t>- name: String</a:t>
+            </a:r>
           </a:p>
           <a:p>
             <a:endParaRPr lang="en-SG" sz="1400" dirty="0"/>
@@ -3673,7 +3668,7 @@
         </p:nvSpPr>
         <p:spPr>
           <a:xfrm>
-            <a:off x="4283968" y="6096490"/>
+            <a:off x="3491880" y="3933056"/>
             <a:ext cx="1648839" cy="484744"/>
           </a:xfrm>
           <a:prstGeom prst="rect">
@@ -3704,7 +3699,6 @@
               <a:rPr lang="en-US" sz="1400" dirty="0" smtClean="0"/>
               <a:t>+print()</a:t>
             </a:r>
-            <a:endParaRPr lang="en-US" sz="1400" dirty="0" smtClean="0"/>
           </a:p>
           <a:p>
             <a:r>
@@ -3723,7 +3717,7 @@
         </p:nvSpPr>
         <p:spPr>
           <a:xfrm>
-            <a:off x="4011996" y="5711141"/>
+            <a:off x="3219908" y="3547707"/>
             <a:ext cx="266061" cy="279566"/>
           </a:xfrm>
           <a:prstGeom prst="flowChartDecision">
@@ -3763,7 +3757,7 @@
         </p:nvSpPr>
         <p:spPr>
           <a:xfrm>
-            <a:off x="6868485" y="4192511"/>
+            <a:off x="6076397" y="2029077"/>
             <a:ext cx="1878080" cy="137669"/>
           </a:xfrm>
           <a:prstGeom prst="rect">
@@ -3803,7 +3797,7 @@
         </p:nvSpPr>
         <p:spPr>
           <a:xfrm>
-            <a:off x="6870384" y="4328068"/>
+            <a:off x="6078296" y="2164634"/>
             <a:ext cx="1878080" cy="821789"/>
           </a:xfrm>
           <a:prstGeom prst="rect">
@@ -3856,7 +3850,6 @@
               <a:rPr lang="en-SG" sz="1400" dirty="0" smtClean="0"/>
               <a:t>(Billable)</a:t>
             </a:r>
-            <a:endParaRPr lang="en-SG" sz="1400" dirty="0" smtClean="0"/>
           </a:p>
           <a:p>
             <a:r>
@@ -3883,7 +3876,7 @@
         </p:nvSpPr>
         <p:spPr>
           <a:xfrm>
-            <a:off x="1826819" y="4103993"/>
+            <a:off x="1034731" y="1940559"/>
             <a:ext cx="1576377" cy="540059"/>
           </a:xfrm>
           <a:prstGeom prst="rect">
@@ -3925,10 +3918,6 @@
               <a:rPr lang="en-US" sz="1400" dirty="0" smtClean="0"/>
               <a:t>&lt;&lt;enumeration&gt;&gt;</a:t>
             </a:r>
-            <a:r>
-              <a:rPr lang="en-US" sz="1400" dirty="0" smtClean="0"/>
-              <a:t/>
-            </a:r>
             <a:br>
               <a:rPr lang="en-US" sz="1400" dirty="0" smtClean="0"/>
             </a:br>
@@ -3948,7 +3937,7 @@
         </p:nvSpPr>
         <p:spPr>
           <a:xfrm>
-            <a:off x="1826818" y="4642910"/>
+            <a:off x="1034730" y="2479476"/>
             <a:ext cx="1576377" cy="344841"/>
           </a:xfrm>
           <a:prstGeom prst="rect">
@@ -4005,7 +3994,7 @@
         </p:nvCxnSpPr>
         <p:spPr>
           <a:xfrm rot="5400000" flipH="1" flipV="1">
-            <a:off x="2258174" y="5343711"/>
+            <a:off x="1466086" y="3180277"/>
             <a:ext cx="712792" cy="873"/>
           </a:xfrm>
           <a:prstGeom prst="bentConnector3">
@@ -4049,7 +4038,7 @@
         </p:nvSpPr>
         <p:spPr>
           <a:xfrm>
-            <a:off x="4351437" y="4349003"/>
+            <a:off x="3559349" y="2185569"/>
             <a:ext cx="1513900" cy="298463"/>
           </a:xfrm>
           <a:prstGeom prst="rect">
@@ -4088,7 +4077,7 @@
         </p:nvSpPr>
         <p:spPr>
           <a:xfrm>
-            <a:off x="4351437" y="4479016"/>
+            <a:off x="3559349" y="2315582"/>
             <a:ext cx="1513900" cy="298463"/>
           </a:xfrm>
           <a:prstGeom prst="rect">
@@ -4133,7 +4122,7 @@
         </p:nvCxnSpPr>
         <p:spPr>
           <a:xfrm rot="16200000" flipV="1">
-            <a:off x="6786529" y="2885877"/>
+            <a:off x="5994441" y="722443"/>
             <a:ext cx="1071939" cy="970054"/>
           </a:xfrm>
           <a:prstGeom prst="bentConnector2">
@@ -4170,7 +4159,7 @@
         </p:nvSpPr>
         <p:spPr>
           <a:xfrm>
-            <a:off x="3248555" y="5905535"/>
+            <a:off x="2456467" y="3742101"/>
             <a:ext cx="275507" cy="307777"/>
           </a:xfrm>
           <a:prstGeom prst="rect">
@@ -4200,7 +4189,7 @@
         </p:nvSpPr>
         <p:spPr>
           <a:xfrm>
-            <a:off x="1979712" y="6007095"/>
+            <a:off x="1187624" y="3843661"/>
             <a:ext cx="1268843" cy="312344"/>
           </a:xfrm>
           <a:prstGeom prst="rect">
@@ -4227,7 +4216,6 @@
           <a:bodyPr rtlCol="0" anchor="ctr"/>
           <a:lstStyle/>
           <a:p>
-            <a:pPr algn="ctr"/>
             <a:r>
               <a:rPr lang="en-US" sz="1400" dirty="0" smtClean="0"/>
               <a:t>-</a:t>
@@ -4248,7 +4236,7 @@
         </p:nvSpPr>
         <p:spPr>
           <a:xfrm>
-            <a:off x="5579152" y="3245634"/>
+            <a:off x="4787064" y="1082200"/>
             <a:ext cx="1258315" cy="347411"/>
           </a:xfrm>
           <a:prstGeom prst="rect">
@@ -4276,7 +4264,6 @@
           <a:bodyPr rtlCol="0" anchor="ctr"/>
           <a:lstStyle/>
           <a:p>
-            <a:pPr algn="ctr"/>
             <a:r>
               <a:rPr lang="en-US" sz="1400" dirty="0"/>
               <a:t>b</a:t>
@@ -4297,7 +4284,7 @@
         </p:nvSpPr>
         <p:spPr>
           <a:xfrm>
-            <a:off x="5579154" y="3066971"/>
+            <a:off x="4787066" y="903537"/>
             <a:ext cx="1258315" cy="205345"/>
           </a:xfrm>
           <a:prstGeom prst="rect">
@@ -4330,6 +4317,358 @@
           </a:p>
         </p:txBody>
       </p:sp>
+      <p:sp>
+        <p:nvSpPr>
+          <p:cNvPr id="29" name="Rectangle 28"/>
+          <p:cNvSpPr/>
+          <p:nvPr/>
+        </p:nvSpPr>
+        <p:spPr>
+          <a:xfrm>
+            <a:off x="6405786" y="5589240"/>
+            <a:ext cx="1219302" cy="294050"/>
+          </a:xfrm>
+          <a:prstGeom prst="rect">
+            <a:avLst/>
+          </a:prstGeom>
+        </p:spPr>
+        <p:style>
+          <a:lnRef idx="2">
+            <a:schemeClr val="accent5">
+              <a:shade val="50000"/>
+            </a:schemeClr>
+          </a:lnRef>
+          <a:fillRef idx="1">
+            <a:schemeClr val="accent5"/>
+          </a:fillRef>
+          <a:effectRef idx="0">
+            <a:schemeClr val="accent5"/>
+          </a:effectRef>
+          <a:fontRef idx="minor">
+            <a:schemeClr val="lt1"/>
+          </a:fontRef>
+        </p:style>
+        <p:txBody>
+          <a:bodyPr rtlCol="0" anchor="ctr"/>
+          <a:lstStyle/>
+          <a:p>
+            <a:pPr algn="ctr"/>
+            <a:r>
+              <a:rPr lang="en-US" sz="1400" u="sng" dirty="0" smtClean="0"/>
+              <a:t>:Inventory</a:t>
+            </a:r>
+            <a:endParaRPr lang="en-SG" sz="1400" u="sng" dirty="0"/>
+          </a:p>
+        </p:txBody>
+      </p:sp>
+      <p:sp>
+        <p:nvSpPr>
+          <p:cNvPr id="31" name="Rectangle 30"/>
+          <p:cNvSpPr/>
+          <p:nvPr/>
+        </p:nvSpPr>
+        <p:spPr>
+          <a:xfrm>
+            <a:off x="3876805" y="5597822"/>
+            <a:ext cx="1648839" cy="310743"/>
+          </a:xfrm>
+          <a:prstGeom prst="rect">
+            <a:avLst/>
+          </a:prstGeom>
+        </p:spPr>
+        <p:style>
+          <a:lnRef idx="2">
+            <a:schemeClr val="accent2">
+              <a:shade val="50000"/>
+            </a:schemeClr>
+          </a:lnRef>
+          <a:fillRef idx="1">
+            <a:schemeClr val="accent2"/>
+          </a:fillRef>
+          <a:effectRef idx="0">
+            <a:schemeClr val="accent2"/>
+          </a:effectRef>
+          <a:fontRef idx="minor">
+            <a:schemeClr val="lt1"/>
+          </a:fontRef>
+        </p:style>
+        <p:txBody>
+          <a:bodyPr rtlCol="0" anchor="ctr"/>
+          <a:lstStyle/>
+          <a:p>
+            <a:pPr algn="ctr"/>
+            <a:r>
+              <a:rPr lang="en-US" sz="1400" u="sng" dirty="0" smtClean="0"/>
+              <a:t>:</a:t>
+            </a:r>
+            <a:r>
+              <a:rPr lang="en-US" sz="1400" u="sng" dirty="0" err="1" smtClean="0"/>
+              <a:t>StockItem</a:t>
+            </a:r>
+            <a:endParaRPr lang="en-SG" sz="1400" u="sng" dirty="0"/>
+          </a:p>
+        </p:txBody>
+      </p:sp>
+      <p:sp>
+        <p:nvSpPr>
+          <p:cNvPr id="32" name="Rectangle 31"/>
+          <p:cNvSpPr/>
+          <p:nvPr/>
+        </p:nvSpPr>
+        <p:spPr>
+          <a:xfrm>
+            <a:off x="3876805" y="5916379"/>
+            <a:ext cx="1640807" cy="484744"/>
+          </a:xfrm>
+          <a:prstGeom prst="rect">
+            <a:avLst/>
+          </a:prstGeom>
+        </p:spPr>
+        <p:style>
+          <a:lnRef idx="2">
+            <a:schemeClr val="accent2">
+              <a:shade val="50000"/>
+            </a:schemeClr>
+          </a:lnRef>
+          <a:fillRef idx="1">
+            <a:schemeClr val="accent2"/>
+          </a:fillRef>
+          <a:effectRef idx="0">
+            <a:schemeClr val="accent2"/>
+          </a:effectRef>
+          <a:fontRef idx="minor">
+            <a:schemeClr val="lt1"/>
+          </a:fontRef>
+        </p:style>
+        <p:txBody>
+          <a:bodyPr rtlCol="0" anchor="ctr"/>
+          <a:lstStyle/>
+          <a:p>
+            <a:r>
+              <a:rPr lang="en-US" sz="1400" dirty="0"/>
+              <a:t>n</a:t>
+            </a:r>
+            <a:r>
+              <a:rPr lang="en-US" sz="1400" dirty="0" smtClean="0"/>
+              <a:t>ame = “spanner”</a:t>
+            </a:r>
+          </a:p>
+          <a:p>
+            <a:endParaRPr lang="en-SG" sz="1400" dirty="0"/>
+          </a:p>
+        </p:txBody>
+      </p:sp>
+      <p:sp>
+        <p:nvSpPr>
+          <p:cNvPr id="33" name="Rectangle 32"/>
+          <p:cNvSpPr/>
+          <p:nvPr/>
+        </p:nvSpPr>
+        <p:spPr>
+          <a:xfrm>
+            <a:off x="1603291" y="5614842"/>
+            <a:ext cx="1268843" cy="312344"/>
+          </a:xfrm>
+          <a:prstGeom prst="rect">
+            <a:avLst/>
+          </a:prstGeom>
+        </p:spPr>
+        <p:style>
+          <a:lnRef idx="2">
+            <a:schemeClr val="accent6">
+              <a:shade val="50000"/>
+            </a:schemeClr>
+          </a:lnRef>
+          <a:fillRef idx="1">
+            <a:schemeClr val="accent6"/>
+          </a:fillRef>
+          <a:effectRef idx="0">
+            <a:schemeClr val="accent6"/>
+          </a:effectRef>
+          <a:fontRef idx="minor">
+            <a:schemeClr val="lt1"/>
+          </a:fontRef>
+        </p:style>
+        <p:txBody>
+          <a:bodyPr rtlCol="0" anchor="ctr"/>
+          <a:lstStyle/>
+          <a:p>
+            <a:pPr algn="ctr"/>
+            <a:r>
+              <a:rPr lang="en-US" sz="1400" u="sng" dirty="0" smtClean="0"/>
+              <a:t>:Review</a:t>
+            </a:r>
+            <a:endParaRPr lang="en-SG" sz="1400" u="sng" dirty="0"/>
+          </a:p>
+        </p:txBody>
+      </p:sp>
+      <p:cxnSp>
+        <p:nvCxnSpPr>
+          <p:cNvPr id="34" name="Elbow Connector 33"/>
+          <p:cNvCxnSpPr>
+            <a:stCxn id="35" idx="1"/>
+            <a:endCxn id="33" idx="3"/>
+          </p:cNvCxnSpPr>
+          <p:nvPr/>
+        </p:nvCxnSpPr>
+        <p:spPr>
+          <a:xfrm rot="10800000" flipV="1">
+            <a:off x="2872135" y="5765222"/>
+            <a:ext cx="763441" cy="5791"/>
+          </a:xfrm>
+          <a:prstGeom prst="bentConnector3">
+            <a:avLst>
+              <a:gd name="adj1" fmla="val 50000"/>
+            </a:avLst>
+          </a:prstGeom>
+          <a:ln>
+            <a:tailEnd type="arrow"/>
+          </a:ln>
+        </p:spPr>
+        <p:style>
+          <a:lnRef idx="2">
+            <a:schemeClr val="accent6">
+              <a:shade val="50000"/>
+            </a:schemeClr>
+          </a:lnRef>
+          <a:fillRef idx="1">
+            <a:schemeClr val="accent6"/>
+          </a:fillRef>
+          <a:effectRef idx="0">
+            <a:schemeClr val="accent6"/>
+          </a:effectRef>
+          <a:fontRef idx="minor">
+            <a:schemeClr val="lt1"/>
+          </a:fontRef>
+        </p:style>
+      </p:cxnSp>
+      <p:sp>
+        <p:nvSpPr>
+          <p:cNvPr id="35" name="Flowchart: Decision 34"/>
+          <p:cNvSpPr/>
+          <p:nvPr/>
+        </p:nvSpPr>
+        <p:spPr>
+          <a:xfrm>
+            <a:off x="3635575" y="5625440"/>
+            <a:ext cx="266061" cy="279566"/>
+          </a:xfrm>
+          <a:prstGeom prst="flowChartDecision">
+            <a:avLst/>
+          </a:prstGeom>
+        </p:spPr>
+        <p:style>
+          <a:lnRef idx="2">
+            <a:schemeClr val="accent6">
+              <a:shade val="50000"/>
+            </a:schemeClr>
+          </a:lnRef>
+          <a:fillRef idx="1">
+            <a:schemeClr val="accent6"/>
+          </a:fillRef>
+          <a:effectRef idx="0">
+            <a:schemeClr val="accent6"/>
+          </a:effectRef>
+          <a:fontRef idx="minor">
+            <a:schemeClr val="lt1"/>
+          </a:fontRef>
+        </p:style>
+        <p:txBody>
+          <a:bodyPr rtlCol="0" anchor="ctr"/>
+          <a:lstStyle/>
+          <a:p>
+            <a:pPr algn="ctr"/>
+            <a:endParaRPr lang="en-US" sz="1400"/>
+          </a:p>
+        </p:txBody>
+      </p:sp>
+      <p:sp>
+        <p:nvSpPr>
+          <p:cNvPr id="38" name="Rectangle 37"/>
+          <p:cNvSpPr/>
+          <p:nvPr/>
+        </p:nvSpPr>
+        <p:spPr>
+          <a:xfrm>
+            <a:off x="1603291" y="5921394"/>
+            <a:ext cx="1268843" cy="312344"/>
+          </a:xfrm>
+          <a:prstGeom prst="rect">
+            <a:avLst/>
+          </a:prstGeom>
+        </p:spPr>
+        <p:style>
+          <a:lnRef idx="2">
+            <a:schemeClr val="accent6">
+              <a:shade val="50000"/>
+            </a:schemeClr>
+          </a:lnRef>
+          <a:fillRef idx="1">
+            <a:schemeClr val="accent6"/>
+          </a:fillRef>
+          <a:effectRef idx="0">
+            <a:schemeClr val="accent6"/>
+          </a:effectRef>
+          <a:fontRef idx="minor">
+            <a:schemeClr val="lt1"/>
+          </a:fontRef>
+        </p:style>
+        <p:txBody>
+          <a:bodyPr rtlCol="0" anchor="ctr"/>
+          <a:lstStyle/>
+          <a:p>
+            <a:r>
+              <a:rPr lang="en-US" sz="1400" dirty="0"/>
+              <a:t>r</a:t>
+            </a:r>
+            <a:r>
+              <a:rPr lang="en-US" sz="1400" dirty="0" smtClean="0"/>
+              <a:t>ating=POOR</a:t>
+            </a:r>
+            <a:endParaRPr lang="en-SG" sz="1400" dirty="0"/>
+          </a:p>
+        </p:txBody>
+      </p:sp>
+      <p:cxnSp>
+        <p:nvCxnSpPr>
+          <p:cNvPr id="39" name="Elbow Connector 38"/>
+          <p:cNvCxnSpPr>
+            <a:stCxn id="29" idx="1"/>
+            <a:endCxn id="31" idx="3"/>
+          </p:cNvCxnSpPr>
+          <p:nvPr/>
+        </p:nvCxnSpPr>
+        <p:spPr>
+          <a:xfrm rot="10800000" flipV="1">
+            <a:off x="5525644" y="5736264"/>
+            <a:ext cx="880142" cy="16929"/>
+          </a:xfrm>
+          <a:prstGeom prst="bentConnector3">
+            <a:avLst>
+              <a:gd name="adj1" fmla="val 50000"/>
+            </a:avLst>
+          </a:prstGeom>
+          <a:ln>
+            <a:tailEnd type="arrow"/>
+          </a:ln>
+        </p:spPr>
+        <p:style>
+          <a:lnRef idx="2">
+            <a:schemeClr val="accent5">
+              <a:shade val="50000"/>
+            </a:schemeClr>
+          </a:lnRef>
+          <a:fillRef idx="1">
+            <a:schemeClr val="accent5"/>
+          </a:fillRef>
+          <a:effectRef idx="0">
+            <a:schemeClr val="accent5"/>
+          </a:effectRef>
+          <a:fontRef idx="minor">
+            <a:schemeClr val="lt1"/>
+          </a:fontRef>
+        </p:style>
+      </p:cxnSp>
     </p:spTree>
     <p:extLst>
       <p:ext uri="{BB962C8B-B14F-4D97-AF65-F5344CB8AC3E}">

--- a/diagrams/modelling/modellingStructures/classDiagramsIntermediate/a-classDiagramForItemEtc.pptx
+++ b/diagrams/modelling/modellingStructures/classDiagramsIntermediate/a-classDiagramForItemEtc.pptx
@@ -304,7 +304,7 @@
           <a:p>
             <a:fld id="{A0F86979-30DA-49EE-A740-32EBA6D2B7DE}" type="datetimeFigureOut">
               <a:rPr lang="en-SG" smtClean="0"/>
-              <a:t>9/10/2018</a:t>
+              <a:t>6/10/2019</a:t>
             </a:fld>
             <a:endParaRPr lang="en-SG"/>
           </a:p>
@@ -474,7 +474,7 @@
           <a:p>
             <a:fld id="{A0F86979-30DA-49EE-A740-32EBA6D2B7DE}" type="datetimeFigureOut">
               <a:rPr lang="en-SG" smtClean="0"/>
-              <a:t>9/10/2018</a:t>
+              <a:t>6/10/2019</a:t>
             </a:fld>
             <a:endParaRPr lang="en-SG"/>
           </a:p>
@@ -654,7 +654,7 @@
           <a:p>
             <a:fld id="{A0F86979-30DA-49EE-A740-32EBA6D2B7DE}" type="datetimeFigureOut">
               <a:rPr lang="en-SG" smtClean="0"/>
-              <a:t>9/10/2018</a:t>
+              <a:t>6/10/2019</a:t>
             </a:fld>
             <a:endParaRPr lang="en-SG"/>
           </a:p>
@@ -824,7 +824,7 @@
           <a:p>
             <a:fld id="{A0F86979-30DA-49EE-A740-32EBA6D2B7DE}" type="datetimeFigureOut">
               <a:rPr lang="en-SG" smtClean="0"/>
-              <a:t>9/10/2018</a:t>
+              <a:t>6/10/2019</a:t>
             </a:fld>
             <a:endParaRPr lang="en-SG"/>
           </a:p>
@@ -1070,7 +1070,7 @@
           <a:p>
             <a:fld id="{A0F86979-30DA-49EE-A740-32EBA6D2B7DE}" type="datetimeFigureOut">
               <a:rPr lang="en-SG" smtClean="0"/>
-              <a:t>9/10/2018</a:t>
+              <a:t>6/10/2019</a:t>
             </a:fld>
             <a:endParaRPr lang="en-SG"/>
           </a:p>
@@ -1358,7 +1358,7 @@
           <a:p>
             <a:fld id="{A0F86979-30DA-49EE-A740-32EBA6D2B7DE}" type="datetimeFigureOut">
               <a:rPr lang="en-SG" smtClean="0"/>
-              <a:t>9/10/2018</a:t>
+              <a:t>6/10/2019</a:t>
             </a:fld>
             <a:endParaRPr lang="en-SG"/>
           </a:p>
@@ -1780,7 +1780,7 @@
           <a:p>
             <a:fld id="{A0F86979-30DA-49EE-A740-32EBA6D2B7DE}" type="datetimeFigureOut">
               <a:rPr lang="en-SG" smtClean="0"/>
-              <a:t>9/10/2018</a:t>
+              <a:t>6/10/2019</a:t>
             </a:fld>
             <a:endParaRPr lang="en-SG"/>
           </a:p>
@@ -1898,7 +1898,7 @@
           <a:p>
             <a:fld id="{A0F86979-30DA-49EE-A740-32EBA6D2B7DE}" type="datetimeFigureOut">
               <a:rPr lang="en-SG" smtClean="0"/>
-              <a:t>9/10/2018</a:t>
+              <a:t>6/10/2019</a:t>
             </a:fld>
             <a:endParaRPr lang="en-SG"/>
           </a:p>
@@ -1993,7 +1993,7 @@
           <a:p>
             <a:fld id="{A0F86979-30DA-49EE-A740-32EBA6D2B7DE}" type="datetimeFigureOut">
               <a:rPr lang="en-SG" smtClean="0"/>
-              <a:t>9/10/2018</a:t>
+              <a:t>6/10/2019</a:t>
             </a:fld>
             <a:endParaRPr lang="en-SG"/>
           </a:p>
@@ -2270,7 +2270,7 @@
           <a:p>
             <a:fld id="{A0F86979-30DA-49EE-A740-32EBA6D2B7DE}" type="datetimeFigureOut">
               <a:rPr lang="en-SG" smtClean="0"/>
-              <a:t>9/10/2018</a:t>
+              <a:t>6/10/2019</a:t>
             </a:fld>
             <a:endParaRPr lang="en-SG"/>
           </a:p>
@@ -2523,7 +2523,7 @@
           <a:p>
             <a:fld id="{A0F86979-30DA-49EE-A740-32EBA6D2B7DE}" type="datetimeFigureOut">
               <a:rPr lang="en-SG" smtClean="0"/>
-              <a:t>9/10/2018</a:t>
+              <a:t>6/10/2019</a:t>
             </a:fld>
             <a:endParaRPr lang="en-SG"/>
           </a:p>
@@ -2736,7 +2736,7 @@
           <a:p>
             <a:fld id="{A0F86979-30DA-49EE-A740-32EBA6D2B7DE}" type="datetimeFigureOut">
               <a:rPr lang="en-SG" smtClean="0"/>
-              <a:t>9/10/2018</a:t>
+              <a:t>6/10/2019</a:t>
             </a:fld>
             <a:endParaRPr lang="en-SG"/>
           </a:p>
@@ -3293,8 +3293,8 @@
         </p:nvSpPr>
         <p:spPr>
           <a:xfrm>
-            <a:off x="1187624" y="3537109"/>
-            <a:ext cx="1268843" cy="312344"/>
+            <a:off x="1124182" y="3537109"/>
+            <a:ext cx="1395727" cy="312344"/>
           </a:xfrm>
           <a:prstGeom prst="rect">
             <a:avLst/>
@@ -3403,15 +3403,15 @@
         <p:nvCxnSpPr>
           <p:cNvPr id="30" name="Elbow Connector 29"/>
           <p:cNvCxnSpPr>
-            <a:stCxn id="69" idx="1"/>
+            <a:stCxn id="61" idx="1"/>
             <a:endCxn id="15" idx="3"/>
           </p:cNvCxnSpPr>
           <p:nvPr/>
         </p:nvCxnSpPr>
         <p:spPr>
           <a:xfrm rot="10800000" flipV="1">
-            <a:off x="2456468" y="3687489"/>
-            <a:ext cx="763441" cy="5791"/>
+            <a:off x="2519909" y="3687489"/>
+            <a:ext cx="699088" cy="5791"/>
           </a:xfrm>
           <a:prstGeom prst="bentConnector3">
             <a:avLst>
@@ -3498,8 +3498,8 @@
         </p:nvSpPr>
         <p:spPr>
           <a:xfrm>
-            <a:off x="3491880" y="3139375"/>
-            <a:ext cx="1648839" cy="310743"/>
+            <a:off x="3218997" y="3139375"/>
+            <a:ext cx="2194605" cy="310743"/>
           </a:xfrm>
           <a:prstGeom prst="rect">
             <a:avLst/>
@@ -3623,8 +3623,8 @@
         </p:nvSpPr>
         <p:spPr>
           <a:xfrm>
-            <a:off x="3491880" y="3445118"/>
-            <a:ext cx="1648839" cy="484744"/>
+            <a:off x="3218997" y="3445118"/>
+            <a:ext cx="2194605" cy="484744"/>
           </a:xfrm>
           <a:prstGeom prst="rect">
             <a:avLst/>
@@ -3668,8 +3668,8 @@
         </p:nvSpPr>
         <p:spPr>
           <a:xfrm>
-            <a:off x="3491880" y="3933056"/>
-            <a:ext cx="1648839" cy="484744"/>
+            <a:off x="3218997" y="3933055"/>
+            <a:ext cx="2194605" cy="803893"/>
           </a:xfrm>
           <a:prstGeom prst="rect">
             <a:avLst/>
@@ -3692,12 +3692,34 @@
           </a:fontRef>
         </p:style>
         <p:txBody>
-          <a:bodyPr rtlCol="0" anchor="ctr"/>
+          <a:bodyPr rtlCol="0" anchor="t"/>
           <a:lstStyle/>
           <a:p>
             <a:r>
               <a:rPr lang="en-US" sz="1400" dirty="0" smtClean="0"/>
-              <a:t>+print()</a:t>
+              <a:t>+</a:t>
+            </a:r>
+            <a:r>
+              <a:rPr lang="en-US" sz="1400" dirty="0" err="1" smtClean="0"/>
+              <a:t>StockItem</a:t>
+            </a:r>
+            <a:r>
+              <a:rPr lang="en-US" sz="1400" dirty="0" smtClean="0"/>
+              <a:t>(String, </a:t>
+            </a:r>
+            <a:r>
+              <a:rPr lang="en-US" sz="1400" dirty="0" smtClean="0"/>
+              <a:t>Rating)</a:t>
+            </a:r>
+          </a:p>
+          <a:p>
+            <a:r>
+              <a:rPr lang="en-US" sz="1400" dirty="0" smtClean="0"/>
+              <a:t>+print</a:t>
+            </a:r>
+            <a:r>
+              <a:rPr lang="en-US" sz="1400" dirty="0" smtClean="0"/>
+              <a:t>()</a:t>
             </a:r>
           </a:p>
           <a:p>
@@ -3711,18 +3733,261 @@
       </p:sp>
       <p:sp>
         <p:nvSpPr>
-          <p:cNvPr id="69" name="Flowchart: Decision 68"/>
+          <p:cNvPr id="80" name="Rectangle 79"/>
           <p:cNvSpPr/>
           <p:nvPr/>
         </p:nvSpPr>
         <p:spPr>
           <a:xfrm>
-            <a:off x="3219908" y="3547707"/>
-            <a:ext cx="266061" cy="279566"/>
-          </a:xfrm>
-          <a:prstGeom prst="flowChartDecision">
+            <a:off x="6076397" y="2029077"/>
+            <a:ext cx="1878080" cy="137669"/>
+          </a:xfrm>
+          <a:prstGeom prst="rect">
             <a:avLst/>
           </a:prstGeom>
+        </p:spPr>
+        <p:style>
+          <a:lnRef idx="2">
+            <a:schemeClr val="accent5">
+              <a:shade val="50000"/>
+            </a:schemeClr>
+          </a:lnRef>
+          <a:fillRef idx="1">
+            <a:schemeClr val="accent5"/>
+          </a:fillRef>
+          <a:effectRef idx="0">
+            <a:schemeClr val="accent5"/>
+          </a:effectRef>
+          <a:fontRef idx="minor">
+            <a:schemeClr val="lt1"/>
+          </a:fontRef>
+        </p:style>
+        <p:txBody>
+          <a:bodyPr rtlCol="0" anchor="ctr"/>
+          <a:lstStyle/>
+          <a:p>
+            <a:pPr algn="ctr"/>
+            <a:endParaRPr lang="en-SG" sz="1400" dirty="0"/>
+          </a:p>
+        </p:txBody>
+      </p:sp>
+      <p:sp>
+        <p:nvSpPr>
+          <p:cNvPr id="81" name="Rectangle 80"/>
+          <p:cNvSpPr/>
+          <p:nvPr/>
+        </p:nvSpPr>
+        <p:spPr>
+          <a:xfrm>
+            <a:off x="6078296" y="2164634"/>
+            <a:ext cx="1878080" cy="821789"/>
+          </a:xfrm>
+          <a:prstGeom prst="rect">
+            <a:avLst/>
+          </a:prstGeom>
+        </p:spPr>
+        <p:style>
+          <a:lnRef idx="2">
+            <a:schemeClr val="accent5">
+              <a:shade val="50000"/>
+            </a:schemeClr>
+          </a:lnRef>
+          <a:fillRef idx="1">
+            <a:schemeClr val="accent5"/>
+          </a:fillRef>
+          <a:effectRef idx="0">
+            <a:schemeClr val="accent5"/>
+          </a:effectRef>
+          <a:fontRef idx="minor">
+            <a:schemeClr val="lt1"/>
+          </a:fontRef>
+        </p:style>
+        <p:txBody>
+          <a:bodyPr rtlCol="0" anchor="ctr"/>
+          <a:lstStyle/>
+          <a:p>
+            <a:r>
+              <a:rPr lang="en-SG" sz="1400" dirty="0" smtClean="0"/>
+              <a:t>+add(</a:t>
+            </a:r>
+            <a:r>
+              <a:rPr lang="en-SG" sz="1400" dirty="0" err="1" smtClean="0"/>
+              <a:t>StockItem</a:t>
+            </a:r>
+            <a:r>
+              <a:rPr lang="en-SG" sz="1400" dirty="0" smtClean="0"/>
+              <a:t>)</a:t>
+            </a:r>
+          </a:p>
+          <a:p>
+            <a:r>
+              <a:rPr lang="en-SG" sz="1400" dirty="0" smtClean="0"/>
+              <a:t>+</a:t>
+            </a:r>
+            <a:r>
+              <a:rPr lang="en-SG" sz="1400" dirty="0" err="1" smtClean="0"/>
+              <a:t>generateBill</a:t>
+            </a:r>
+            <a:r>
+              <a:rPr lang="en-SG" sz="1400" dirty="0" smtClean="0"/>
+              <a:t>(Billable)</a:t>
+            </a:r>
+          </a:p>
+          <a:p>
+            <a:r>
+              <a:rPr lang="en-SG" sz="1400" dirty="0" smtClean="0"/>
+              <a:t>+</a:t>
+            </a:r>
+            <a:r>
+              <a:rPr lang="en-SG" sz="1400" dirty="0" err="1" smtClean="0"/>
+              <a:t>getItemCount</a:t>
+            </a:r>
+            <a:r>
+              <a:rPr lang="en-SG" sz="1400" dirty="0" smtClean="0"/>
+              <a:t>()</a:t>
+            </a:r>
+            <a:endParaRPr lang="en-SG" sz="1400" dirty="0"/>
+          </a:p>
+        </p:txBody>
+      </p:sp>
+      <p:sp>
+        <p:nvSpPr>
+          <p:cNvPr id="52" name="Rectangle 51"/>
+          <p:cNvSpPr/>
+          <p:nvPr/>
+        </p:nvSpPr>
+        <p:spPr>
+          <a:xfrm>
+            <a:off x="1034731" y="1940559"/>
+            <a:ext cx="1576377" cy="540059"/>
+          </a:xfrm>
+          <a:prstGeom prst="rect">
+            <a:avLst/>
+          </a:prstGeom>
+          <a:solidFill>
+            <a:srgbClr val="00B050"/>
+          </a:solidFill>
+          <a:ln>
+            <a:solidFill>
+              <a:schemeClr val="accent3">
+                <a:lumMod val="50000"/>
+              </a:schemeClr>
+            </a:solidFill>
+          </a:ln>
+        </p:spPr>
+        <p:style>
+          <a:lnRef idx="2">
+            <a:schemeClr val="accent1">
+              <a:shade val="50000"/>
+            </a:schemeClr>
+          </a:lnRef>
+          <a:fillRef idx="1">
+            <a:schemeClr val="accent1"/>
+          </a:fillRef>
+          <a:effectRef idx="0">
+            <a:schemeClr val="accent1"/>
+          </a:effectRef>
+          <a:fontRef idx="minor">
+            <a:schemeClr val="lt1"/>
+          </a:fontRef>
+        </p:style>
+        <p:txBody>
+          <a:bodyPr rtlCol="0" anchor="ctr"/>
+          <a:lstStyle/>
+          <a:p>
+            <a:pPr algn="ctr"/>
+            <a:r>
+              <a:rPr lang="en-US" sz="1400" dirty="0" smtClean="0"/>
+              <a:t>&lt;&lt;enumeration&gt;&gt;</a:t>
+            </a:r>
+            <a:br>
+              <a:rPr lang="en-US" sz="1400" dirty="0" smtClean="0"/>
+            </a:br>
+            <a:r>
+              <a:rPr lang="en-US" sz="1400" dirty="0" smtClean="0"/>
+              <a:t>Rating</a:t>
+            </a:r>
+            <a:endParaRPr lang="en-SG" sz="1400" dirty="0"/>
+          </a:p>
+        </p:txBody>
+      </p:sp>
+      <p:sp>
+        <p:nvSpPr>
+          <p:cNvPr id="55" name="Rectangle 54"/>
+          <p:cNvSpPr/>
+          <p:nvPr/>
+        </p:nvSpPr>
+        <p:spPr>
+          <a:xfrm>
+            <a:off x="1034730" y="2479476"/>
+            <a:ext cx="1576377" cy="344841"/>
+          </a:xfrm>
+          <a:prstGeom prst="rect">
+            <a:avLst/>
+          </a:prstGeom>
+          <a:solidFill>
+            <a:srgbClr val="00B050"/>
+          </a:solidFill>
+          <a:ln>
+            <a:solidFill>
+              <a:schemeClr val="accent3">
+                <a:lumMod val="50000"/>
+              </a:schemeClr>
+            </a:solidFill>
+          </a:ln>
+        </p:spPr>
+        <p:style>
+          <a:lnRef idx="2">
+            <a:schemeClr val="accent1">
+              <a:shade val="50000"/>
+            </a:schemeClr>
+          </a:lnRef>
+          <a:fillRef idx="1">
+            <a:schemeClr val="accent1"/>
+          </a:fillRef>
+          <a:effectRef idx="0">
+            <a:schemeClr val="accent1"/>
+          </a:effectRef>
+          <a:fontRef idx="minor">
+            <a:schemeClr val="lt1"/>
+          </a:fontRef>
+        </p:style>
+        <p:txBody>
+          <a:bodyPr rtlCol="0" anchor="ctr"/>
+          <a:lstStyle/>
+          <a:p>
+            <a:pPr algn="ctr"/>
+            <a:r>
+              <a:rPr lang="en-US" sz="1400" dirty="0" smtClean="0"/>
+              <a:t>GOOD, OK, POOR</a:t>
+            </a:r>
+            <a:endParaRPr lang="en-SG" sz="1400" dirty="0"/>
+          </a:p>
+        </p:txBody>
+      </p:sp>
+      <p:cxnSp>
+        <p:nvCxnSpPr>
+          <p:cNvPr id="58" name="Elbow Connector 57"/>
+          <p:cNvCxnSpPr>
+            <a:stCxn id="15" idx="0"/>
+            <a:endCxn id="55" idx="2"/>
+          </p:cNvCxnSpPr>
+          <p:nvPr/>
+        </p:nvCxnSpPr>
+        <p:spPr>
+          <a:xfrm rot="5400000" flipH="1" flipV="1">
+            <a:off x="1466086" y="3180277"/>
+            <a:ext cx="712792" cy="873"/>
+          </a:xfrm>
+          <a:prstGeom prst="bentConnector3">
+            <a:avLst>
+              <a:gd name="adj1" fmla="val 50000"/>
+            </a:avLst>
+          </a:prstGeom>
+          <a:ln>
+            <a:prstDash val="solid"/>
+            <a:tailEnd type="arrow"/>
+          </a:ln>
         </p:spPr>
         <p:style>
           <a:lnRef idx="2">
@@ -3740,29 +4005,109 @@
             <a:schemeClr val="lt1"/>
           </a:fontRef>
         </p:style>
-        <p:txBody>
-          <a:bodyPr rtlCol="0" anchor="ctr"/>
-          <a:lstStyle/>
-          <a:p>
-            <a:pPr algn="ctr"/>
-            <a:endParaRPr lang="en-US" sz="1400"/>
-          </a:p>
-        </p:txBody>
-      </p:sp>
-      <p:sp>
-        <p:nvSpPr>
-          <p:cNvPr id="80" name="Rectangle 79"/>
+      </p:cxnSp>
+      <p:sp>
+        <p:nvSpPr>
+          <p:cNvPr id="83" name="Rectangle 82"/>
           <p:cNvSpPr/>
           <p:nvPr/>
         </p:nvSpPr>
         <p:spPr>
           <a:xfrm>
-            <a:off x="6076397" y="2029077"/>
-            <a:ext cx="1878080" cy="137669"/>
+            <a:off x="3559349" y="2185569"/>
+            <a:ext cx="1513900" cy="298463"/>
           </a:xfrm>
           <a:prstGeom prst="rect">
             <a:avLst/>
           </a:prstGeom>
+        </p:spPr>
+        <p:style>
+          <a:lnRef idx="2">
+            <a:schemeClr val="accent2">
+              <a:shade val="50000"/>
+            </a:schemeClr>
+          </a:lnRef>
+          <a:fillRef idx="1">
+            <a:schemeClr val="accent2"/>
+          </a:fillRef>
+          <a:effectRef idx="0">
+            <a:schemeClr val="accent2"/>
+          </a:effectRef>
+          <a:fontRef idx="minor">
+            <a:schemeClr val="lt1"/>
+          </a:fontRef>
+        </p:style>
+        <p:txBody>
+          <a:bodyPr rtlCol="0" anchor="ctr"/>
+          <a:lstStyle/>
+          <a:p>
+            <a:endParaRPr lang="en-US" sz="1400" dirty="0" smtClean="0"/>
+          </a:p>
+        </p:txBody>
+      </p:sp>
+      <p:sp>
+        <p:nvSpPr>
+          <p:cNvPr id="79" name="Rectangle 78"/>
+          <p:cNvSpPr/>
+          <p:nvPr/>
+        </p:nvSpPr>
+        <p:spPr>
+          <a:xfrm>
+            <a:off x="3559349" y="2315582"/>
+            <a:ext cx="1513900" cy="298463"/>
+          </a:xfrm>
+          <a:prstGeom prst="rect">
+            <a:avLst/>
+          </a:prstGeom>
+        </p:spPr>
+        <p:style>
+          <a:lnRef idx="2">
+            <a:schemeClr val="accent2">
+              <a:shade val="50000"/>
+            </a:schemeClr>
+          </a:lnRef>
+          <a:fillRef idx="1">
+            <a:schemeClr val="accent2"/>
+          </a:fillRef>
+          <a:effectRef idx="0">
+            <a:schemeClr val="accent2"/>
+          </a:effectRef>
+          <a:fontRef idx="minor">
+            <a:schemeClr val="lt1"/>
+          </a:fontRef>
+        </p:style>
+        <p:txBody>
+          <a:bodyPr rtlCol="0" anchor="ctr"/>
+          <a:lstStyle/>
+          <a:p>
+            <a:r>
+              <a:rPr lang="en-US" sz="1400" dirty="0" smtClean="0"/>
+              <a:t>+print() {abstract}</a:t>
+            </a:r>
+          </a:p>
+        </p:txBody>
+      </p:sp>
+      <p:cxnSp>
+        <p:nvCxnSpPr>
+          <p:cNvPr id="103" name="Elbow Connector 102"/>
+          <p:cNvCxnSpPr>
+            <a:stCxn id="5" idx="0"/>
+            <a:endCxn id="4" idx="3"/>
+          </p:cNvCxnSpPr>
+          <p:nvPr/>
+        </p:nvCxnSpPr>
+        <p:spPr>
+          <a:xfrm rot="16200000" flipV="1">
+            <a:off x="5994441" y="722443"/>
+            <a:ext cx="1071939" cy="970054"/>
+          </a:xfrm>
+          <a:prstGeom prst="bentConnector2">
+            <a:avLst/>
+          </a:prstGeom>
+          <a:ln>
+            <a:prstDash val="sysDash"/>
+            <a:tailEnd type="arrow"/>
+          </a:ln>
         </p:spPr>
         <p:style>
           <a:lnRef idx="2">
@@ -3780,6 +4125,164 @@
             <a:schemeClr val="lt1"/>
           </a:fontRef>
         </p:style>
+      </p:cxnSp>
+      <p:sp>
+        <p:nvSpPr>
+          <p:cNvPr id="111" name="TextBox 110"/>
+          <p:cNvSpPr txBox="1"/>
+          <p:nvPr/>
+        </p:nvSpPr>
+        <p:spPr>
+          <a:xfrm>
+            <a:off x="2502631" y="3707349"/>
+            <a:ext cx="275507" cy="307777"/>
+          </a:xfrm>
+          <a:prstGeom prst="rect">
+            <a:avLst/>
+          </a:prstGeom>
+          <a:noFill/>
+        </p:spPr>
+        <p:txBody>
+          <a:bodyPr wrap="square" rtlCol="0">
+            <a:spAutoFit/>
+          </a:bodyPr>
+          <a:lstStyle/>
+          <a:p>
+            <a:r>
+              <a:rPr lang="en-US" sz="1400" dirty="0"/>
+              <a:t>1</a:t>
+            </a:r>
+            <a:endParaRPr lang="en-SG" sz="1400" dirty="0"/>
+          </a:p>
+        </p:txBody>
+      </p:sp>
+      <p:sp>
+        <p:nvSpPr>
+          <p:cNvPr id="113" name="Rectangle 112"/>
+          <p:cNvSpPr/>
+          <p:nvPr/>
+        </p:nvSpPr>
+        <p:spPr>
+          <a:xfrm>
+            <a:off x="1124182" y="3843661"/>
+            <a:ext cx="1395727" cy="312344"/>
+          </a:xfrm>
+          <a:prstGeom prst="rect">
+            <a:avLst/>
+          </a:prstGeom>
+        </p:spPr>
+        <p:style>
+          <a:lnRef idx="2">
+            <a:schemeClr val="accent6">
+              <a:shade val="50000"/>
+            </a:schemeClr>
+          </a:lnRef>
+          <a:fillRef idx="1">
+            <a:schemeClr val="accent6"/>
+          </a:fillRef>
+          <a:effectRef idx="0">
+            <a:schemeClr val="accent6"/>
+          </a:effectRef>
+          <a:fontRef idx="minor">
+            <a:schemeClr val="lt1"/>
+          </a:fontRef>
+        </p:style>
+        <p:txBody>
+          <a:bodyPr rtlCol="0" anchor="ctr"/>
+          <a:lstStyle/>
+          <a:p>
+            <a:r>
+              <a:rPr lang="en-US" sz="1400" dirty="0" smtClean="0"/>
+              <a:t>+Review(</a:t>
+            </a:r>
+            <a:r>
+              <a:rPr lang="en-US" sz="1400" dirty="0" smtClean="0"/>
+              <a:t>Rating)</a:t>
+            </a:r>
+            <a:endParaRPr lang="en-SG" sz="1400" dirty="0"/>
+          </a:p>
+        </p:txBody>
+      </p:sp>
+      <p:sp>
+        <p:nvSpPr>
+          <p:cNvPr id="118" name="Rectangle 117"/>
+          <p:cNvSpPr/>
+          <p:nvPr/>
+        </p:nvSpPr>
+        <p:spPr>
+          <a:xfrm>
+            <a:off x="4787064" y="1082200"/>
+            <a:ext cx="1258315" cy="347411"/>
+          </a:xfrm>
+          <a:prstGeom prst="rect">
+            <a:avLst/>
+          </a:prstGeom>
+          <a:ln/>
+        </p:spPr>
+        <p:style>
+          <a:lnRef idx="2">
+            <a:schemeClr val="accent3">
+              <a:shade val="50000"/>
+            </a:schemeClr>
+          </a:lnRef>
+          <a:fillRef idx="1">
+            <a:schemeClr val="accent3"/>
+          </a:fillRef>
+          <a:effectRef idx="0">
+            <a:schemeClr val="accent3"/>
+          </a:effectRef>
+          <a:fontRef idx="minor">
+            <a:schemeClr val="lt1"/>
+          </a:fontRef>
+        </p:style>
+        <p:txBody>
+          <a:bodyPr rtlCol="0" anchor="ctr"/>
+          <a:lstStyle/>
+          <a:p>
+            <a:r>
+              <a:rPr lang="en-US" sz="1400" dirty="0"/>
+              <a:t>b</a:t>
+            </a:r>
+            <a:r>
+              <a:rPr lang="en-US" sz="1400" dirty="0" smtClean="0"/>
+              <a:t>ill()</a:t>
+            </a:r>
+            <a:endParaRPr lang="en-SG" sz="1400" dirty="0"/>
+          </a:p>
+        </p:txBody>
+      </p:sp>
+      <p:sp>
+        <p:nvSpPr>
+          <p:cNvPr id="119" name="Rectangle 118"/>
+          <p:cNvSpPr/>
+          <p:nvPr/>
+        </p:nvSpPr>
+        <p:spPr>
+          <a:xfrm>
+            <a:off x="4787066" y="903537"/>
+            <a:ext cx="1258315" cy="205345"/>
+          </a:xfrm>
+          <a:prstGeom prst="rect">
+            <a:avLst/>
+          </a:prstGeom>
+          <a:ln/>
+        </p:spPr>
+        <p:style>
+          <a:lnRef idx="2">
+            <a:schemeClr val="accent3">
+              <a:shade val="50000"/>
+            </a:schemeClr>
+          </a:lnRef>
+          <a:fillRef idx="1">
+            <a:schemeClr val="accent3"/>
+          </a:fillRef>
+          <a:effectRef idx="0">
+            <a:schemeClr val="accent3"/>
+          </a:effectRef>
+          <a:fontRef idx="minor">
+            <a:schemeClr val="lt1"/>
+          </a:fontRef>
+        </p:style>
         <p:txBody>
           <a:bodyPr rtlCol="0" anchor="ctr"/>
           <a:lstStyle/>
@@ -3791,14 +4294,14 @@
       </p:sp>
       <p:sp>
         <p:nvSpPr>
-          <p:cNvPr id="81" name="Rectangle 80"/>
+          <p:cNvPr id="29" name="Rectangle 28"/>
           <p:cNvSpPr/>
           <p:nvPr/>
         </p:nvSpPr>
         <p:spPr>
           <a:xfrm>
-            <a:off x="6078296" y="2164634"/>
-            <a:ext cx="1878080" cy="821789"/>
+            <a:off x="7444882" y="5617126"/>
+            <a:ext cx="1219302" cy="294050"/>
           </a:xfrm>
           <a:prstGeom prst="rect">
             <a:avLst/>
@@ -3824,86 +4327,41 @@
           <a:bodyPr rtlCol="0" anchor="ctr"/>
           <a:lstStyle/>
           <a:p>
-            <a:r>
-              <a:rPr lang="en-SG" sz="1400" dirty="0" smtClean="0"/>
-              <a:t>+add(</a:t>
-            </a:r>
-            <a:r>
-              <a:rPr lang="en-SG" sz="1400" dirty="0" err="1" smtClean="0"/>
-              <a:t>StockItem</a:t>
-            </a:r>
-            <a:r>
-              <a:rPr lang="en-SG" sz="1400" dirty="0" smtClean="0"/>
-              <a:t>)</a:t>
-            </a:r>
-          </a:p>
-          <a:p>
-            <a:r>
-              <a:rPr lang="en-SG" sz="1400" dirty="0" smtClean="0"/>
-              <a:t>+</a:t>
-            </a:r>
-            <a:r>
-              <a:rPr lang="en-SG" sz="1400" dirty="0" err="1" smtClean="0"/>
-              <a:t>generateBill</a:t>
-            </a:r>
-            <a:r>
-              <a:rPr lang="en-SG" sz="1400" dirty="0" smtClean="0"/>
-              <a:t>(Billable)</a:t>
-            </a:r>
-          </a:p>
-          <a:p>
-            <a:r>
-              <a:rPr lang="en-SG" sz="1400" dirty="0" smtClean="0"/>
-              <a:t>+</a:t>
-            </a:r>
-            <a:r>
-              <a:rPr lang="en-SG" sz="1400" dirty="0" err="1" smtClean="0"/>
-              <a:t>getItemCount</a:t>
-            </a:r>
-            <a:r>
-              <a:rPr lang="en-SG" sz="1400" dirty="0" smtClean="0"/>
-              <a:t>()</a:t>
-            </a:r>
-            <a:endParaRPr lang="en-SG" sz="1400" dirty="0"/>
-          </a:p>
-        </p:txBody>
-      </p:sp>
-      <p:sp>
-        <p:nvSpPr>
-          <p:cNvPr id="52" name="Rectangle 51"/>
+            <a:pPr algn="ctr"/>
+            <a:r>
+              <a:rPr lang="en-US" sz="1400" u="sng" dirty="0" smtClean="0"/>
+              <a:t>:Inventory</a:t>
+            </a:r>
+            <a:endParaRPr lang="en-SG" sz="1400" u="sng" dirty="0"/>
+          </a:p>
+        </p:txBody>
+      </p:sp>
+      <p:sp>
+        <p:nvSpPr>
+          <p:cNvPr id="31" name="Rectangle 30"/>
           <p:cNvSpPr/>
           <p:nvPr/>
         </p:nvSpPr>
         <p:spPr>
           <a:xfrm>
-            <a:off x="1034731" y="1940559"/>
-            <a:ext cx="1576377" cy="540059"/>
+            <a:off x="4915901" y="5625708"/>
+            <a:ext cx="1648839" cy="310743"/>
           </a:xfrm>
           <a:prstGeom prst="rect">
             <a:avLst/>
           </a:prstGeom>
-          <a:solidFill>
-            <a:srgbClr val="00B050"/>
-          </a:solidFill>
-          <a:ln>
-            <a:solidFill>
-              <a:schemeClr val="accent3">
-                <a:lumMod val="50000"/>
-              </a:schemeClr>
-            </a:solidFill>
-          </a:ln>
         </p:spPr>
         <p:style>
           <a:lnRef idx="2">
-            <a:schemeClr val="accent1">
+            <a:schemeClr val="accent2">
               <a:shade val="50000"/>
             </a:schemeClr>
           </a:lnRef>
           <a:fillRef idx="1">
-            <a:schemeClr val="accent1"/>
+            <a:schemeClr val="accent2"/>
           </a:fillRef>
           <a:effectRef idx="0">
-            <a:schemeClr val="accent1"/>
+            <a:schemeClr val="accent2"/>
           </a:effectRef>
           <a:fontRef idx="minor">
             <a:schemeClr val="lt1"/>
@@ -3915,56 +4373,43 @@
           <a:p>
             <a:pPr algn="ctr"/>
             <a:r>
-              <a:rPr lang="en-US" sz="1400" dirty="0" smtClean="0"/>
-              <a:t>&lt;&lt;enumeration&gt;&gt;</a:t>
-            </a:r>
-            <a:br>
-              <a:rPr lang="en-US" sz="1400" dirty="0" smtClean="0"/>
-            </a:br>
-            <a:r>
-              <a:rPr lang="en-US" sz="1400" dirty="0" smtClean="0"/>
-              <a:t>Rating</a:t>
-            </a:r>
-            <a:endParaRPr lang="en-SG" sz="1400" dirty="0"/>
-          </a:p>
-        </p:txBody>
-      </p:sp>
-      <p:sp>
-        <p:nvSpPr>
-          <p:cNvPr id="55" name="Rectangle 54"/>
+              <a:rPr lang="en-US" sz="1400" u="sng" dirty="0" smtClean="0"/>
+              <a:t>:</a:t>
+            </a:r>
+            <a:r>
+              <a:rPr lang="en-US" sz="1400" u="sng" dirty="0" err="1" smtClean="0"/>
+              <a:t>StockItem</a:t>
+            </a:r>
+            <a:endParaRPr lang="en-SG" sz="1400" u="sng" dirty="0"/>
+          </a:p>
+        </p:txBody>
+      </p:sp>
+      <p:sp>
+        <p:nvSpPr>
+          <p:cNvPr id="32" name="Rectangle 31"/>
           <p:cNvSpPr/>
           <p:nvPr/>
         </p:nvSpPr>
         <p:spPr>
           <a:xfrm>
-            <a:off x="1034730" y="2479476"/>
-            <a:ext cx="1576377" cy="344841"/>
+            <a:off x="4915901" y="5944265"/>
+            <a:ext cx="1640807" cy="484744"/>
           </a:xfrm>
           <a:prstGeom prst="rect">
             <a:avLst/>
           </a:prstGeom>
-          <a:solidFill>
-            <a:srgbClr val="00B050"/>
-          </a:solidFill>
-          <a:ln>
-            <a:solidFill>
-              <a:schemeClr val="accent3">
-                <a:lumMod val="50000"/>
-              </a:schemeClr>
-            </a:solidFill>
-          </a:ln>
         </p:spPr>
         <p:style>
           <a:lnRef idx="2">
-            <a:schemeClr val="accent1">
+            <a:schemeClr val="accent2">
               <a:shade val="50000"/>
             </a:schemeClr>
           </a:lnRef>
           <a:fillRef idx="1">
-            <a:schemeClr val="accent1"/>
+            <a:schemeClr val="accent2"/>
           </a:fillRef>
           <a:effectRef idx="0">
-            <a:schemeClr val="accent1"/>
+            <a:schemeClr val="accent2"/>
           </a:effectRef>
           <a:fontRef idx="minor">
             <a:schemeClr val="lt1"/>
@@ -3974,28 +4419,204 @@
           <a:bodyPr rtlCol="0" anchor="ctr"/>
           <a:lstStyle/>
           <a:p>
+            <a:r>
+              <a:rPr lang="en-US" sz="1400" dirty="0"/>
+              <a:t>n</a:t>
+            </a:r>
+            <a:r>
+              <a:rPr lang="en-US" sz="1400" dirty="0" smtClean="0"/>
+              <a:t>ame = “spanner”</a:t>
+            </a:r>
+          </a:p>
+          <a:p>
+            <a:endParaRPr lang="en-SG" sz="1400" dirty="0"/>
+          </a:p>
+        </p:txBody>
+      </p:sp>
+      <p:sp>
+        <p:nvSpPr>
+          <p:cNvPr id="33" name="Rectangle 32"/>
+          <p:cNvSpPr/>
+          <p:nvPr/>
+        </p:nvSpPr>
+        <p:spPr>
+          <a:xfrm>
+            <a:off x="2642387" y="5642728"/>
+            <a:ext cx="1268843" cy="312344"/>
+          </a:xfrm>
+          <a:prstGeom prst="rect">
+            <a:avLst/>
+          </a:prstGeom>
+        </p:spPr>
+        <p:style>
+          <a:lnRef idx="2">
+            <a:schemeClr val="accent6">
+              <a:shade val="50000"/>
+            </a:schemeClr>
+          </a:lnRef>
+          <a:fillRef idx="1">
+            <a:schemeClr val="accent6"/>
+          </a:fillRef>
+          <a:effectRef idx="0">
+            <a:schemeClr val="accent6"/>
+          </a:effectRef>
+          <a:fontRef idx="minor">
+            <a:schemeClr val="lt1"/>
+          </a:fontRef>
+        </p:style>
+        <p:txBody>
+          <a:bodyPr rtlCol="0" anchor="ctr"/>
+          <a:lstStyle/>
+          <a:p>
             <a:pPr algn="ctr"/>
             <a:r>
-              <a:rPr lang="en-US" sz="1400" dirty="0" smtClean="0"/>
-              <a:t>GOOD, OK, POOR</a:t>
-            </a:r>
-            <a:endParaRPr lang="en-SG" sz="1400" dirty="0"/>
+              <a:rPr lang="en-US" sz="1400" u="sng" dirty="0" smtClean="0"/>
+              <a:t>:Review</a:t>
+            </a:r>
+            <a:endParaRPr lang="en-SG" sz="1400" u="sng" dirty="0"/>
           </a:p>
         </p:txBody>
       </p:sp>
       <p:cxnSp>
         <p:nvCxnSpPr>
-          <p:cNvPr id="58" name="Elbow Connector 57"/>
+          <p:cNvPr id="34" name="Elbow Connector 33"/>
           <p:cNvCxnSpPr>
-            <a:stCxn id="15" idx="0"/>
-            <a:endCxn id="55" idx="2"/>
+            <a:stCxn id="31" idx="1"/>
+            <a:endCxn id="33" idx="3"/>
           </p:cNvCxnSpPr>
           <p:nvPr/>
         </p:nvCxnSpPr>
         <p:spPr>
-          <a:xfrm rot="5400000" flipH="1" flipV="1">
-            <a:off x="1466086" y="3180277"/>
-            <a:ext cx="712792" cy="873"/>
+          <a:xfrm rot="10800000" flipV="1">
+            <a:off x="3911231" y="5781080"/>
+            <a:ext cx="1004671" cy="17820"/>
+          </a:xfrm>
+          <a:prstGeom prst="bentConnector3">
+            <a:avLst>
+              <a:gd name="adj1" fmla="val 50000"/>
+            </a:avLst>
+          </a:prstGeom>
+          <a:ln>
+            <a:tailEnd type="arrow"/>
+          </a:ln>
+        </p:spPr>
+        <p:style>
+          <a:lnRef idx="2">
+            <a:schemeClr val="accent6">
+              <a:shade val="50000"/>
+            </a:schemeClr>
+          </a:lnRef>
+          <a:fillRef idx="1">
+            <a:schemeClr val="accent6"/>
+          </a:fillRef>
+          <a:effectRef idx="0">
+            <a:schemeClr val="accent6"/>
+          </a:effectRef>
+          <a:fontRef idx="minor">
+            <a:schemeClr val="lt1"/>
+          </a:fontRef>
+        </p:style>
+      </p:cxnSp>
+      <p:sp>
+        <p:nvSpPr>
+          <p:cNvPr id="38" name="Rectangle 37"/>
+          <p:cNvSpPr/>
+          <p:nvPr/>
+        </p:nvSpPr>
+        <p:spPr>
+          <a:xfrm>
+            <a:off x="2642387" y="5949280"/>
+            <a:ext cx="1268843" cy="312344"/>
+          </a:xfrm>
+          <a:prstGeom prst="rect">
+            <a:avLst/>
+          </a:prstGeom>
+        </p:spPr>
+        <p:style>
+          <a:lnRef idx="2">
+            <a:schemeClr val="accent6">
+              <a:shade val="50000"/>
+            </a:schemeClr>
+          </a:lnRef>
+          <a:fillRef idx="1">
+            <a:schemeClr val="accent6"/>
+          </a:fillRef>
+          <a:effectRef idx="0">
+            <a:schemeClr val="accent6"/>
+          </a:effectRef>
+          <a:fontRef idx="minor">
+            <a:schemeClr val="lt1"/>
+          </a:fontRef>
+        </p:style>
+        <p:txBody>
+          <a:bodyPr rtlCol="0" anchor="ctr"/>
+          <a:lstStyle/>
+          <a:p>
+            <a:r>
+              <a:rPr lang="en-US" sz="1400" dirty="0"/>
+              <a:t>r</a:t>
+            </a:r>
+            <a:r>
+              <a:rPr lang="en-US" sz="1400" dirty="0" smtClean="0"/>
+              <a:t>ating=POOR</a:t>
+            </a:r>
+            <a:endParaRPr lang="en-SG" sz="1400" dirty="0"/>
+          </a:p>
+        </p:txBody>
+      </p:sp>
+      <p:cxnSp>
+        <p:nvCxnSpPr>
+          <p:cNvPr id="39" name="Elbow Connector 38"/>
+          <p:cNvCxnSpPr>
+            <a:stCxn id="29" idx="1"/>
+            <a:endCxn id="31" idx="3"/>
+          </p:cNvCxnSpPr>
+          <p:nvPr/>
+        </p:nvCxnSpPr>
+        <p:spPr>
+          <a:xfrm rot="10800000" flipV="1">
+            <a:off x="6564740" y="5764150"/>
+            <a:ext cx="880142" cy="16929"/>
+          </a:xfrm>
+          <a:prstGeom prst="bentConnector3">
+            <a:avLst>
+              <a:gd name="adj1" fmla="val 50000"/>
+            </a:avLst>
+          </a:prstGeom>
+          <a:ln>
+            <a:tailEnd type="arrow"/>
+          </a:ln>
+        </p:spPr>
+        <p:style>
+          <a:lnRef idx="2">
+            <a:schemeClr val="accent5">
+              <a:shade val="50000"/>
+            </a:schemeClr>
+          </a:lnRef>
+          <a:fillRef idx="1">
+            <a:schemeClr val="accent5"/>
+          </a:fillRef>
+          <a:effectRef idx="0">
+            <a:schemeClr val="accent5"/>
+          </a:effectRef>
+          <a:fontRef idx="minor">
+            <a:schemeClr val="lt1"/>
+          </a:fontRef>
+        </p:style>
+      </p:cxnSp>
+      <p:cxnSp>
+        <p:nvCxnSpPr>
+          <p:cNvPr id="40" name="Elbow Connector 39"/>
+          <p:cNvCxnSpPr>
+            <a:stCxn id="49" idx="1"/>
+            <a:endCxn id="52" idx="3"/>
+          </p:cNvCxnSpPr>
+          <p:nvPr/>
+        </p:nvCxnSpPr>
+        <p:spPr>
+          <a:xfrm rot="10800000">
+            <a:off x="2611109" y="2210589"/>
+            <a:ext cx="607889" cy="1084158"/>
           </a:xfrm>
           <a:prstGeom prst="bentConnector3">
             <a:avLst>
@@ -4032,135 +4653,42 @@
       </p:cxnSp>
       <p:sp>
         <p:nvSpPr>
-          <p:cNvPr id="83" name="Rectangle 82"/>
+          <p:cNvPr id="14" name="Rectangle 13"/>
           <p:cNvSpPr/>
           <p:nvPr/>
         </p:nvSpPr>
         <p:spPr>
           <a:xfrm>
-            <a:off x="3559349" y="2185569"/>
-            <a:ext cx="1513900" cy="298463"/>
+            <a:off x="1199559" y="2803014"/>
+            <a:ext cx="610552" cy="307777"/>
           </a:xfrm>
           <a:prstGeom prst="rect">
             <a:avLst/>
           </a:prstGeom>
         </p:spPr>
-        <p:style>
-          <a:lnRef idx="2">
-            <a:schemeClr val="accent2">
-              <a:shade val="50000"/>
-            </a:schemeClr>
-          </a:lnRef>
-          <a:fillRef idx="1">
-            <a:schemeClr val="accent2"/>
-          </a:fillRef>
-          <a:effectRef idx="0">
-            <a:schemeClr val="accent2"/>
-          </a:effectRef>
-          <a:fontRef idx="minor">
-            <a:schemeClr val="lt1"/>
-          </a:fontRef>
-        </p:style>
-        <p:txBody>
-          <a:bodyPr rtlCol="0" anchor="ctr"/>
-          <a:lstStyle/>
-          <a:p>
-            <a:endParaRPr lang="en-US" sz="1400" dirty="0" smtClean="0"/>
-          </a:p>
-        </p:txBody>
-      </p:sp>
-      <p:sp>
-        <p:nvSpPr>
-          <p:cNvPr id="79" name="Rectangle 78"/>
-          <p:cNvSpPr/>
-          <p:nvPr/>
-        </p:nvSpPr>
-        <p:spPr>
-          <a:xfrm>
-            <a:off x="3559349" y="2315582"/>
-            <a:ext cx="1513900" cy="298463"/>
-          </a:xfrm>
-          <a:prstGeom prst="rect">
-            <a:avLst/>
-          </a:prstGeom>
-        </p:spPr>
-        <p:style>
-          <a:lnRef idx="2">
-            <a:schemeClr val="accent2">
-              <a:shade val="50000"/>
-            </a:schemeClr>
-          </a:lnRef>
-          <a:fillRef idx="1">
-            <a:schemeClr val="accent2"/>
-          </a:fillRef>
-          <a:effectRef idx="0">
-            <a:schemeClr val="accent2"/>
-          </a:effectRef>
-          <a:fontRef idx="minor">
-            <a:schemeClr val="lt1"/>
-          </a:fontRef>
-        </p:style>
-        <p:txBody>
-          <a:bodyPr rtlCol="0" anchor="ctr"/>
-          <a:lstStyle/>
-          <a:p>
-            <a:r>
-              <a:rPr lang="en-US" sz="1400" dirty="0" smtClean="0"/>
-              <a:t>+print() {abstract}</a:t>
-            </a:r>
-          </a:p>
-        </p:txBody>
-      </p:sp>
-      <p:cxnSp>
-        <p:nvCxnSpPr>
-          <p:cNvPr id="103" name="Elbow Connector 102"/>
-          <p:cNvCxnSpPr>
-            <a:stCxn id="5" idx="0"/>
-            <a:endCxn id="4" idx="3"/>
-          </p:cNvCxnSpPr>
-          <p:nvPr/>
-        </p:nvCxnSpPr>
-        <p:spPr>
-          <a:xfrm rot="16200000" flipV="1">
-            <a:off x="5994441" y="722443"/>
-            <a:ext cx="1071939" cy="970054"/>
-          </a:xfrm>
-          <a:prstGeom prst="bentConnector2">
-            <a:avLst/>
-          </a:prstGeom>
-          <a:ln>
-            <a:prstDash val="sysDash"/>
-            <a:headEnd type="none" w="med" len="med"/>
-            <a:tailEnd type="arrow" w="med" len="med"/>
-          </a:ln>
-        </p:spPr>
-        <p:style>
-          <a:lnRef idx="2">
-            <a:schemeClr val="accent3">
-              <a:shade val="50000"/>
-            </a:schemeClr>
-          </a:lnRef>
-          <a:fillRef idx="1">
-            <a:schemeClr val="accent3"/>
-          </a:fillRef>
-          <a:effectRef idx="0">
-            <a:schemeClr val="accent3"/>
-          </a:effectRef>
-          <a:fontRef idx="minor">
-            <a:schemeClr val="lt1"/>
-          </a:fontRef>
-        </p:style>
-      </p:cxnSp>
-      <p:sp>
-        <p:nvSpPr>
-          <p:cNvPr id="111" name="TextBox 110"/>
+        <p:txBody>
+          <a:bodyPr wrap="none">
+            <a:spAutoFit/>
+          </a:bodyPr>
+          <a:lstStyle/>
+          <a:p>
+            <a:r>
+              <a:rPr lang="en-US" sz="1400" dirty="0"/>
+              <a:t>rating</a:t>
+            </a:r>
+          </a:p>
+        </p:txBody>
+      </p:sp>
+      <p:sp>
+        <p:nvSpPr>
+          <p:cNvPr id="47" name="TextBox 46"/>
           <p:cNvSpPr txBox="1"/>
           <p:nvPr/>
         </p:nvSpPr>
         <p:spPr>
           <a:xfrm>
-            <a:off x="2456467" y="3742101"/>
-            <a:ext cx="275507" cy="307777"/>
+            <a:off x="1855341" y="2828757"/>
+            <a:ext cx="484411" cy="307777"/>
           </a:xfrm>
           <a:prstGeom prst="rect">
             <a:avLst/>
@@ -4174,8 +4702,8 @@
           <a:lstStyle/>
           <a:p>
             <a:r>
-              <a:rPr lang="en-US" sz="1400" dirty="0"/>
-              <a:t>1</a:t>
+              <a:rPr lang="en-US" sz="1400" dirty="0" smtClean="0"/>
+              <a:t>0..1</a:t>
             </a:r>
             <a:endParaRPr lang="en-SG" sz="1400" dirty="0"/>
           </a:p>
@@ -4183,492 +4711,34 @@
       </p:sp>
       <p:sp>
         <p:nvSpPr>
-          <p:cNvPr id="113" name="Rectangle 112"/>
-          <p:cNvSpPr/>
+          <p:cNvPr id="48" name="TextBox 47"/>
+          <p:cNvSpPr txBox="1"/>
           <p:nvPr/>
         </p:nvSpPr>
         <p:spPr>
           <a:xfrm>
-            <a:off x="1187624" y="3843661"/>
-            <a:ext cx="1268843" cy="312344"/>
+            <a:off x="5088751" y="1940559"/>
+            <a:ext cx="660885" cy="307777"/>
           </a:xfrm>
           <a:prstGeom prst="rect">
             <a:avLst/>
           </a:prstGeom>
-        </p:spPr>
-        <p:style>
-          <a:lnRef idx="2">
-            <a:schemeClr val="accent6">
-              <a:shade val="50000"/>
-            </a:schemeClr>
-          </a:lnRef>
-          <a:fillRef idx="1">
-            <a:schemeClr val="accent6"/>
-          </a:fillRef>
-          <a:effectRef idx="0">
-            <a:schemeClr val="accent6"/>
-          </a:effectRef>
-          <a:fontRef idx="minor">
-            <a:schemeClr val="lt1"/>
-          </a:fontRef>
-        </p:style>
-        <p:txBody>
-          <a:bodyPr rtlCol="0" anchor="ctr"/>
+          <a:noFill/>
+        </p:spPr>
+        <p:txBody>
+          <a:bodyPr wrap="square" rtlCol="0">
+            <a:spAutoFit/>
+          </a:bodyPr>
           <a:lstStyle/>
           <a:p>
             <a:r>
               <a:rPr lang="en-US" sz="1400" dirty="0" smtClean="0"/>
-              <a:t>-</a:t>
-            </a:r>
-            <a:r>
-              <a:rPr lang="en-US" sz="1400" dirty="0" err="1" smtClean="0"/>
-              <a:t>rating:Rating</a:t>
+              <a:t>items</a:t>
             </a:r>
             <a:endParaRPr lang="en-SG" sz="1400" dirty="0"/>
           </a:p>
         </p:txBody>
       </p:sp>
-      <p:sp>
-        <p:nvSpPr>
-          <p:cNvPr id="118" name="Rectangle 117"/>
-          <p:cNvSpPr/>
-          <p:nvPr/>
-        </p:nvSpPr>
-        <p:spPr>
-          <a:xfrm>
-            <a:off x="4787064" y="1082200"/>
-            <a:ext cx="1258315" cy="347411"/>
-          </a:xfrm>
-          <a:prstGeom prst="rect">
-            <a:avLst/>
-          </a:prstGeom>
-          <a:ln/>
-        </p:spPr>
-        <p:style>
-          <a:lnRef idx="2">
-            <a:schemeClr val="accent3">
-              <a:shade val="50000"/>
-            </a:schemeClr>
-          </a:lnRef>
-          <a:fillRef idx="1">
-            <a:schemeClr val="accent3"/>
-          </a:fillRef>
-          <a:effectRef idx="0">
-            <a:schemeClr val="accent3"/>
-          </a:effectRef>
-          <a:fontRef idx="minor">
-            <a:schemeClr val="lt1"/>
-          </a:fontRef>
-        </p:style>
-        <p:txBody>
-          <a:bodyPr rtlCol="0" anchor="ctr"/>
-          <a:lstStyle/>
-          <a:p>
-            <a:r>
-              <a:rPr lang="en-US" sz="1400" dirty="0"/>
-              <a:t>b</a:t>
-            </a:r>
-            <a:r>
-              <a:rPr lang="en-US" sz="1400" dirty="0" smtClean="0"/>
-              <a:t>ill()</a:t>
-            </a:r>
-            <a:endParaRPr lang="en-SG" sz="1400" dirty="0"/>
-          </a:p>
-        </p:txBody>
-      </p:sp>
-      <p:sp>
-        <p:nvSpPr>
-          <p:cNvPr id="119" name="Rectangle 118"/>
-          <p:cNvSpPr/>
-          <p:nvPr/>
-        </p:nvSpPr>
-        <p:spPr>
-          <a:xfrm>
-            <a:off x="4787066" y="903537"/>
-            <a:ext cx="1258315" cy="205345"/>
-          </a:xfrm>
-          <a:prstGeom prst="rect">
-            <a:avLst/>
-          </a:prstGeom>
-          <a:ln/>
-        </p:spPr>
-        <p:style>
-          <a:lnRef idx="2">
-            <a:schemeClr val="accent3">
-              <a:shade val="50000"/>
-            </a:schemeClr>
-          </a:lnRef>
-          <a:fillRef idx="1">
-            <a:schemeClr val="accent3"/>
-          </a:fillRef>
-          <a:effectRef idx="0">
-            <a:schemeClr val="accent3"/>
-          </a:effectRef>
-          <a:fontRef idx="minor">
-            <a:schemeClr val="lt1"/>
-          </a:fontRef>
-        </p:style>
-        <p:txBody>
-          <a:bodyPr rtlCol="0" anchor="ctr"/>
-          <a:lstStyle/>
-          <a:p>
-            <a:pPr algn="ctr"/>
-            <a:endParaRPr lang="en-SG" sz="1400" dirty="0"/>
-          </a:p>
-        </p:txBody>
-      </p:sp>
-      <p:sp>
-        <p:nvSpPr>
-          <p:cNvPr id="29" name="Rectangle 28"/>
-          <p:cNvSpPr/>
-          <p:nvPr/>
-        </p:nvSpPr>
-        <p:spPr>
-          <a:xfrm>
-            <a:off x="6405786" y="5589240"/>
-            <a:ext cx="1219302" cy="294050"/>
-          </a:xfrm>
-          <a:prstGeom prst="rect">
-            <a:avLst/>
-          </a:prstGeom>
-        </p:spPr>
-        <p:style>
-          <a:lnRef idx="2">
-            <a:schemeClr val="accent5">
-              <a:shade val="50000"/>
-            </a:schemeClr>
-          </a:lnRef>
-          <a:fillRef idx="1">
-            <a:schemeClr val="accent5"/>
-          </a:fillRef>
-          <a:effectRef idx="0">
-            <a:schemeClr val="accent5"/>
-          </a:effectRef>
-          <a:fontRef idx="minor">
-            <a:schemeClr val="lt1"/>
-          </a:fontRef>
-        </p:style>
-        <p:txBody>
-          <a:bodyPr rtlCol="0" anchor="ctr"/>
-          <a:lstStyle/>
-          <a:p>
-            <a:pPr algn="ctr"/>
-            <a:r>
-              <a:rPr lang="en-US" sz="1400" u="sng" dirty="0" smtClean="0"/>
-              <a:t>:Inventory</a:t>
-            </a:r>
-            <a:endParaRPr lang="en-SG" sz="1400" u="sng" dirty="0"/>
-          </a:p>
-        </p:txBody>
-      </p:sp>
-      <p:sp>
-        <p:nvSpPr>
-          <p:cNvPr id="31" name="Rectangle 30"/>
-          <p:cNvSpPr/>
-          <p:nvPr/>
-        </p:nvSpPr>
-        <p:spPr>
-          <a:xfrm>
-            <a:off x="3876805" y="5597822"/>
-            <a:ext cx="1648839" cy="310743"/>
-          </a:xfrm>
-          <a:prstGeom prst="rect">
-            <a:avLst/>
-          </a:prstGeom>
-        </p:spPr>
-        <p:style>
-          <a:lnRef idx="2">
-            <a:schemeClr val="accent2">
-              <a:shade val="50000"/>
-            </a:schemeClr>
-          </a:lnRef>
-          <a:fillRef idx="1">
-            <a:schemeClr val="accent2"/>
-          </a:fillRef>
-          <a:effectRef idx="0">
-            <a:schemeClr val="accent2"/>
-          </a:effectRef>
-          <a:fontRef idx="minor">
-            <a:schemeClr val="lt1"/>
-          </a:fontRef>
-        </p:style>
-        <p:txBody>
-          <a:bodyPr rtlCol="0" anchor="ctr"/>
-          <a:lstStyle/>
-          <a:p>
-            <a:pPr algn="ctr"/>
-            <a:r>
-              <a:rPr lang="en-US" sz="1400" u="sng" dirty="0" smtClean="0"/>
-              <a:t>:</a:t>
-            </a:r>
-            <a:r>
-              <a:rPr lang="en-US" sz="1400" u="sng" dirty="0" err="1" smtClean="0"/>
-              <a:t>StockItem</a:t>
-            </a:r>
-            <a:endParaRPr lang="en-SG" sz="1400" u="sng" dirty="0"/>
-          </a:p>
-        </p:txBody>
-      </p:sp>
-      <p:sp>
-        <p:nvSpPr>
-          <p:cNvPr id="32" name="Rectangle 31"/>
-          <p:cNvSpPr/>
-          <p:nvPr/>
-        </p:nvSpPr>
-        <p:spPr>
-          <a:xfrm>
-            <a:off x="3876805" y="5916379"/>
-            <a:ext cx="1640807" cy="484744"/>
-          </a:xfrm>
-          <a:prstGeom prst="rect">
-            <a:avLst/>
-          </a:prstGeom>
-        </p:spPr>
-        <p:style>
-          <a:lnRef idx="2">
-            <a:schemeClr val="accent2">
-              <a:shade val="50000"/>
-            </a:schemeClr>
-          </a:lnRef>
-          <a:fillRef idx="1">
-            <a:schemeClr val="accent2"/>
-          </a:fillRef>
-          <a:effectRef idx="0">
-            <a:schemeClr val="accent2"/>
-          </a:effectRef>
-          <a:fontRef idx="minor">
-            <a:schemeClr val="lt1"/>
-          </a:fontRef>
-        </p:style>
-        <p:txBody>
-          <a:bodyPr rtlCol="0" anchor="ctr"/>
-          <a:lstStyle/>
-          <a:p>
-            <a:r>
-              <a:rPr lang="en-US" sz="1400" dirty="0"/>
-              <a:t>n</a:t>
-            </a:r>
-            <a:r>
-              <a:rPr lang="en-US" sz="1400" dirty="0" smtClean="0"/>
-              <a:t>ame = “spanner”</a:t>
-            </a:r>
-          </a:p>
-          <a:p>
-            <a:endParaRPr lang="en-SG" sz="1400" dirty="0"/>
-          </a:p>
-        </p:txBody>
-      </p:sp>
-      <p:sp>
-        <p:nvSpPr>
-          <p:cNvPr id="33" name="Rectangle 32"/>
-          <p:cNvSpPr/>
-          <p:nvPr/>
-        </p:nvSpPr>
-        <p:spPr>
-          <a:xfrm>
-            <a:off x="1603291" y="5614842"/>
-            <a:ext cx="1268843" cy="312344"/>
-          </a:xfrm>
-          <a:prstGeom prst="rect">
-            <a:avLst/>
-          </a:prstGeom>
-        </p:spPr>
-        <p:style>
-          <a:lnRef idx="2">
-            <a:schemeClr val="accent6">
-              <a:shade val="50000"/>
-            </a:schemeClr>
-          </a:lnRef>
-          <a:fillRef idx="1">
-            <a:schemeClr val="accent6"/>
-          </a:fillRef>
-          <a:effectRef idx="0">
-            <a:schemeClr val="accent6"/>
-          </a:effectRef>
-          <a:fontRef idx="minor">
-            <a:schemeClr val="lt1"/>
-          </a:fontRef>
-        </p:style>
-        <p:txBody>
-          <a:bodyPr rtlCol="0" anchor="ctr"/>
-          <a:lstStyle/>
-          <a:p>
-            <a:pPr algn="ctr"/>
-            <a:r>
-              <a:rPr lang="en-US" sz="1400" u="sng" dirty="0" smtClean="0"/>
-              <a:t>:Review</a:t>
-            </a:r>
-            <a:endParaRPr lang="en-SG" sz="1400" u="sng" dirty="0"/>
-          </a:p>
-        </p:txBody>
-      </p:sp>
-      <p:cxnSp>
-        <p:nvCxnSpPr>
-          <p:cNvPr id="34" name="Elbow Connector 33"/>
-          <p:cNvCxnSpPr>
-            <a:stCxn id="35" idx="1"/>
-            <a:endCxn id="33" idx="3"/>
-          </p:cNvCxnSpPr>
-          <p:nvPr/>
-        </p:nvCxnSpPr>
-        <p:spPr>
-          <a:xfrm rot="10800000" flipV="1">
-            <a:off x="2872135" y="5765222"/>
-            <a:ext cx="763441" cy="5791"/>
-          </a:xfrm>
-          <a:prstGeom prst="bentConnector3">
-            <a:avLst>
-              <a:gd name="adj1" fmla="val 50000"/>
-            </a:avLst>
-          </a:prstGeom>
-          <a:ln>
-            <a:tailEnd type="arrow"/>
-          </a:ln>
-        </p:spPr>
-        <p:style>
-          <a:lnRef idx="2">
-            <a:schemeClr val="accent6">
-              <a:shade val="50000"/>
-            </a:schemeClr>
-          </a:lnRef>
-          <a:fillRef idx="1">
-            <a:schemeClr val="accent6"/>
-          </a:fillRef>
-          <a:effectRef idx="0">
-            <a:schemeClr val="accent6"/>
-          </a:effectRef>
-          <a:fontRef idx="minor">
-            <a:schemeClr val="lt1"/>
-          </a:fontRef>
-        </p:style>
-      </p:cxnSp>
-      <p:sp>
-        <p:nvSpPr>
-          <p:cNvPr id="35" name="Flowchart: Decision 34"/>
-          <p:cNvSpPr/>
-          <p:nvPr/>
-        </p:nvSpPr>
-        <p:spPr>
-          <a:xfrm>
-            <a:off x="3635575" y="5625440"/>
-            <a:ext cx="266061" cy="279566"/>
-          </a:xfrm>
-          <a:prstGeom prst="flowChartDecision">
-            <a:avLst/>
-          </a:prstGeom>
-        </p:spPr>
-        <p:style>
-          <a:lnRef idx="2">
-            <a:schemeClr val="accent6">
-              <a:shade val="50000"/>
-            </a:schemeClr>
-          </a:lnRef>
-          <a:fillRef idx="1">
-            <a:schemeClr val="accent6"/>
-          </a:fillRef>
-          <a:effectRef idx="0">
-            <a:schemeClr val="accent6"/>
-          </a:effectRef>
-          <a:fontRef idx="minor">
-            <a:schemeClr val="lt1"/>
-          </a:fontRef>
-        </p:style>
-        <p:txBody>
-          <a:bodyPr rtlCol="0" anchor="ctr"/>
-          <a:lstStyle/>
-          <a:p>
-            <a:pPr algn="ctr"/>
-            <a:endParaRPr lang="en-US" sz="1400"/>
-          </a:p>
-        </p:txBody>
-      </p:sp>
-      <p:sp>
-        <p:nvSpPr>
-          <p:cNvPr id="38" name="Rectangle 37"/>
-          <p:cNvSpPr/>
-          <p:nvPr/>
-        </p:nvSpPr>
-        <p:spPr>
-          <a:xfrm>
-            <a:off x="1603291" y="5921394"/>
-            <a:ext cx="1268843" cy="312344"/>
-          </a:xfrm>
-          <a:prstGeom prst="rect">
-            <a:avLst/>
-          </a:prstGeom>
-        </p:spPr>
-        <p:style>
-          <a:lnRef idx="2">
-            <a:schemeClr val="accent6">
-              <a:shade val="50000"/>
-            </a:schemeClr>
-          </a:lnRef>
-          <a:fillRef idx="1">
-            <a:schemeClr val="accent6"/>
-          </a:fillRef>
-          <a:effectRef idx="0">
-            <a:schemeClr val="accent6"/>
-          </a:effectRef>
-          <a:fontRef idx="minor">
-            <a:schemeClr val="lt1"/>
-          </a:fontRef>
-        </p:style>
-        <p:txBody>
-          <a:bodyPr rtlCol="0" anchor="ctr"/>
-          <a:lstStyle/>
-          <a:p>
-            <a:r>
-              <a:rPr lang="en-US" sz="1400" dirty="0"/>
-              <a:t>r</a:t>
-            </a:r>
-            <a:r>
-              <a:rPr lang="en-US" sz="1400" dirty="0" smtClean="0"/>
-              <a:t>ating=POOR</a:t>
-            </a:r>
-            <a:endParaRPr lang="en-SG" sz="1400" dirty="0"/>
-          </a:p>
-        </p:txBody>
-      </p:sp>
-      <p:cxnSp>
-        <p:nvCxnSpPr>
-          <p:cNvPr id="39" name="Elbow Connector 38"/>
-          <p:cNvCxnSpPr>
-            <a:stCxn id="29" idx="1"/>
-            <a:endCxn id="31" idx="3"/>
-          </p:cNvCxnSpPr>
-          <p:nvPr/>
-        </p:nvCxnSpPr>
-        <p:spPr>
-          <a:xfrm rot="10800000" flipV="1">
-            <a:off x="5525644" y="5736264"/>
-            <a:ext cx="880142" cy="16929"/>
-          </a:xfrm>
-          <a:prstGeom prst="bentConnector3">
-            <a:avLst>
-              <a:gd name="adj1" fmla="val 50000"/>
-            </a:avLst>
-          </a:prstGeom>
-          <a:ln>
-            <a:tailEnd type="arrow"/>
-          </a:ln>
-        </p:spPr>
-        <p:style>
-          <a:lnRef idx="2">
-            <a:schemeClr val="accent5">
-              <a:shade val="50000"/>
-            </a:schemeClr>
-          </a:lnRef>
-          <a:fillRef idx="1">
-            <a:schemeClr val="accent5"/>
-          </a:fillRef>
-          <a:effectRef idx="0">
-            <a:schemeClr val="accent5"/>
-          </a:effectRef>
-          <a:fontRef idx="minor">
-            <a:schemeClr val="lt1"/>
-          </a:fontRef>
-        </p:style>
-      </p:cxnSp>
     </p:spTree>
     <p:extLst>
       <p:ext uri="{BB962C8B-B14F-4D97-AF65-F5344CB8AC3E}">

--- a/diagrams/modelling/modellingStructures/classDiagramsIntermediate/a-classDiagramForItemEtc.pptx
+++ b/diagrams/modelling/modellingStructures/classDiagramsIntermediate/a-classDiagramForItemEtc.pptx
@@ -6,6 +6,7 @@
   </p:sldMasterIdLst>
   <p:sldIdLst>
     <p:sldId id="257" r:id="rId2"/>
+    <p:sldId id="258" r:id="rId3"/>
   </p:sldIdLst>
   <p:sldSz cx="9144000" cy="6858000" type="screen4x3"/>
   <p:notesSz cx="6858000" cy="9144000"/>
@@ -304,7 +305,7 @@
           <a:p>
             <a:fld id="{A0F86979-30DA-49EE-A740-32EBA6D2B7DE}" type="datetimeFigureOut">
               <a:rPr lang="en-SG" smtClean="0"/>
-              <a:t>6/10/2019</a:t>
+              <a:t>8/10/2019</a:t>
             </a:fld>
             <a:endParaRPr lang="en-SG"/>
           </a:p>
@@ -474,7 +475,7 @@
           <a:p>
             <a:fld id="{A0F86979-30DA-49EE-A740-32EBA6D2B7DE}" type="datetimeFigureOut">
               <a:rPr lang="en-SG" smtClean="0"/>
-              <a:t>6/10/2019</a:t>
+              <a:t>8/10/2019</a:t>
             </a:fld>
             <a:endParaRPr lang="en-SG"/>
           </a:p>
@@ -654,7 +655,7 @@
           <a:p>
             <a:fld id="{A0F86979-30DA-49EE-A740-32EBA6D2B7DE}" type="datetimeFigureOut">
               <a:rPr lang="en-SG" smtClean="0"/>
-              <a:t>6/10/2019</a:t>
+              <a:t>8/10/2019</a:t>
             </a:fld>
             <a:endParaRPr lang="en-SG"/>
           </a:p>
@@ -824,7 +825,7 @@
           <a:p>
             <a:fld id="{A0F86979-30DA-49EE-A740-32EBA6D2B7DE}" type="datetimeFigureOut">
               <a:rPr lang="en-SG" smtClean="0"/>
-              <a:t>6/10/2019</a:t>
+              <a:t>8/10/2019</a:t>
             </a:fld>
             <a:endParaRPr lang="en-SG"/>
           </a:p>
@@ -1070,7 +1071,7 @@
           <a:p>
             <a:fld id="{A0F86979-30DA-49EE-A740-32EBA6D2B7DE}" type="datetimeFigureOut">
               <a:rPr lang="en-SG" smtClean="0"/>
-              <a:t>6/10/2019</a:t>
+              <a:t>8/10/2019</a:t>
             </a:fld>
             <a:endParaRPr lang="en-SG"/>
           </a:p>
@@ -1358,7 +1359,7 @@
           <a:p>
             <a:fld id="{A0F86979-30DA-49EE-A740-32EBA6D2B7DE}" type="datetimeFigureOut">
               <a:rPr lang="en-SG" smtClean="0"/>
-              <a:t>6/10/2019</a:t>
+              <a:t>8/10/2019</a:t>
             </a:fld>
             <a:endParaRPr lang="en-SG"/>
           </a:p>
@@ -1780,7 +1781,7 @@
           <a:p>
             <a:fld id="{A0F86979-30DA-49EE-A740-32EBA6D2B7DE}" type="datetimeFigureOut">
               <a:rPr lang="en-SG" smtClean="0"/>
-              <a:t>6/10/2019</a:t>
+              <a:t>8/10/2019</a:t>
             </a:fld>
             <a:endParaRPr lang="en-SG"/>
           </a:p>
@@ -1898,7 +1899,7 @@
           <a:p>
             <a:fld id="{A0F86979-30DA-49EE-A740-32EBA6D2B7DE}" type="datetimeFigureOut">
               <a:rPr lang="en-SG" smtClean="0"/>
-              <a:t>6/10/2019</a:t>
+              <a:t>8/10/2019</a:t>
             </a:fld>
             <a:endParaRPr lang="en-SG"/>
           </a:p>
@@ -1993,7 +1994,7 @@
           <a:p>
             <a:fld id="{A0F86979-30DA-49EE-A740-32EBA6D2B7DE}" type="datetimeFigureOut">
               <a:rPr lang="en-SG" smtClean="0"/>
-              <a:t>6/10/2019</a:t>
+              <a:t>8/10/2019</a:t>
             </a:fld>
             <a:endParaRPr lang="en-SG"/>
           </a:p>
@@ -2270,7 +2271,7 @@
           <a:p>
             <a:fld id="{A0F86979-30DA-49EE-A740-32EBA6D2B7DE}" type="datetimeFigureOut">
               <a:rPr lang="en-SG" smtClean="0"/>
-              <a:t>6/10/2019</a:t>
+              <a:t>8/10/2019</a:t>
             </a:fld>
             <a:endParaRPr lang="en-SG"/>
           </a:p>
@@ -2523,7 +2524,7 @@
           <a:p>
             <a:fld id="{A0F86979-30DA-49EE-A740-32EBA6D2B7DE}" type="datetimeFigureOut">
               <a:rPr lang="en-SG" smtClean="0"/>
-              <a:t>6/10/2019</a:t>
+              <a:t>8/10/2019</a:t>
             </a:fld>
             <a:endParaRPr lang="en-SG"/>
           </a:p>
@@ -2736,7 +2737,7 @@
           <a:p>
             <a:fld id="{A0F86979-30DA-49EE-A740-32EBA6D2B7DE}" type="datetimeFigureOut">
               <a:rPr lang="en-SG" smtClean="0"/>
-              <a:t>6/10/2019</a:t>
+              <a:t>8/10/2019</a:t>
             </a:fld>
             <a:endParaRPr lang="en-SG"/>
           </a:p>
@@ -3705,21 +3706,13 @@
             </a:r>
             <a:r>
               <a:rPr lang="en-US" sz="1400" dirty="0" smtClean="0"/>
-              <a:t>(String, </a:t>
-            </a:r>
+              <a:t>(String, Rating)</a:t>
+            </a:r>
+          </a:p>
+          <a:p>
             <a:r>
               <a:rPr lang="en-US" sz="1400" dirty="0" smtClean="0"/>
-              <a:t>Rating)</a:t>
-            </a:r>
-          </a:p>
-          <a:p>
-            <a:r>
-              <a:rPr lang="en-US" sz="1400" dirty="0" smtClean="0"/>
-              <a:t>+print</a:t>
-            </a:r>
-            <a:r>
-              <a:rPr lang="en-US" sz="1400" dirty="0" smtClean="0"/>
-              <a:t>()</a:t>
+              <a:t>+print()</a:t>
             </a:r>
           </a:p>
           <a:p>
@@ -4193,11 +4186,7 @@
           <a:p>
             <a:r>
               <a:rPr lang="en-US" sz="1400" dirty="0" smtClean="0"/>
-              <a:t>+Review(</a:t>
-            </a:r>
-            <a:r>
-              <a:rPr lang="en-US" sz="1400" dirty="0" smtClean="0"/>
-              <a:t>Rating)</a:t>
+              <a:t>+Review(Rating)</a:t>
             </a:r>
             <a:endParaRPr lang="en-SG" sz="1400" dirty="0"/>
           </a:p>
@@ -4749,6 +4738,410 @@
   <p:clrMapOvr>
     <a:masterClrMapping/>
   </p:clrMapOvr>
+  <p:timing>
+    <p:tnLst>
+      <p:par>
+        <p:cTn id="1" dur="indefinite" restart="never" nodeType="tmRoot"/>
+      </p:par>
+    </p:tnLst>
+  </p:timing>
+</p:sld>
+</file>
+
+<file path=ppt/slides/slide2.xml><?xml version="1.0" encoding="utf-8"?>
+<p:sld xmlns:a="http://schemas.openxmlformats.org/drawingml/2006/main" xmlns:r="http://schemas.openxmlformats.org/officeDocument/2006/relationships" xmlns:p="http://schemas.openxmlformats.org/presentationml/2006/main">
+  <p:cSld>
+    <p:spTree>
+      <p:nvGrpSpPr>
+        <p:cNvPr id="1" name=""/>
+        <p:cNvGrpSpPr/>
+        <p:nvPr/>
+      </p:nvGrpSpPr>
+      <p:grpSpPr>
+        <a:xfrm>
+          <a:off x="0" y="0"/>
+          <a:ext cx="0" cy="0"/>
+          <a:chOff x="0" y="0"/>
+          <a:chExt cx="0" cy="0"/>
+        </a:xfrm>
+      </p:grpSpPr>
+      <p:sp>
+        <p:nvSpPr>
+          <p:cNvPr id="4" name="Rectangle 3"/>
+          <p:cNvSpPr/>
+          <p:nvPr/>
+        </p:nvSpPr>
+        <p:spPr>
+          <a:xfrm>
+            <a:off x="5073249" y="281816"/>
+            <a:ext cx="1258315" cy="540059"/>
+          </a:xfrm>
+          <a:prstGeom prst="rect">
+            <a:avLst/>
+          </a:prstGeom>
+          <a:solidFill>
+            <a:schemeClr val="bg1"/>
+          </a:solidFill>
+          <a:ln>
+            <a:solidFill>
+              <a:schemeClr val="bg1"/>
+            </a:solidFill>
+          </a:ln>
+        </p:spPr>
+        <p:style>
+          <a:lnRef idx="2">
+            <a:schemeClr val="accent3">
+              <a:shade val="50000"/>
+            </a:schemeClr>
+          </a:lnRef>
+          <a:fillRef idx="1">
+            <a:schemeClr val="accent3"/>
+          </a:fillRef>
+          <a:effectRef idx="0">
+            <a:schemeClr val="accent3"/>
+          </a:effectRef>
+          <a:fontRef idx="minor">
+            <a:schemeClr val="lt1"/>
+          </a:fontRef>
+        </p:style>
+        <p:txBody>
+          <a:bodyPr rtlCol="0" anchor="ctr"/>
+          <a:lstStyle/>
+          <a:p>
+            <a:pPr algn="ctr"/>
+            <a:r>
+              <a:rPr lang="en-US" sz="1400" dirty="0" smtClean="0">
+                <a:solidFill>
+                  <a:schemeClr val="tx1"/>
+                </a:solidFill>
+              </a:rPr>
+              <a:t>Billable</a:t>
+            </a:r>
+            <a:endParaRPr lang="en-SG" sz="1400" dirty="0">
+              <a:solidFill>
+                <a:schemeClr val="tx1"/>
+              </a:solidFill>
+            </a:endParaRPr>
+          </a:p>
+        </p:txBody>
+      </p:sp>
+      <p:sp>
+        <p:nvSpPr>
+          <p:cNvPr id="5" name="Rectangle 4"/>
+          <p:cNvSpPr/>
+          <p:nvPr/>
+        </p:nvSpPr>
+        <p:spPr>
+          <a:xfrm>
+            <a:off x="6076397" y="1743439"/>
+            <a:ext cx="1878080" cy="294050"/>
+          </a:xfrm>
+          <a:prstGeom prst="rect">
+            <a:avLst/>
+          </a:prstGeom>
+          <a:solidFill>
+            <a:schemeClr val="bg1"/>
+          </a:solidFill>
+          <a:ln>
+            <a:solidFill>
+              <a:schemeClr val="bg1"/>
+            </a:solidFill>
+          </a:ln>
+        </p:spPr>
+        <p:style>
+          <a:lnRef idx="2">
+            <a:schemeClr val="accent5">
+              <a:shade val="50000"/>
+            </a:schemeClr>
+          </a:lnRef>
+          <a:fillRef idx="1">
+            <a:schemeClr val="accent5"/>
+          </a:fillRef>
+          <a:effectRef idx="0">
+            <a:schemeClr val="accent5"/>
+          </a:effectRef>
+          <a:fontRef idx="minor">
+            <a:schemeClr val="lt1"/>
+          </a:fontRef>
+        </p:style>
+        <p:txBody>
+          <a:bodyPr rtlCol="0" anchor="ctr"/>
+          <a:lstStyle/>
+          <a:p>
+            <a:pPr algn="ctr"/>
+            <a:r>
+              <a:rPr lang="en-US" sz="1400" dirty="0" smtClean="0">
+                <a:solidFill>
+                  <a:schemeClr val="tx1"/>
+                </a:solidFill>
+              </a:rPr>
+              <a:t>Inventory</a:t>
+            </a:r>
+            <a:endParaRPr lang="en-SG" sz="1400" dirty="0">
+              <a:solidFill>
+                <a:schemeClr val="tx1"/>
+              </a:solidFill>
+            </a:endParaRPr>
+          </a:p>
+        </p:txBody>
+      </p:sp>
+      <p:sp>
+        <p:nvSpPr>
+          <p:cNvPr id="15" name="Rectangle 14"/>
+          <p:cNvSpPr/>
+          <p:nvPr/>
+        </p:nvSpPr>
+        <p:spPr>
+          <a:xfrm>
+            <a:off x="1124182" y="3153342"/>
+            <a:ext cx="1395727" cy="312344"/>
+          </a:xfrm>
+          <a:prstGeom prst="rect">
+            <a:avLst/>
+          </a:prstGeom>
+          <a:solidFill>
+            <a:schemeClr val="bg1"/>
+          </a:solidFill>
+          <a:ln>
+            <a:solidFill>
+              <a:schemeClr val="bg1"/>
+            </a:solidFill>
+          </a:ln>
+        </p:spPr>
+        <p:style>
+          <a:lnRef idx="2">
+            <a:schemeClr val="accent6">
+              <a:shade val="50000"/>
+            </a:schemeClr>
+          </a:lnRef>
+          <a:fillRef idx="1">
+            <a:schemeClr val="accent6"/>
+          </a:fillRef>
+          <a:effectRef idx="0">
+            <a:schemeClr val="accent6"/>
+          </a:effectRef>
+          <a:fontRef idx="minor">
+            <a:schemeClr val="lt1"/>
+          </a:fontRef>
+        </p:style>
+        <p:txBody>
+          <a:bodyPr rtlCol="0" anchor="ctr"/>
+          <a:lstStyle/>
+          <a:p>
+            <a:pPr algn="ctr"/>
+            <a:r>
+              <a:rPr lang="en-US" sz="1400" dirty="0" smtClean="0">
+                <a:solidFill>
+                  <a:schemeClr val="tx1"/>
+                </a:solidFill>
+              </a:rPr>
+              <a:t>Review</a:t>
+            </a:r>
+            <a:endParaRPr lang="en-SG" sz="1400" dirty="0">
+              <a:solidFill>
+                <a:schemeClr val="tx1"/>
+              </a:solidFill>
+            </a:endParaRPr>
+          </a:p>
+        </p:txBody>
+      </p:sp>
+      <p:sp>
+        <p:nvSpPr>
+          <p:cNvPr id="37" name="Rectangle 36"/>
+          <p:cNvSpPr/>
+          <p:nvPr/>
+        </p:nvSpPr>
+        <p:spPr>
+          <a:xfrm>
+            <a:off x="3559349" y="1603107"/>
+            <a:ext cx="1513900" cy="574714"/>
+          </a:xfrm>
+          <a:prstGeom prst="rect">
+            <a:avLst/>
+          </a:prstGeom>
+          <a:solidFill>
+            <a:schemeClr val="bg1"/>
+          </a:solidFill>
+          <a:ln>
+            <a:solidFill>
+              <a:schemeClr val="bg1"/>
+            </a:solidFill>
+          </a:ln>
+        </p:spPr>
+        <p:style>
+          <a:lnRef idx="2">
+            <a:schemeClr val="accent2">
+              <a:shade val="50000"/>
+            </a:schemeClr>
+          </a:lnRef>
+          <a:fillRef idx="1">
+            <a:schemeClr val="accent2"/>
+          </a:fillRef>
+          <a:effectRef idx="0">
+            <a:schemeClr val="accent2"/>
+          </a:effectRef>
+          <a:fontRef idx="minor">
+            <a:schemeClr val="lt1"/>
+          </a:fontRef>
+        </p:style>
+        <p:txBody>
+          <a:bodyPr rtlCol="0" anchor="ctr"/>
+          <a:lstStyle/>
+          <a:p>
+            <a:pPr algn="ctr"/>
+            <a:r>
+              <a:rPr lang="en-US" sz="1400" dirty="0" smtClean="0">
+                <a:solidFill>
+                  <a:schemeClr val="tx1"/>
+                </a:solidFill>
+              </a:rPr>
+              <a:t>Item</a:t>
+            </a:r>
+            <a:endParaRPr lang="en-SG" sz="1400" dirty="0">
+              <a:solidFill>
+                <a:schemeClr val="tx1"/>
+              </a:solidFill>
+            </a:endParaRPr>
+          </a:p>
+        </p:txBody>
+      </p:sp>
+      <p:sp>
+        <p:nvSpPr>
+          <p:cNvPr id="49" name="Rectangle 48"/>
+          <p:cNvSpPr/>
+          <p:nvPr/>
+        </p:nvSpPr>
+        <p:spPr>
+          <a:xfrm>
+            <a:off x="3218997" y="3139375"/>
+            <a:ext cx="2194605" cy="310743"/>
+          </a:xfrm>
+          <a:prstGeom prst="rect">
+            <a:avLst/>
+          </a:prstGeom>
+          <a:solidFill>
+            <a:schemeClr val="bg1"/>
+          </a:solidFill>
+          <a:ln>
+            <a:solidFill>
+              <a:schemeClr val="bg1"/>
+            </a:solidFill>
+          </a:ln>
+        </p:spPr>
+        <p:style>
+          <a:lnRef idx="2">
+            <a:schemeClr val="accent2">
+              <a:shade val="50000"/>
+            </a:schemeClr>
+          </a:lnRef>
+          <a:fillRef idx="1">
+            <a:schemeClr val="accent2"/>
+          </a:fillRef>
+          <a:effectRef idx="0">
+            <a:schemeClr val="accent2"/>
+          </a:effectRef>
+          <a:fontRef idx="minor">
+            <a:schemeClr val="lt1"/>
+          </a:fontRef>
+        </p:style>
+        <p:txBody>
+          <a:bodyPr rtlCol="0" anchor="ctr"/>
+          <a:lstStyle/>
+          <a:p>
+            <a:pPr algn="ctr"/>
+            <a:r>
+              <a:rPr lang="en-US" sz="1400" dirty="0" err="1" smtClean="0">
+                <a:solidFill>
+                  <a:schemeClr val="tx1"/>
+                </a:solidFill>
+              </a:rPr>
+              <a:t>StockItem</a:t>
+            </a:r>
+            <a:endParaRPr lang="en-SG" sz="1400" dirty="0">
+              <a:solidFill>
+                <a:schemeClr val="tx1"/>
+              </a:solidFill>
+            </a:endParaRPr>
+          </a:p>
+        </p:txBody>
+      </p:sp>
+      <p:sp>
+        <p:nvSpPr>
+          <p:cNvPr id="52" name="Rectangle 51"/>
+          <p:cNvSpPr/>
+          <p:nvPr/>
+        </p:nvSpPr>
+        <p:spPr>
+          <a:xfrm>
+            <a:off x="1034731" y="1556792"/>
+            <a:ext cx="1576377" cy="540059"/>
+          </a:xfrm>
+          <a:prstGeom prst="rect">
+            <a:avLst/>
+          </a:prstGeom>
+          <a:solidFill>
+            <a:schemeClr val="bg1"/>
+          </a:solidFill>
+          <a:ln>
+            <a:solidFill>
+              <a:schemeClr val="bg1"/>
+            </a:solidFill>
+          </a:ln>
+        </p:spPr>
+        <p:style>
+          <a:lnRef idx="2">
+            <a:schemeClr val="accent1">
+              <a:shade val="50000"/>
+            </a:schemeClr>
+          </a:lnRef>
+          <a:fillRef idx="1">
+            <a:schemeClr val="accent1"/>
+          </a:fillRef>
+          <a:effectRef idx="0">
+            <a:schemeClr val="accent1"/>
+          </a:effectRef>
+          <a:fontRef idx="minor">
+            <a:schemeClr val="lt1"/>
+          </a:fontRef>
+        </p:style>
+        <p:txBody>
+          <a:bodyPr rtlCol="0" anchor="ctr"/>
+          <a:lstStyle/>
+          <a:p>
+            <a:pPr algn="ctr"/>
+            <a:r>
+              <a:rPr lang="en-US" sz="1400" dirty="0" smtClean="0">
+                <a:solidFill>
+                  <a:schemeClr val="tx1"/>
+                </a:solidFill>
+              </a:rPr>
+              <a:t>Rating</a:t>
+            </a:r>
+            <a:endParaRPr lang="en-SG" sz="1400" dirty="0">
+              <a:solidFill>
+                <a:schemeClr val="tx1"/>
+              </a:solidFill>
+            </a:endParaRPr>
+          </a:p>
+        </p:txBody>
+      </p:sp>
+    </p:spTree>
+    <p:extLst>
+      <p:ext uri="{BB962C8B-B14F-4D97-AF65-F5344CB8AC3E}">
+        <p14:creationId xmlns:p14="http://schemas.microsoft.com/office/powerpoint/2010/main" val="3922707539"/>
+      </p:ext>
+    </p:extLst>
+  </p:cSld>
+  <p:clrMapOvr>
+    <a:masterClrMapping/>
+  </p:clrMapOvr>
+  <p:timing>
+    <p:tnLst>
+      <p:par>
+        <p:cTn id="1" dur="indefinite" restart="never" nodeType="tmRoot"/>
+      </p:par>
+    </p:tnLst>
+  </p:timing>
 </p:sld>
 </file>
 

--- a/diagrams/modelling/modellingStructures/classDiagramsIntermediate/a-classDiagramForItemEtc.pptx
+++ b/diagrams/modelling/modellingStructures/classDiagramsIntermediate/a-classDiagramForItemEtc.pptx
@@ -305,7 +305,7 @@
           <a:p>
             <a:fld id="{A0F86979-30DA-49EE-A740-32EBA6D2B7DE}" type="datetimeFigureOut">
               <a:rPr lang="en-SG" smtClean="0"/>
-              <a:t>8/10/2019</a:t>
+              <a:t>24/3/2020</a:t>
             </a:fld>
             <a:endParaRPr lang="en-SG"/>
           </a:p>
@@ -475,7 +475,7 @@
           <a:p>
             <a:fld id="{A0F86979-30DA-49EE-A740-32EBA6D2B7DE}" type="datetimeFigureOut">
               <a:rPr lang="en-SG" smtClean="0"/>
-              <a:t>8/10/2019</a:t>
+              <a:t>24/3/2020</a:t>
             </a:fld>
             <a:endParaRPr lang="en-SG"/>
           </a:p>
@@ -655,7 +655,7 @@
           <a:p>
             <a:fld id="{A0F86979-30DA-49EE-A740-32EBA6D2B7DE}" type="datetimeFigureOut">
               <a:rPr lang="en-SG" smtClean="0"/>
-              <a:t>8/10/2019</a:t>
+              <a:t>24/3/2020</a:t>
             </a:fld>
             <a:endParaRPr lang="en-SG"/>
           </a:p>
@@ -825,7 +825,7 @@
           <a:p>
             <a:fld id="{A0F86979-30DA-49EE-A740-32EBA6D2B7DE}" type="datetimeFigureOut">
               <a:rPr lang="en-SG" smtClean="0"/>
-              <a:t>8/10/2019</a:t>
+              <a:t>24/3/2020</a:t>
             </a:fld>
             <a:endParaRPr lang="en-SG"/>
           </a:p>
@@ -1071,7 +1071,7 @@
           <a:p>
             <a:fld id="{A0F86979-30DA-49EE-A740-32EBA6D2B7DE}" type="datetimeFigureOut">
               <a:rPr lang="en-SG" smtClean="0"/>
-              <a:t>8/10/2019</a:t>
+              <a:t>24/3/2020</a:t>
             </a:fld>
             <a:endParaRPr lang="en-SG"/>
           </a:p>
@@ -1359,7 +1359,7 @@
           <a:p>
             <a:fld id="{A0F86979-30DA-49EE-A740-32EBA6D2B7DE}" type="datetimeFigureOut">
               <a:rPr lang="en-SG" smtClean="0"/>
-              <a:t>8/10/2019</a:t>
+              <a:t>24/3/2020</a:t>
             </a:fld>
             <a:endParaRPr lang="en-SG"/>
           </a:p>
@@ -1781,7 +1781,7 @@
           <a:p>
             <a:fld id="{A0F86979-30DA-49EE-A740-32EBA6D2B7DE}" type="datetimeFigureOut">
               <a:rPr lang="en-SG" smtClean="0"/>
-              <a:t>8/10/2019</a:t>
+              <a:t>24/3/2020</a:t>
             </a:fld>
             <a:endParaRPr lang="en-SG"/>
           </a:p>
@@ -1899,7 +1899,7 @@
           <a:p>
             <a:fld id="{A0F86979-30DA-49EE-A740-32EBA6D2B7DE}" type="datetimeFigureOut">
               <a:rPr lang="en-SG" smtClean="0"/>
-              <a:t>8/10/2019</a:t>
+              <a:t>24/3/2020</a:t>
             </a:fld>
             <a:endParaRPr lang="en-SG"/>
           </a:p>
@@ -1994,7 +1994,7 @@
           <a:p>
             <a:fld id="{A0F86979-30DA-49EE-A740-32EBA6D2B7DE}" type="datetimeFigureOut">
               <a:rPr lang="en-SG" smtClean="0"/>
-              <a:t>8/10/2019</a:t>
+              <a:t>24/3/2020</a:t>
             </a:fld>
             <a:endParaRPr lang="en-SG"/>
           </a:p>
@@ -2271,7 +2271,7 @@
           <a:p>
             <a:fld id="{A0F86979-30DA-49EE-A740-32EBA6D2B7DE}" type="datetimeFigureOut">
               <a:rPr lang="en-SG" smtClean="0"/>
-              <a:t>8/10/2019</a:t>
+              <a:t>24/3/2020</a:t>
             </a:fld>
             <a:endParaRPr lang="en-SG"/>
           </a:p>
@@ -2524,7 +2524,7 @@
           <a:p>
             <a:fld id="{A0F86979-30DA-49EE-A740-32EBA6D2B7DE}" type="datetimeFigureOut">
               <a:rPr lang="en-SG" smtClean="0"/>
-              <a:t>8/10/2019</a:t>
+              <a:t>24/3/2020</a:t>
             </a:fld>
             <a:endParaRPr lang="en-SG"/>
           </a:p>
@@ -2737,7 +2737,7 @@
           <a:p>
             <a:fld id="{A0F86979-30DA-49EE-A740-32EBA6D2B7DE}" type="datetimeFigureOut">
               <a:rPr lang="en-SG" smtClean="0"/>
-              <a:t>8/10/2019</a:t>
+              <a:t>24/3/2020</a:t>
             </a:fld>
             <a:endParaRPr lang="en-SG"/>
           </a:p>
@@ -3120,7 +3120,7 @@
         </p:nvSpPr>
         <p:spPr>
           <a:xfrm>
-            <a:off x="4787068" y="401470"/>
+            <a:off x="4787068" y="188640"/>
             <a:ext cx="1258315" cy="540059"/>
           </a:xfrm>
           <a:prstGeom prst="rect">
@@ -3172,7 +3172,7 @@
         </p:nvSpPr>
         <p:spPr>
           <a:xfrm>
-            <a:off x="6076397" y="1743439"/>
+            <a:off x="6076397" y="1530609"/>
             <a:ext cx="1878080" cy="294050"/>
           </a:xfrm>
           <a:prstGeom prst="rect">
@@ -3216,7 +3216,7 @@
         </p:nvSpPr>
         <p:spPr>
           <a:xfrm rot="16200000" flipH="1" flipV="1">
-            <a:off x="4553462" y="585657"/>
+            <a:off x="4553462" y="372827"/>
             <a:ext cx="295526" cy="171685"/>
           </a:xfrm>
           <a:prstGeom prst="triangle">
@@ -3259,7 +3259,7 @@
         </p:nvCxnSpPr>
         <p:spPr>
           <a:xfrm rot="10800000" flipV="1">
-            <a:off x="4316299" y="671499"/>
+            <a:off x="4316299" y="458669"/>
             <a:ext cx="299084" cy="931607"/>
           </a:xfrm>
           <a:prstGeom prst="bentConnector2">
@@ -3294,7 +3294,7 @@
         </p:nvSpPr>
         <p:spPr>
           <a:xfrm>
-            <a:off x="1124182" y="3537109"/>
+            <a:off x="1124182" y="3324279"/>
             <a:ext cx="1395727" cy="312344"/>
           </a:xfrm>
           <a:prstGeom prst="rect">
@@ -3338,7 +3338,7 @@
         </p:nvSpPr>
         <p:spPr>
           <a:xfrm>
-            <a:off x="5124841" y="1615326"/>
+            <a:off x="5124841" y="1402496"/>
             <a:ext cx="275507" cy="307777"/>
           </a:xfrm>
           <a:prstGeom prst="rect">
@@ -3371,7 +3371,7 @@
         </p:nvCxnSpPr>
         <p:spPr>
           <a:xfrm rot="10800000">
-            <a:off x="5073249" y="1890464"/>
+            <a:off x="5073249" y="1677634"/>
             <a:ext cx="1003148" cy="12700"/>
           </a:xfrm>
           <a:prstGeom prst="bentConnector3">
@@ -3411,7 +3411,7 @@
         </p:nvCxnSpPr>
         <p:spPr>
           <a:xfrm rot="10800000" flipV="1">
-            <a:off x="2519909" y="3687489"/>
+            <a:off x="2519909" y="3474659"/>
             <a:ext cx="699088" cy="5791"/>
           </a:xfrm>
           <a:prstGeom prst="bentConnector3">
@@ -3448,7 +3448,7 @@
         </p:nvSpPr>
         <p:spPr>
           <a:xfrm>
-            <a:off x="3559349" y="1603107"/>
+            <a:off x="3559349" y="1390277"/>
             <a:ext cx="1513900" cy="574714"/>
           </a:xfrm>
           <a:prstGeom prst="rect">
@@ -3499,7 +3499,7 @@
         </p:nvSpPr>
         <p:spPr>
           <a:xfrm>
-            <a:off x="3218997" y="3139375"/>
+            <a:off x="3218997" y="2926545"/>
             <a:ext cx="2194605" cy="310743"/>
           </a:xfrm>
           <a:prstGeom prst="rect">
@@ -3543,7 +3543,7 @@
         </p:nvSpPr>
         <p:spPr>
           <a:xfrm rot="10800000" flipH="1" flipV="1">
-            <a:off x="4172250" y="2627314"/>
+            <a:off x="4172250" y="2414484"/>
             <a:ext cx="295526" cy="171685"/>
           </a:xfrm>
           <a:prstGeom prst="triangle">
@@ -3586,7 +3586,7 @@
         </p:nvCxnSpPr>
         <p:spPr>
           <a:xfrm rot="5400000" flipH="1" flipV="1">
-            <a:off x="4147968" y="2967331"/>
+            <a:off x="4147968" y="2754501"/>
             <a:ext cx="340376" cy="3713"/>
           </a:xfrm>
           <a:prstGeom prst="bentConnector3">
@@ -3624,7 +3624,7 @@
         </p:nvSpPr>
         <p:spPr>
           <a:xfrm>
-            <a:off x="3218997" y="3445118"/>
+            <a:off x="3218997" y="3232288"/>
             <a:ext cx="2194605" cy="484744"/>
           </a:xfrm>
           <a:prstGeom prst="rect">
@@ -3669,7 +3669,7 @@
         </p:nvSpPr>
         <p:spPr>
           <a:xfrm>
-            <a:off x="3218997" y="3933055"/>
+            <a:off x="3218997" y="3720225"/>
             <a:ext cx="2194605" cy="803893"/>
           </a:xfrm>
           <a:prstGeom prst="rect">
@@ -3732,7 +3732,7 @@
         </p:nvSpPr>
         <p:spPr>
           <a:xfrm>
-            <a:off x="6076397" y="2029077"/>
+            <a:off x="6076397" y="1816247"/>
             <a:ext cx="1878080" cy="137669"/>
           </a:xfrm>
           <a:prstGeom prst="rect">
@@ -3772,7 +3772,7 @@
         </p:nvSpPr>
         <p:spPr>
           <a:xfrm>
-            <a:off x="6078296" y="2164634"/>
+            <a:off x="6078296" y="1951804"/>
             <a:ext cx="1878080" cy="821789"/>
           </a:xfrm>
           <a:prstGeom prst="rect">
@@ -3801,15 +3801,7 @@
           <a:p>
             <a:r>
               <a:rPr lang="en-SG" sz="1400" dirty="0" smtClean="0"/>
-              <a:t>+add(</a:t>
-            </a:r>
-            <a:r>
-              <a:rPr lang="en-SG" sz="1400" dirty="0" err="1" smtClean="0"/>
-              <a:t>StockItem</a:t>
-            </a:r>
-            <a:r>
-              <a:rPr lang="en-SG" sz="1400" dirty="0" smtClean="0"/>
-              <a:t>)</a:t>
+              <a:t>+add(Item)</a:t>
             </a:r>
           </a:p>
           <a:p>
@@ -3851,7 +3843,7 @@
         </p:nvSpPr>
         <p:spPr>
           <a:xfrm>
-            <a:off x="1034731" y="1940559"/>
+            <a:off x="1034731" y="1727729"/>
             <a:ext cx="1576377" cy="540059"/>
           </a:xfrm>
           <a:prstGeom prst="rect">
@@ -3912,7 +3904,7 @@
         </p:nvSpPr>
         <p:spPr>
           <a:xfrm>
-            <a:off x="1034730" y="2479476"/>
+            <a:off x="1034730" y="2266646"/>
             <a:ext cx="1576377" cy="344841"/>
           </a:xfrm>
           <a:prstGeom prst="rect">
@@ -3969,7 +3961,7 @@
         </p:nvCxnSpPr>
         <p:spPr>
           <a:xfrm rot="5400000" flipH="1" flipV="1">
-            <a:off x="1466086" y="3180277"/>
+            <a:off x="1466086" y="2967447"/>
             <a:ext cx="712792" cy="873"/>
           </a:xfrm>
           <a:prstGeom prst="bentConnector3">
@@ -4007,7 +3999,7 @@
         </p:nvSpPr>
         <p:spPr>
           <a:xfrm>
-            <a:off x="3559349" y="2185569"/>
+            <a:off x="3559349" y="1972739"/>
             <a:ext cx="1513900" cy="298463"/>
           </a:xfrm>
           <a:prstGeom prst="rect">
@@ -4046,7 +4038,7 @@
         </p:nvSpPr>
         <p:spPr>
           <a:xfrm>
-            <a:off x="3559349" y="2315582"/>
+            <a:off x="3559349" y="2102752"/>
             <a:ext cx="1513900" cy="298463"/>
           </a:xfrm>
           <a:prstGeom prst="rect">
@@ -4091,7 +4083,7 @@
         </p:nvCxnSpPr>
         <p:spPr>
           <a:xfrm rot="16200000" flipV="1">
-            <a:off x="5994441" y="722443"/>
+            <a:off x="5994441" y="509613"/>
             <a:ext cx="1071939" cy="970054"/>
           </a:xfrm>
           <a:prstGeom prst="bentConnector2">
@@ -4127,7 +4119,7 @@
         </p:nvSpPr>
         <p:spPr>
           <a:xfrm>
-            <a:off x="2502631" y="3707349"/>
+            <a:off x="2502631" y="3494519"/>
             <a:ext cx="275507" cy="307777"/>
           </a:xfrm>
           <a:prstGeom prst="rect">
@@ -4157,7 +4149,7 @@
         </p:nvSpPr>
         <p:spPr>
           <a:xfrm>
-            <a:off x="1124182" y="3843661"/>
+            <a:off x="1124182" y="3630831"/>
             <a:ext cx="1395727" cy="312344"/>
           </a:xfrm>
           <a:prstGeom prst="rect">
@@ -4200,7 +4192,7 @@
         </p:nvSpPr>
         <p:spPr>
           <a:xfrm>
-            <a:off x="4787064" y="1082200"/>
+            <a:off x="4787064" y="869370"/>
             <a:ext cx="1258315" cy="347411"/>
           </a:xfrm>
           <a:prstGeom prst="rect">
@@ -4248,7 +4240,7 @@
         </p:nvSpPr>
         <p:spPr>
           <a:xfrm>
-            <a:off x="4787066" y="903537"/>
+            <a:off x="4787066" y="690707"/>
             <a:ext cx="1258315" cy="205345"/>
           </a:xfrm>
           <a:prstGeom prst="rect">
@@ -4289,7 +4281,7 @@
         </p:nvSpPr>
         <p:spPr>
           <a:xfrm>
-            <a:off x="7444882" y="5617126"/>
+            <a:off x="7444882" y="5929485"/>
             <a:ext cx="1219302" cy="294050"/>
           </a:xfrm>
           <a:prstGeom prst="rect">
@@ -4333,7 +4325,7 @@
         </p:nvSpPr>
         <p:spPr>
           <a:xfrm>
-            <a:off x="4915901" y="5625708"/>
+            <a:off x="4915901" y="5938067"/>
             <a:ext cx="1648839" cy="310743"/>
           </a:xfrm>
           <a:prstGeom prst="rect">
@@ -4381,7 +4373,7 @@
         </p:nvSpPr>
         <p:spPr>
           <a:xfrm>
-            <a:off x="4915901" y="5944265"/>
+            <a:off x="4915901" y="6256624"/>
             <a:ext cx="1640807" cy="484744"/>
           </a:xfrm>
           <a:prstGeom prst="rect">
@@ -4430,7 +4422,7 @@
         </p:nvSpPr>
         <p:spPr>
           <a:xfrm>
-            <a:off x="2642387" y="5642728"/>
+            <a:off x="2642387" y="5955087"/>
             <a:ext cx="1268843" cy="312344"/>
           </a:xfrm>
           <a:prstGeom prst="rect">
@@ -4477,7 +4469,7 @@
         </p:nvCxnSpPr>
         <p:spPr>
           <a:xfrm rot="10800000" flipV="1">
-            <a:off x="3911231" y="5781080"/>
+            <a:off x="3911231" y="6093439"/>
             <a:ext cx="1004671" cy="17820"/>
           </a:xfrm>
           <a:prstGeom prst="bentConnector3">
@@ -4514,7 +4506,7 @@
         </p:nvSpPr>
         <p:spPr>
           <a:xfrm>
-            <a:off x="2642387" y="5949280"/>
+            <a:off x="2642387" y="6261639"/>
             <a:ext cx="1268843" cy="312344"/>
           </a:xfrm>
           <a:prstGeom prst="rect">
@@ -4564,7 +4556,7 @@
         </p:nvCxnSpPr>
         <p:spPr>
           <a:xfrm rot="10800000" flipV="1">
-            <a:off x="6564740" y="5764150"/>
+            <a:off x="6564740" y="6076509"/>
             <a:ext cx="880142" cy="16929"/>
           </a:xfrm>
           <a:prstGeom prst="bentConnector3">
@@ -4604,7 +4596,7 @@
         </p:nvCxnSpPr>
         <p:spPr>
           <a:xfrm rot="10800000">
-            <a:off x="2611109" y="2210589"/>
+            <a:off x="2611109" y="1997759"/>
             <a:ext cx="607889" cy="1084158"/>
           </a:xfrm>
           <a:prstGeom prst="bentConnector3">
@@ -4648,7 +4640,7 @@
         </p:nvSpPr>
         <p:spPr>
           <a:xfrm>
-            <a:off x="1199559" y="2803014"/>
+            <a:off x="1199559" y="2590184"/>
             <a:ext cx="610552" cy="307777"/>
           </a:xfrm>
           <a:prstGeom prst="rect">
@@ -4676,7 +4668,7 @@
         </p:nvSpPr>
         <p:spPr>
           <a:xfrm>
-            <a:off x="1855341" y="2828757"/>
+            <a:off x="1855341" y="2615927"/>
             <a:ext cx="484411" cy="307777"/>
           </a:xfrm>
           <a:prstGeom prst="rect">
@@ -4706,7 +4698,7 @@
         </p:nvSpPr>
         <p:spPr>
           <a:xfrm>
-            <a:off x="5088751" y="1940559"/>
+            <a:off x="5088751" y="1727729"/>
             <a:ext cx="660885" cy="307777"/>
           </a:xfrm>
           <a:prstGeom prst="rect">
@@ -4728,6 +4720,420 @@
           </a:p>
         </p:txBody>
       </p:sp>
+      <p:sp>
+        <p:nvSpPr>
+          <p:cNvPr id="41" name="Rectangle 40"/>
+          <p:cNvSpPr/>
+          <p:nvPr/>
+        </p:nvSpPr>
+        <p:spPr>
+          <a:xfrm>
+            <a:off x="7533029" y="4918000"/>
+            <a:ext cx="1219302" cy="294050"/>
+          </a:xfrm>
+          <a:prstGeom prst="rect">
+            <a:avLst/>
+          </a:prstGeom>
+        </p:spPr>
+        <p:style>
+          <a:lnRef idx="2">
+            <a:schemeClr val="accent5">
+              <a:shade val="50000"/>
+            </a:schemeClr>
+          </a:lnRef>
+          <a:fillRef idx="1">
+            <a:schemeClr val="accent5"/>
+          </a:fillRef>
+          <a:effectRef idx="0">
+            <a:schemeClr val="accent5"/>
+          </a:effectRef>
+          <a:fontRef idx="minor">
+            <a:schemeClr val="lt1"/>
+          </a:fontRef>
+        </p:style>
+        <p:txBody>
+          <a:bodyPr rtlCol="0" anchor="ctr"/>
+          <a:lstStyle/>
+          <a:p>
+            <a:pPr algn="ctr"/>
+            <a:r>
+              <a:rPr lang="en-US" sz="1400" u="sng" dirty="0" smtClean="0"/>
+              <a:t>:Inventory</a:t>
+            </a:r>
+            <a:endParaRPr lang="en-SG" sz="1400" u="sng" dirty="0"/>
+          </a:p>
+        </p:txBody>
+      </p:sp>
+      <p:sp>
+        <p:nvSpPr>
+          <p:cNvPr id="42" name="Rectangle 41"/>
+          <p:cNvSpPr/>
+          <p:nvPr/>
+        </p:nvSpPr>
+        <p:spPr>
+          <a:xfrm>
+            <a:off x="5004048" y="4926582"/>
+            <a:ext cx="1648839" cy="310743"/>
+          </a:xfrm>
+          <a:prstGeom prst="rect">
+            <a:avLst/>
+          </a:prstGeom>
+        </p:spPr>
+        <p:style>
+          <a:lnRef idx="2">
+            <a:schemeClr val="accent2">
+              <a:shade val="50000"/>
+            </a:schemeClr>
+          </a:lnRef>
+          <a:fillRef idx="1">
+            <a:schemeClr val="accent2"/>
+          </a:fillRef>
+          <a:effectRef idx="0">
+            <a:schemeClr val="accent2"/>
+          </a:effectRef>
+          <a:fontRef idx="minor">
+            <a:schemeClr val="lt1"/>
+          </a:fontRef>
+        </p:style>
+        <p:txBody>
+          <a:bodyPr rtlCol="0" anchor="ctr"/>
+          <a:lstStyle/>
+          <a:p>
+            <a:pPr algn="ctr"/>
+            <a:r>
+              <a:rPr lang="en-US" sz="1400" u="sng" dirty="0" smtClean="0"/>
+              <a:t>:</a:t>
+            </a:r>
+            <a:r>
+              <a:rPr lang="en-US" sz="1400" u="sng" dirty="0" err="1" smtClean="0"/>
+              <a:t>StockItem</a:t>
+            </a:r>
+            <a:endParaRPr lang="en-SG" sz="1400" u="sng" dirty="0"/>
+          </a:p>
+        </p:txBody>
+      </p:sp>
+      <p:sp>
+        <p:nvSpPr>
+          <p:cNvPr id="43" name="Rectangle 42"/>
+          <p:cNvSpPr/>
+          <p:nvPr/>
+        </p:nvSpPr>
+        <p:spPr>
+          <a:xfrm>
+            <a:off x="5004048" y="5245139"/>
+            <a:ext cx="1640807" cy="484744"/>
+          </a:xfrm>
+          <a:prstGeom prst="rect">
+            <a:avLst/>
+          </a:prstGeom>
+        </p:spPr>
+        <p:style>
+          <a:lnRef idx="2">
+            <a:schemeClr val="accent2">
+              <a:shade val="50000"/>
+            </a:schemeClr>
+          </a:lnRef>
+          <a:fillRef idx="1">
+            <a:schemeClr val="accent2"/>
+          </a:fillRef>
+          <a:effectRef idx="0">
+            <a:schemeClr val="accent2"/>
+          </a:effectRef>
+          <a:fontRef idx="minor">
+            <a:schemeClr val="lt1"/>
+          </a:fontRef>
+        </p:style>
+        <p:txBody>
+          <a:bodyPr rtlCol="0" anchor="ctr"/>
+          <a:lstStyle/>
+          <a:p>
+            <a:r>
+              <a:rPr lang="en-US" sz="1400" dirty="0"/>
+              <a:t>n</a:t>
+            </a:r>
+            <a:r>
+              <a:rPr lang="en-US" sz="1400" dirty="0" smtClean="0"/>
+              <a:t>ame = “spanner”</a:t>
+            </a:r>
+          </a:p>
+          <a:p>
+            <a:endParaRPr lang="en-SG" sz="1400" dirty="0"/>
+          </a:p>
+        </p:txBody>
+      </p:sp>
+      <p:sp>
+        <p:nvSpPr>
+          <p:cNvPr id="44" name="Rectangle 43"/>
+          <p:cNvSpPr/>
+          <p:nvPr/>
+        </p:nvSpPr>
+        <p:spPr>
+          <a:xfrm>
+            <a:off x="2730534" y="4943602"/>
+            <a:ext cx="1268843" cy="312344"/>
+          </a:xfrm>
+          <a:prstGeom prst="rect">
+            <a:avLst/>
+          </a:prstGeom>
+        </p:spPr>
+        <p:style>
+          <a:lnRef idx="2">
+            <a:schemeClr val="accent6">
+              <a:shade val="50000"/>
+            </a:schemeClr>
+          </a:lnRef>
+          <a:fillRef idx="1">
+            <a:schemeClr val="accent6"/>
+          </a:fillRef>
+          <a:effectRef idx="0">
+            <a:schemeClr val="accent6"/>
+          </a:effectRef>
+          <a:fontRef idx="minor">
+            <a:schemeClr val="lt1"/>
+          </a:fontRef>
+        </p:style>
+        <p:txBody>
+          <a:bodyPr rtlCol="0" anchor="ctr"/>
+          <a:lstStyle/>
+          <a:p>
+            <a:pPr algn="ctr"/>
+            <a:r>
+              <a:rPr lang="en-US" sz="1400" u="sng" dirty="0" smtClean="0"/>
+              <a:t>:Review</a:t>
+            </a:r>
+            <a:endParaRPr lang="en-SG" sz="1400" u="sng" dirty="0"/>
+          </a:p>
+        </p:txBody>
+      </p:sp>
+      <p:cxnSp>
+        <p:nvCxnSpPr>
+          <p:cNvPr id="45" name="Elbow Connector 44"/>
+          <p:cNvCxnSpPr>
+            <a:stCxn id="42" idx="1"/>
+            <a:endCxn id="44" idx="3"/>
+          </p:cNvCxnSpPr>
+          <p:nvPr/>
+        </p:nvCxnSpPr>
+        <p:spPr>
+          <a:xfrm rot="10800000" flipV="1">
+            <a:off x="3999378" y="5081954"/>
+            <a:ext cx="1004671" cy="17820"/>
+          </a:xfrm>
+          <a:prstGeom prst="bentConnector3">
+            <a:avLst>
+              <a:gd name="adj1" fmla="val 50000"/>
+            </a:avLst>
+          </a:prstGeom>
+          <a:ln>
+            <a:tailEnd type="arrow"/>
+          </a:ln>
+        </p:spPr>
+        <p:style>
+          <a:lnRef idx="2">
+            <a:schemeClr val="accent6">
+              <a:shade val="50000"/>
+            </a:schemeClr>
+          </a:lnRef>
+          <a:fillRef idx="1">
+            <a:schemeClr val="accent6"/>
+          </a:fillRef>
+          <a:effectRef idx="0">
+            <a:schemeClr val="accent6"/>
+          </a:effectRef>
+          <a:fontRef idx="minor">
+            <a:schemeClr val="lt1"/>
+          </a:fontRef>
+        </p:style>
+      </p:cxnSp>
+      <p:cxnSp>
+        <p:nvCxnSpPr>
+          <p:cNvPr id="51" name="Elbow Connector 50"/>
+          <p:cNvCxnSpPr>
+            <a:stCxn id="41" idx="1"/>
+            <a:endCxn id="42" idx="3"/>
+          </p:cNvCxnSpPr>
+          <p:nvPr/>
+        </p:nvCxnSpPr>
+        <p:spPr>
+          <a:xfrm rot="10800000" flipV="1">
+            <a:off x="6652887" y="5065024"/>
+            <a:ext cx="880142" cy="16929"/>
+          </a:xfrm>
+          <a:prstGeom prst="bentConnector3">
+            <a:avLst>
+              <a:gd name="adj1" fmla="val 50000"/>
+            </a:avLst>
+          </a:prstGeom>
+          <a:ln>
+            <a:tailEnd type="arrow"/>
+          </a:ln>
+        </p:spPr>
+        <p:style>
+          <a:lnRef idx="2">
+            <a:schemeClr val="accent5">
+              <a:shade val="50000"/>
+            </a:schemeClr>
+          </a:lnRef>
+          <a:fillRef idx="1">
+            <a:schemeClr val="accent5"/>
+          </a:fillRef>
+          <a:effectRef idx="0">
+            <a:schemeClr val="accent5"/>
+          </a:effectRef>
+          <a:fontRef idx="minor">
+            <a:schemeClr val="lt1"/>
+          </a:fontRef>
+        </p:style>
+      </p:cxnSp>
+      <p:sp>
+        <p:nvSpPr>
+          <p:cNvPr id="53" name="Rectangle 52"/>
+          <p:cNvSpPr/>
+          <p:nvPr/>
+        </p:nvSpPr>
+        <p:spPr>
+          <a:xfrm>
+            <a:off x="899592" y="4893626"/>
+            <a:ext cx="1088155" cy="373149"/>
+          </a:xfrm>
+          <a:prstGeom prst="rect">
+            <a:avLst/>
+          </a:prstGeom>
+          <a:solidFill>
+            <a:srgbClr val="00B050"/>
+          </a:solidFill>
+          <a:ln>
+            <a:solidFill>
+              <a:schemeClr val="accent3">
+                <a:lumMod val="50000"/>
+              </a:schemeClr>
+            </a:solidFill>
+          </a:ln>
+        </p:spPr>
+        <p:style>
+          <a:lnRef idx="2">
+            <a:schemeClr val="accent1">
+              <a:shade val="50000"/>
+            </a:schemeClr>
+          </a:lnRef>
+          <a:fillRef idx="1">
+            <a:schemeClr val="accent1"/>
+          </a:fillRef>
+          <a:effectRef idx="0">
+            <a:schemeClr val="accent1"/>
+          </a:effectRef>
+          <a:fontRef idx="minor">
+            <a:schemeClr val="lt1"/>
+          </a:fontRef>
+        </p:style>
+        <p:txBody>
+          <a:bodyPr rtlCol="0" anchor="ctr"/>
+          <a:lstStyle/>
+          <a:p>
+            <a:pPr algn="ctr"/>
+            <a:r>
+              <a:rPr lang="en-US" sz="1400" u="sng" dirty="0" smtClean="0"/>
+              <a:t>:Rating</a:t>
+            </a:r>
+            <a:endParaRPr lang="en-SG" sz="1400" u="sng" dirty="0"/>
+          </a:p>
+        </p:txBody>
+      </p:sp>
+      <p:sp>
+        <p:nvSpPr>
+          <p:cNvPr id="56" name="Rectangle 55"/>
+          <p:cNvSpPr/>
+          <p:nvPr/>
+        </p:nvSpPr>
+        <p:spPr>
+          <a:xfrm>
+            <a:off x="899592" y="5237325"/>
+            <a:ext cx="1088155" cy="312217"/>
+          </a:xfrm>
+          <a:prstGeom prst="rect">
+            <a:avLst/>
+          </a:prstGeom>
+          <a:solidFill>
+            <a:srgbClr val="00B050"/>
+          </a:solidFill>
+          <a:ln>
+            <a:solidFill>
+              <a:schemeClr val="accent3">
+                <a:lumMod val="50000"/>
+              </a:schemeClr>
+            </a:solidFill>
+          </a:ln>
+        </p:spPr>
+        <p:style>
+          <a:lnRef idx="2">
+            <a:schemeClr val="accent1">
+              <a:shade val="50000"/>
+            </a:schemeClr>
+          </a:lnRef>
+          <a:fillRef idx="1">
+            <a:schemeClr val="accent1"/>
+          </a:fillRef>
+          <a:effectRef idx="0">
+            <a:schemeClr val="accent1"/>
+          </a:effectRef>
+          <a:fontRef idx="minor">
+            <a:schemeClr val="lt1"/>
+          </a:fontRef>
+        </p:style>
+        <p:txBody>
+          <a:bodyPr rtlCol="0" anchor="ctr"/>
+          <a:lstStyle/>
+          <a:p>
+            <a:pPr algn="ctr"/>
+            <a:r>
+              <a:rPr lang="en-US" sz="1400" dirty="0" smtClean="0"/>
+              <a:t>POOR</a:t>
+            </a:r>
+            <a:endParaRPr lang="en-SG" sz="1400" dirty="0"/>
+          </a:p>
+        </p:txBody>
+      </p:sp>
+      <p:cxnSp>
+        <p:nvCxnSpPr>
+          <p:cNvPr id="57" name="Elbow Connector 56"/>
+          <p:cNvCxnSpPr>
+            <a:stCxn id="44" idx="1"/>
+            <a:endCxn id="53" idx="3"/>
+          </p:cNvCxnSpPr>
+          <p:nvPr/>
+        </p:nvCxnSpPr>
+        <p:spPr>
+          <a:xfrm rot="10800000">
+            <a:off x="1987748" y="5080202"/>
+            <a:ext cx="742787" cy="19573"/>
+          </a:xfrm>
+          <a:prstGeom prst="bentConnector3">
+            <a:avLst>
+              <a:gd name="adj1" fmla="val 50000"/>
+            </a:avLst>
+          </a:prstGeom>
+          <a:ln>
+            <a:prstDash val="solid"/>
+            <a:tailEnd type="arrow"/>
+          </a:ln>
+        </p:spPr>
+        <p:style>
+          <a:lnRef idx="2">
+            <a:schemeClr val="accent6">
+              <a:shade val="50000"/>
+            </a:schemeClr>
+          </a:lnRef>
+          <a:fillRef idx="1">
+            <a:schemeClr val="accent6"/>
+          </a:fillRef>
+          <a:effectRef idx="0">
+            <a:schemeClr val="accent6"/>
+          </a:effectRef>
+          <a:fontRef idx="minor">
+            <a:schemeClr val="lt1"/>
+          </a:fontRef>
+        </p:style>
+      </p:cxnSp>
     </p:spTree>
     <p:extLst>
       <p:ext uri="{BB962C8B-B14F-4D97-AF65-F5344CB8AC3E}">

--- a/diagrams/modelling/modellingStructures/classDiagramsIntermediate/a-classDiagramForItemEtc.pptx
+++ b/diagrams/modelling/modellingStructures/classDiagramsIntermediate/a-classDiagramForItemEtc.pptx
@@ -6,6 +6,7 @@
   </p:sldMasterIdLst>
   <p:sldIdLst>
     <p:sldId id="257" r:id="rId2"/>
+    <p:sldId id="258" r:id="rId3"/>
   </p:sldIdLst>
   <p:sldSz cx="9144000" cy="6858000" type="screen4x3"/>
   <p:notesSz cx="6858000" cy="9144000"/>
@@ -304,7 +305,7 @@
           <a:p>
             <a:fld id="{A0F86979-30DA-49EE-A740-32EBA6D2B7DE}" type="datetimeFigureOut">
               <a:rPr lang="en-SG" smtClean="0"/>
-              <a:t>9/10/2018</a:t>
+              <a:t>24/3/2020</a:t>
             </a:fld>
             <a:endParaRPr lang="en-SG"/>
           </a:p>
@@ -474,7 +475,7 @@
           <a:p>
             <a:fld id="{A0F86979-30DA-49EE-A740-32EBA6D2B7DE}" type="datetimeFigureOut">
               <a:rPr lang="en-SG" smtClean="0"/>
-              <a:t>9/10/2018</a:t>
+              <a:t>24/3/2020</a:t>
             </a:fld>
             <a:endParaRPr lang="en-SG"/>
           </a:p>
@@ -654,7 +655,7 @@
           <a:p>
             <a:fld id="{A0F86979-30DA-49EE-A740-32EBA6D2B7DE}" type="datetimeFigureOut">
               <a:rPr lang="en-SG" smtClean="0"/>
-              <a:t>9/10/2018</a:t>
+              <a:t>24/3/2020</a:t>
             </a:fld>
             <a:endParaRPr lang="en-SG"/>
           </a:p>
@@ -824,7 +825,7 @@
           <a:p>
             <a:fld id="{A0F86979-30DA-49EE-A740-32EBA6D2B7DE}" type="datetimeFigureOut">
               <a:rPr lang="en-SG" smtClean="0"/>
-              <a:t>9/10/2018</a:t>
+              <a:t>24/3/2020</a:t>
             </a:fld>
             <a:endParaRPr lang="en-SG"/>
           </a:p>
@@ -1070,7 +1071,7 @@
           <a:p>
             <a:fld id="{A0F86979-30DA-49EE-A740-32EBA6D2B7DE}" type="datetimeFigureOut">
               <a:rPr lang="en-SG" smtClean="0"/>
-              <a:t>9/10/2018</a:t>
+              <a:t>24/3/2020</a:t>
             </a:fld>
             <a:endParaRPr lang="en-SG"/>
           </a:p>
@@ -1358,7 +1359,7 @@
           <a:p>
             <a:fld id="{A0F86979-30DA-49EE-A740-32EBA6D2B7DE}" type="datetimeFigureOut">
               <a:rPr lang="en-SG" smtClean="0"/>
-              <a:t>9/10/2018</a:t>
+              <a:t>24/3/2020</a:t>
             </a:fld>
             <a:endParaRPr lang="en-SG"/>
           </a:p>
@@ -1780,7 +1781,7 @@
           <a:p>
             <a:fld id="{A0F86979-30DA-49EE-A740-32EBA6D2B7DE}" type="datetimeFigureOut">
               <a:rPr lang="en-SG" smtClean="0"/>
-              <a:t>9/10/2018</a:t>
+              <a:t>24/3/2020</a:t>
             </a:fld>
             <a:endParaRPr lang="en-SG"/>
           </a:p>
@@ -1898,7 +1899,7 @@
           <a:p>
             <a:fld id="{A0F86979-30DA-49EE-A740-32EBA6D2B7DE}" type="datetimeFigureOut">
               <a:rPr lang="en-SG" smtClean="0"/>
-              <a:t>9/10/2018</a:t>
+              <a:t>24/3/2020</a:t>
             </a:fld>
             <a:endParaRPr lang="en-SG"/>
           </a:p>
@@ -1993,7 +1994,7 @@
           <a:p>
             <a:fld id="{A0F86979-30DA-49EE-A740-32EBA6D2B7DE}" type="datetimeFigureOut">
               <a:rPr lang="en-SG" smtClean="0"/>
-              <a:t>9/10/2018</a:t>
+              <a:t>24/3/2020</a:t>
             </a:fld>
             <a:endParaRPr lang="en-SG"/>
           </a:p>
@@ -2270,7 +2271,7 @@
           <a:p>
             <a:fld id="{A0F86979-30DA-49EE-A740-32EBA6D2B7DE}" type="datetimeFigureOut">
               <a:rPr lang="en-SG" smtClean="0"/>
-              <a:t>9/10/2018</a:t>
+              <a:t>24/3/2020</a:t>
             </a:fld>
             <a:endParaRPr lang="en-SG"/>
           </a:p>
@@ -2523,7 +2524,7 @@
           <a:p>
             <a:fld id="{A0F86979-30DA-49EE-A740-32EBA6D2B7DE}" type="datetimeFigureOut">
               <a:rPr lang="en-SG" smtClean="0"/>
-              <a:t>9/10/2018</a:t>
+              <a:t>24/3/2020</a:t>
             </a:fld>
             <a:endParaRPr lang="en-SG"/>
           </a:p>
@@ -2736,7 +2737,7 @@
           <a:p>
             <a:fld id="{A0F86979-30DA-49EE-A740-32EBA6D2B7DE}" type="datetimeFigureOut">
               <a:rPr lang="en-SG" smtClean="0"/>
-              <a:t>9/10/2018</a:t>
+              <a:t>24/3/2020</a:t>
             </a:fld>
             <a:endParaRPr lang="en-SG"/>
           </a:p>
@@ -3119,7 +3120,7 @@
         </p:nvSpPr>
         <p:spPr>
           <a:xfrm>
-            <a:off x="4787068" y="401470"/>
+            <a:off x="4787068" y="188640"/>
             <a:ext cx="1258315" cy="540059"/>
           </a:xfrm>
           <a:prstGeom prst="rect">
@@ -3171,7 +3172,7 @@
         </p:nvSpPr>
         <p:spPr>
           <a:xfrm>
-            <a:off x="6076397" y="1743439"/>
+            <a:off x="6076397" y="1530609"/>
             <a:ext cx="1878080" cy="294050"/>
           </a:xfrm>
           <a:prstGeom prst="rect">
@@ -3215,7 +3216,7 @@
         </p:nvSpPr>
         <p:spPr>
           <a:xfrm rot="16200000" flipH="1" flipV="1">
-            <a:off x="4553462" y="585657"/>
+            <a:off x="4553462" y="372827"/>
             <a:ext cx="295526" cy="171685"/>
           </a:xfrm>
           <a:prstGeom prst="triangle">
@@ -3258,7 +3259,7 @@
         </p:nvCxnSpPr>
         <p:spPr>
           <a:xfrm rot="10800000" flipV="1">
-            <a:off x="4316299" y="671499"/>
+            <a:off x="4316299" y="458669"/>
             <a:ext cx="299084" cy="931607"/>
           </a:xfrm>
           <a:prstGeom prst="bentConnector2">
@@ -3293,8 +3294,8 @@
         </p:nvSpPr>
         <p:spPr>
           <a:xfrm>
-            <a:off x="1187624" y="3537109"/>
-            <a:ext cx="1268843" cy="312344"/>
+            <a:off x="1124182" y="3324279"/>
+            <a:ext cx="1395727" cy="312344"/>
           </a:xfrm>
           <a:prstGeom prst="rect">
             <a:avLst/>
@@ -3337,7 +3338,7 @@
         </p:nvSpPr>
         <p:spPr>
           <a:xfrm>
-            <a:off x="5124841" y="1615326"/>
+            <a:off x="5124841" y="1402496"/>
             <a:ext cx="275507" cy="307777"/>
           </a:xfrm>
           <a:prstGeom prst="rect">
@@ -3370,7 +3371,7 @@
         </p:nvCxnSpPr>
         <p:spPr>
           <a:xfrm rot="10800000">
-            <a:off x="5073249" y="1890464"/>
+            <a:off x="5073249" y="1677634"/>
             <a:ext cx="1003148" cy="12700"/>
           </a:xfrm>
           <a:prstGeom prst="bentConnector3">
@@ -3403,15 +3404,15 @@
         <p:nvCxnSpPr>
           <p:cNvPr id="30" name="Elbow Connector 29"/>
           <p:cNvCxnSpPr>
-            <a:stCxn id="69" idx="1"/>
+            <a:stCxn id="61" idx="1"/>
             <a:endCxn id="15" idx="3"/>
           </p:cNvCxnSpPr>
           <p:nvPr/>
         </p:nvCxnSpPr>
         <p:spPr>
           <a:xfrm rot="10800000" flipV="1">
-            <a:off x="2456468" y="3687489"/>
-            <a:ext cx="763441" cy="5791"/>
+            <a:off x="2519909" y="3474659"/>
+            <a:ext cx="699088" cy="5791"/>
           </a:xfrm>
           <a:prstGeom prst="bentConnector3">
             <a:avLst>
@@ -3447,7 +3448,7 @@
         </p:nvSpPr>
         <p:spPr>
           <a:xfrm>
-            <a:off x="3559349" y="1603107"/>
+            <a:off x="3559349" y="1390277"/>
             <a:ext cx="1513900" cy="574714"/>
           </a:xfrm>
           <a:prstGeom prst="rect">
@@ -3498,8 +3499,8 @@
         </p:nvSpPr>
         <p:spPr>
           <a:xfrm>
-            <a:off x="3491880" y="3139375"/>
-            <a:ext cx="1648839" cy="310743"/>
+            <a:off x="3218997" y="2926545"/>
+            <a:ext cx="2194605" cy="310743"/>
           </a:xfrm>
           <a:prstGeom prst="rect">
             <a:avLst/>
@@ -3542,7 +3543,7 @@
         </p:nvSpPr>
         <p:spPr>
           <a:xfrm rot="10800000" flipH="1" flipV="1">
-            <a:off x="4172250" y="2627314"/>
+            <a:off x="4172250" y="2414484"/>
             <a:ext cx="295526" cy="171685"/>
           </a:xfrm>
           <a:prstGeom prst="triangle">
@@ -3585,7 +3586,7 @@
         </p:nvCxnSpPr>
         <p:spPr>
           <a:xfrm rot="5400000" flipH="1" flipV="1">
-            <a:off x="4147968" y="2967331"/>
+            <a:off x="4147968" y="2754501"/>
             <a:ext cx="340376" cy="3713"/>
           </a:xfrm>
           <a:prstGeom prst="bentConnector3">
@@ -3623,8 +3624,8 @@
         </p:nvSpPr>
         <p:spPr>
           <a:xfrm>
-            <a:off x="3491880" y="3445118"/>
-            <a:ext cx="1648839" cy="484744"/>
+            <a:off x="3218997" y="3232288"/>
+            <a:ext cx="2194605" cy="484744"/>
           </a:xfrm>
           <a:prstGeom prst="rect">
             <a:avLst/>
@@ -3668,8 +3669,8 @@
         </p:nvSpPr>
         <p:spPr>
           <a:xfrm>
-            <a:off x="3491880" y="3933056"/>
-            <a:ext cx="1648839" cy="484744"/>
+            <a:off x="3218997" y="3720225"/>
+            <a:ext cx="2194605" cy="803893"/>
           </a:xfrm>
           <a:prstGeom prst="rect">
             <a:avLst/>
@@ -3692,8 +3693,22 @@
           </a:fontRef>
         </p:style>
         <p:txBody>
-          <a:bodyPr rtlCol="0" anchor="ctr"/>
-          <a:lstStyle/>
+          <a:bodyPr rtlCol="0" anchor="t"/>
+          <a:lstStyle/>
+          <a:p>
+            <a:r>
+              <a:rPr lang="en-US" sz="1400" dirty="0" smtClean="0"/>
+              <a:t>+</a:t>
+            </a:r>
+            <a:r>
+              <a:rPr lang="en-US" sz="1400" dirty="0" err="1" smtClean="0"/>
+              <a:t>StockItem</a:t>
+            </a:r>
+            <a:r>
+              <a:rPr lang="en-US" sz="1400" dirty="0" smtClean="0"/>
+              <a:t>(String, Rating)</a:t>
+            </a:r>
+          </a:p>
           <a:p>
             <a:r>
               <a:rPr lang="en-US" sz="1400" dirty="0" smtClean="0"/>
@@ -3711,18 +3726,253 @@
       </p:sp>
       <p:sp>
         <p:nvSpPr>
-          <p:cNvPr id="69" name="Flowchart: Decision 68"/>
+          <p:cNvPr id="80" name="Rectangle 79"/>
           <p:cNvSpPr/>
           <p:nvPr/>
         </p:nvSpPr>
         <p:spPr>
           <a:xfrm>
-            <a:off x="3219908" y="3547707"/>
-            <a:ext cx="266061" cy="279566"/>
-          </a:xfrm>
-          <a:prstGeom prst="flowChartDecision">
+            <a:off x="6076397" y="1816247"/>
+            <a:ext cx="1878080" cy="137669"/>
+          </a:xfrm>
+          <a:prstGeom prst="rect">
             <a:avLst/>
           </a:prstGeom>
+        </p:spPr>
+        <p:style>
+          <a:lnRef idx="2">
+            <a:schemeClr val="accent5">
+              <a:shade val="50000"/>
+            </a:schemeClr>
+          </a:lnRef>
+          <a:fillRef idx="1">
+            <a:schemeClr val="accent5"/>
+          </a:fillRef>
+          <a:effectRef idx="0">
+            <a:schemeClr val="accent5"/>
+          </a:effectRef>
+          <a:fontRef idx="minor">
+            <a:schemeClr val="lt1"/>
+          </a:fontRef>
+        </p:style>
+        <p:txBody>
+          <a:bodyPr rtlCol="0" anchor="ctr"/>
+          <a:lstStyle/>
+          <a:p>
+            <a:pPr algn="ctr"/>
+            <a:endParaRPr lang="en-SG" sz="1400" dirty="0"/>
+          </a:p>
+        </p:txBody>
+      </p:sp>
+      <p:sp>
+        <p:nvSpPr>
+          <p:cNvPr id="81" name="Rectangle 80"/>
+          <p:cNvSpPr/>
+          <p:nvPr/>
+        </p:nvSpPr>
+        <p:spPr>
+          <a:xfrm>
+            <a:off x="6078296" y="1951804"/>
+            <a:ext cx="1878080" cy="821789"/>
+          </a:xfrm>
+          <a:prstGeom prst="rect">
+            <a:avLst/>
+          </a:prstGeom>
+        </p:spPr>
+        <p:style>
+          <a:lnRef idx="2">
+            <a:schemeClr val="accent5">
+              <a:shade val="50000"/>
+            </a:schemeClr>
+          </a:lnRef>
+          <a:fillRef idx="1">
+            <a:schemeClr val="accent5"/>
+          </a:fillRef>
+          <a:effectRef idx="0">
+            <a:schemeClr val="accent5"/>
+          </a:effectRef>
+          <a:fontRef idx="minor">
+            <a:schemeClr val="lt1"/>
+          </a:fontRef>
+        </p:style>
+        <p:txBody>
+          <a:bodyPr rtlCol="0" anchor="ctr"/>
+          <a:lstStyle/>
+          <a:p>
+            <a:r>
+              <a:rPr lang="en-SG" sz="1400" dirty="0" smtClean="0"/>
+              <a:t>+add(Item)</a:t>
+            </a:r>
+          </a:p>
+          <a:p>
+            <a:r>
+              <a:rPr lang="en-SG" sz="1400" dirty="0" smtClean="0"/>
+              <a:t>+</a:t>
+            </a:r>
+            <a:r>
+              <a:rPr lang="en-SG" sz="1400" dirty="0" err="1" smtClean="0"/>
+              <a:t>generateBill</a:t>
+            </a:r>
+            <a:r>
+              <a:rPr lang="en-SG" sz="1400" dirty="0" smtClean="0"/>
+              <a:t>(Billable)</a:t>
+            </a:r>
+          </a:p>
+          <a:p>
+            <a:r>
+              <a:rPr lang="en-SG" sz="1400" dirty="0" smtClean="0"/>
+              <a:t>+</a:t>
+            </a:r>
+            <a:r>
+              <a:rPr lang="en-SG" sz="1400" dirty="0" err="1" smtClean="0"/>
+              <a:t>getItemCount</a:t>
+            </a:r>
+            <a:r>
+              <a:rPr lang="en-SG" sz="1400" dirty="0" smtClean="0"/>
+              <a:t>()</a:t>
+            </a:r>
+            <a:endParaRPr lang="en-SG" sz="1400" dirty="0"/>
+          </a:p>
+        </p:txBody>
+      </p:sp>
+      <p:sp>
+        <p:nvSpPr>
+          <p:cNvPr id="52" name="Rectangle 51"/>
+          <p:cNvSpPr/>
+          <p:nvPr/>
+        </p:nvSpPr>
+        <p:spPr>
+          <a:xfrm>
+            <a:off x="1034731" y="1727729"/>
+            <a:ext cx="1576377" cy="540059"/>
+          </a:xfrm>
+          <a:prstGeom prst="rect">
+            <a:avLst/>
+          </a:prstGeom>
+          <a:solidFill>
+            <a:srgbClr val="00B050"/>
+          </a:solidFill>
+          <a:ln>
+            <a:solidFill>
+              <a:schemeClr val="accent3">
+                <a:lumMod val="50000"/>
+              </a:schemeClr>
+            </a:solidFill>
+          </a:ln>
+        </p:spPr>
+        <p:style>
+          <a:lnRef idx="2">
+            <a:schemeClr val="accent1">
+              <a:shade val="50000"/>
+            </a:schemeClr>
+          </a:lnRef>
+          <a:fillRef idx="1">
+            <a:schemeClr val="accent1"/>
+          </a:fillRef>
+          <a:effectRef idx="0">
+            <a:schemeClr val="accent1"/>
+          </a:effectRef>
+          <a:fontRef idx="minor">
+            <a:schemeClr val="lt1"/>
+          </a:fontRef>
+        </p:style>
+        <p:txBody>
+          <a:bodyPr rtlCol="0" anchor="ctr"/>
+          <a:lstStyle/>
+          <a:p>
+            <a:pPr algn="ctr"/>
+            <a:r>
+              <a:rPr lang="en-US" sz="1400" dirty="0" smtClean="0"/>
+              <a:t>&lt;&lt;enumeration&gt;&gt;</a:t>
+            </a:r>
+            <a:br>
+              <a:rPr lang="en-US" sz="1400" dirty="0" smtClean="0"/>
+            </a:br>
+            <a:r>
+              <a:rPr lang="en-US" sz="1400" dirty="0" smtClean="0"/>
+              <a:t>Rating</a:t>
+            </a:r>
+            <a:endParaRPr lang="en-SG" sz="1400" dirty="0"/>
+          </a:p>
+        </p:txBody>
+      </p:sp>
+      <p:sp>
+        <p:nvSpPr>
+          <p:cNvPr id="55" name="Rectangle 54"/>
+          <p:cNvSpPr/>
+          <p:nvPr/>
+        </p:nvSpPr>
+        <p:spPr>
+          <a:xfrm>
+            <a:off x="1034730" y="2266646"/>
+            <a:ext cx="1576377" cy="344841"/>
+          </a:xfrm>
+          <a:prstGeom prst="rect">
+            <a:avLst/>
+          </a:prstGeom>
+          <a:solidFill>
+            <a:srgbClr val="00B050"/>
+          </a:solidFill>
+          <a:ln>
+            <a:solidFill>
+              <a:schemeClr val="accent3">
+                <a:lumMod val="50000"/>
+              </a:schemeClr>
+            </a:solidFill>
+          </a:ln>
+        </p:spPr>
+        <p:style>
+          <a:lnRef idx="2">
+            <a:schemeClr val="accent1">
+              <a:shade val="50000"/>
+            </a:schemeClr>
+          </a:lnRef>
+          <a:fillRef idx="1">
+            <a:schemeClr val="accent1"/>
+          </a:fillRef>
+          <a:effectRef idx="0">
+            <a:schemeClr val="accent1"/>
+          </a:effectRef>
+          <a:fontRef idx="minor">
+            <a:schemeClr val="lt1"/>
+          </a:fontRef>
+        </p:style>
+        <p:txBody>
+          <a:bodyPr rtlCol="0" anchor="ctr"/>
+          <a:lstStyle/>
+          <a:p>
+            <a:pPr algn="ctr"/>
+            <a:r>
+              <a:rPr lang="en-US" sz="1400" dirty="0" smtClean="0"/>
+              <a:t>GOOD, OK, POOR</a:t>
+            </a:r>
+            <a:endParaRPr lang="en-SG" sz="1400" dirty="0"/>
+          </a:p>
+        </p:txBody>
+      </p:sp>
+      <p:cxnSp>
+        <p:nvCxnSpPr>
+          <p:cNvPr id="58" name="Elbow Connector 57"/>
+          <p:cNvCxnSpPr>
+            <a:stCxn id="15" idx="0"/>
+            <a:endCxn id="55" idx="2"/>
+          </p:cNvCxnSpPr>
+          <p:nvPr/>
+        </p:nvCxnSpPr>
+        <p:spPr>
+          <a:xfrm rot="5400000" flipH="1" flipV="1">
+            <a:off x="1466086" y="2967447"/>
+            <a:ext cx="712792" cy="873"/>
+          </a:xfrm>
+          <a:prstGeom prst="bentConnector3">
+            <a:avLst>
+              <a:gd name="adj1" fmla="val 50000"/>
+            </a:avLst>
+          </a:prstGeom>
+          <a:ln>
+            <a:prstDash val="solid"/>
+            <a:tailEnd type="arrow"/>
+          </a:ln>
         </p:spPr>
         <p:style>
           <a:lnRef idx="2">
@@ -3740,29 +3990,109 @@
             <a:schemeClr val="lt1"/>
           </a:fontRef>
         </p:style>
-        <p:txBody>
-          <a:bodyPr rtlCol="0" anchor="ctr"/>
-          <a:lstStyle/>
-          <a:p>
-            <a:pPr algn="ctr"/>
-            <a:endParaRPr lang="en-US" sz="1400"/>
-          </a:p>
-        </p:txBody>
-      </p:sp>
-      <p:sp>
-        <p:nvSpPr>
-          <p:cNvPr id="80" name="Rectangle 79"/>
+      </p:cxnSp>
+      <p:sp>
+        <p:nvSpPr>
+          <p:cNvPr id="83" name="Rectangle 82"/>
           <p:cNvSpPr/>
           <p:nvPr/>
         </p:nvSpPr>
         <p:spPr>
           <a:xfrm>
-            <a:off x="6076397" y="2029077"/>
-            <a:ext cx="1878080" cy="137669"/>
+            <a:off x="3559349" y="1972739"/>
+            <a:ext cx="1513900" cy="298463"/>
           </a:xfrm>
           <a:prstGeom prst="rect">
             <a:avLst/>
           </a:prstGeom>
+        </p:spPr>
+        <p:style>
+          <a:lnRef idx="2">
+            <a:schemeClr val="accent2">
+              <a:shade val="50000"/>
+            </a:schemeClr>
+          </a:lnRef>
+          <a:fillRef idx="1">
+            <a:schemeClr val="accent2"/>
+          </a:fillRef>
+          <a:effectRef idx="0">
+            <a:schemeClr val="accent2"/>
+          </a:effectRef>
+          <a:fontRef idx="minor">
+            <a:schemeClr val="lt1"/>
+          </a:fontRef>
+        </p:style>
+        <p:txBody>
+          <a:bodyPr rtlCol="0" anchor="ctr"/>
+          <a:lstStyle/>
+          <a:p>
+            <a:endParaRPr lang="en-US" sz="1400" dirty="0" smtClean="0"/>
+          </a:p>
+        </p:txBody>
+      </p:sp>
+      <p:sp>
+        <p:nvSpPr>
+          <p:cNvPr id="79" name="Rectangle 78"/>
+          <p:cNvSpPr/>
+          <p:nvPr/>
+        </p:nvSpPr>
+        <p:spPr>
+          <a:xfrm>
+            <a:off x="3559349" y="2102752"/>
+            <a:ext cx="1513900" cy="298463"/>
+          </a:xfrm>
+          <a:prstGeom prst="rect">
+            <a:avLst/>
+          </a:prstGeom>
+        </p:spPr>
+        <p:style>
+          <a:lnRef idx="2">
+            <a:schemeClr val="accent2">
+              <a:shade val="50000"/>
+            </a:schemeClr>
+          </a:lnRef>
+          <a:fillRef idx="1">
+            <a:schemeClr val="accent2"/>
+          </a:fillRef>
+          <a:effectRef idx="0">
+            <a:schemeClr val="accent2"/>
+          </a:effectRef>
+          <a:fontRef idx="minor">
+            <a:schemeClr val="lt1"/>
+          </a:fontRef>
+        </p:style>
+        <p:txBody>
+          <a:bodyPr rtlCol="0" anchor="ctr"/>
+          <a:lstStyle/>
+          <a:p>
+            <a:r>
+              <a:rPr lang="en-US" sz="1400" dirty="0" smtClean="0"/>
+              <a:t>+print() {abstract}</a:t>
+            </a:r>
+          </a:p>
+        </p:txBody>
+      </p:sp>
+      <p:cxnSp>
+        <p:nvCxnSpPr>
+          <p:cNvPr id="103" name="Elbow Connector 102"/>
+          <p:cNvCxnSpPr>
+            <a:stCxn id="5" idx="0"/>
+            <a:endCxn id="4" idx="3"/>
+          </p:cNvCxnSpPr>
+          <p:nvPr/>
+        </p:nvCxnSpPr>
+        <p:spPr>
+          <a:xfrm rot="16200000" flipV="1">
+            <a:off x="5994441" y="509613"/>
+            <a:ext cx="1071939" cy="970054"/>
+          </a:xfrm>
+          <a:prstGeom prst="bentConnector2">
+            <a:avLst/>
+          </a:prstGeom>
+          <a:ln>
+            <a:prstDash val="sysDash"/>
+            <a:tailEnd type="arrow"/>
+          </a:ln>
         </p:spPr>
         <p:style>
           <a:lnRef idx="2">
@@ -3780,6 +4110,160 @@
             <a:schemeClr val="lt1"/>
           </a:fontRef>
         </p:style>
+      </p:cxnSp>
+      <p:sp>
+        <p:nvSpPr>
+          <p:cNvPr id="111" name="TextBox 110"/>
+          <p:cNvSpPr txBox="1"/>
+          <p:nvPr/>
+        </p:nvSpPr>
+        <p:spPr>
+          <a:xfrm>
+            <a:off x="2502631" y="3494519"/>
+            <a:ext cx="275507" cy="307777"/>
+          </a:xfrm>
+          <a:prstGeom prst="rect">
+            <a:avLst/>
+          </a:prstGeom>
+          <a:noFill/>
+        </p:spPr>
+        <p:txBody>
+          <a:bodyPr wrap="square" rtlCol="0">
+            <a:spAutoFit/>
+          </a:bodyPr>
+          <a:lstStyle/>
+          <a:p>
+            <a:r>
+              <a:rPr lang="en-US" sz="1400" dirty="0"/>
+              <a:t>1</a:t>
+            </a:r>
+            <a:endParaRPr lang="en-SG" sz="1400" dirty="0"/>
+          </a:p>
+        </p:txBody>
+      </p:sp>
+      <p:sp>
+        <p:nvSpPr>
+          <p:cNvPr id="113" name="Rectangle 112"/>
+          <p:cNvSpPr/>
+          <p:nvPr/>
+        </p:nvSpPr>
+        <p:spPr>
+          <a:xfrm>
+            <a:off x="1124182" y="3630831"/>
+            <a:ext cx="1395727" cy="312344"/>
+          </a:xfrm>
+          <a:prstGeom prst="rect">
+            <a:avLst/>
+          </a:prstGeom>
+        </p:spPr>
+        <p:style>
+          <a:lnRef idx="2">
+            <a:schemeClr val="accent6">
+              <a:shade val="50000"/>
+            </a:schemeClr>
+          </a:lnRef>
+          <a:fillRef idx="1">
+            <a:schemeClr val="accent6"/>
+          </a:fillRef>
+          <a:effectRef idx="0">
+            <a:schemeClr val="accent6"/>
+          </a:effectRef>
+          <a:fontRef idx="minor">
+            <a:schemeClr val="lt1"/>
+          </a:fontRef>
+        </p:style>
+        <p:txBody>
+          <a:bodyPr rtlCol="0" anchor="ctr"/>
+          <a:lstStyle/>
+          <a:p>
+            <a:r>
+              <a:rPr lang="en-US" sz="1400" dirty="0" smtClean="0"/>
+              <a:t>+Review(Rating)</a:t>
+            </a:r>
+            <a:endParaRPr lang="en-SG" sz="1400" dirty="0"/>
+          </a:p>
+        </p:txBody>
+      </p:sp>
+      <p:sp>
+        <p:nvSpPr>
+          <p:cNvPr id="118" name="Rectangle 117"/>
+          <p:cNvSpPr/>
+          <p:nvPr/>
+        </p:nvSpPr>
+        <p:spPr>
+          <a:xfrm>
+            <a:off x="4787064" y="869370"/>
+            <a:ext cx="1258315" cy="347411"/>
+          </a:xfrm>
+          <a:prstGeom prst="rect">
+            <a:avLst/>
+          </a:prstGeom>
+          <a:ln/>
+        </p:spPr>
+        <p:style>
+          <a:lnRef idx="2">
+            <a:schemeClr val="accent3">
+              <a:shade val="50000"/>
+            </a:schemeClr>
+          </a:lnRef>
+          <a:fillRef idx="1">
+            <a:schemeClr val="accent3"/>
+          </a:fillRef>
+          <a:effectRef idx="0">
+            <a:schemeClr val="accent3"/>
+          </a:effectRef>
+          <a:fontRef idx="minor">
+            <a:schemeClr val="lt1"/>
+          </a:fontRef>
+        </p:style>
+        <p:txBody>
+          <a:bodyPr rtlCol="0" anchor="ctr"/>
+          <a:lstStyle/>
+          <a:p>
+            <a:r>
+              <a:rPr lang="en-US" sz="1400" dirty="0"/>
+              <a:t>b</a:t>
+            </a:r>
+            <a:r>
+              <a:rPr lang="en-US" sz="1400" dirty="0" smtClean="0"/>
+              <a:t>ill()</a:t>
+            </a:r>
+            <a:endParaRPr lang="en-SG" sz="1400" dirty="0"/>
+          </a:p>
+        </p:txBody>
+      </p:sp>
+      <p:sp>
+        <p:nvSpPr>
+          <p:cNvPr id="119" name="Rectangle 118"/>
+          <p:cNvSpPr/>
+          <p:nvPr/>
+        </p:nvSpPr>
+        <p:spPr>
+          <a:xfrm>
+            <a:off x="4787066" y="690707"/>
+            <a:ext cx="1258315" cy="205345"/>
+          </a:xfrm>
+          <a:prstGeom prst="rect">
+            <a:avLst/>
+          </a:prstGeom>
+          <a:ln/>
+        </p:spPr>
+        <p:style>
+          <a:lnRef idx="2">
+            <a:schemeClr val="accent3">
+              <a:shade val="50000"/>
+            </a:schemeClr>
+          </a:lnRef>
+          <a:fillRef idx="1">
+            <a:schemeClr val="accent3"/>
+          </a:fillRef>
+          <a:effectRef idx="0">
+            <a:schemeClr val="accent3"/>
+          </a:effectRef>
+          <a:fontRef idx="minor">
+            <a:schemeClr val="lt1"/>
+          </a:fontRef>
+        </p:style>
         <p:txBody>
           <a:bodyPr rtlCol="0" anchor="ctr"/>
           <a:lstStyle/>
@@ -3791,14 +4275,14 @@
       </p:sp>
       <p:sp>
         <p:nvSpPr>
-          <p:cNvPr id="81" name="Rectangle 80"/>
+          <p:cNvPr id="29" name="Rectangle 28"/>
           <p:cNvSpPr/>
           <p:nvPr/>
         </p:nvSpPr>
         <p:spPr>
           <a:xfrm>
-            <a:off x="6078296" y="2164634"/>
-            <a:ext cx="1878080" cy="821789"/>
+            <a:off x="7444882" y="5929485"/>
+            <a:ext cx="1219302" cy="294050"/>
           </a:xfrm>
           <a:prstGeom prst="rect">
             <a:avLst/>
@@ -3824,86 +4308,41 @@
           <a:bodyPr rtlCol="0" anchor="ctr"/>
           <a:lstStyle/>
           <a:p>
-            <a:r>
-              <a:rPr lang="en-SG" sz="1400" dirty="0" smtClean="0"/>
-              <a:t>+add(</a:t>
-            </a:r>
-            <a:r>
-              <a:rPr lang="en-SG" sz="1400" dirty="0" err="1" smtClean="0"/>
-              <a:t>StockItem</a:t>
-            </a:r>
-            <a:r>
-              <a:rPr lang="en-SG" sz="1400" dirty="0" smtClean="0"/>
-              <a:t>)</a:t>
-            </a:r>
-          </a:p>
-          <a:p>
-            <a:r>
-              <a:rPr lang="en-SG" sz="1400" dirty="0" smtClean="0"/>
-              <a:t>+</a:t>
-            </a:r>
-            <a:r>
-              <a:rPr lang="en-SG" sz="1400" dirty="0" err="1" smtClean="0"/>
-              <a:t>generateBill</a:t>
-            </a:r>
-            <a:r>
-              <a:rPr lang="en-SG" sz="1400" dirty="0" smtClean="0"/>
-              <a:t>(Billable)</a:t>
-            </a:r>
-          </a:p>
-          <a:p>
-            <a:r>
-              <a:rPr lang="en-SG" sz="1400" dirty="0" smtClean="0"/>
-              <a:t>+</a:t>
-            </a:r>
-            <a:r>
-              <a:rPr lang="en-SG" sz="1400" dirty="0" err="1" smtClean="0"/>
-              <a:t>getItemCount</a:t>
-            </a:r>
-            <a:r>
-              <a:rPr lang="en-SG" sz="1400" dirty="0" smtClean="0"/>
-              <a:t>()</a:t>
-            </a:r>
-            <a:endParaRPr lang="en-SG" sz="1400" dirty="0"/>
-          </a:p>
-        </p:txBody>
-      </p:sp>
-      <p:sp>
-        <p:nvSpPr>
-          <p:cNvPr id="52" name="Rectangle 51"/>
+            <a:pPr algn="ctr"/>
+            <a:r>
+              <a:rPr lang="en-US" sz="1400" u="sng" dirty="0" smtClean="0"/>
+              <a:t>:Inventory</a:t>
+            </a:r>
+            <a:endParaRPr lang="en-SG" sz="1400" u="sng" dirty="0"/>
+          </a:p>
+        </p:txBody>
+      </p:sp>
+      <p:sp>
+        <p:nvSpPr>
+          <p:cNvPr id="31" name="Rectangle 30"/>
           <p:cNvSpPr/>
           <p:nvPr/>
         </p:nvSpPr>
         <p:spPr>
           <a:xfrm>
-            <a:off x="1034731" y="1940559"/>
-            <a:ext cx="1576377" cy="540059"/>
+            <a:off x="4915901" y="5938067"/>
+            <a:ext cx="1648839" cy="310743"/>
           </a:xfrm>
           <a:prstGeom prst="rect">
             <a:avLst/>
           </a:prstGeom>
-          <a:solidFill>
-            <a:srgbClr val="00B050"/>
-          </a:solidFill>
-          <a:ln>
-            <a:solidFill>
-              <a:schemeClr val="accent3">
-                <a:lumMod val="50000"/>
-              </a:schemeClr>
-            </a:solidFill>
-          </a:ln>
         </p:spPr>
         <p:style>
           <a:lnRef idx="2">
-            <a:schemeClr val="accent1">
+            <a:schemeClr val="accent2">
               <a:shade val="50000"/>
             </a:schemeClr>
           </a:lnRef>
           <a:fillRef idx="1">
-            <a:schemeClr val="accent1"/>
+            <a:schemeClr val="accent2"/>
           </a:fillRef>
           <a:effectRef idx="0">
-            <a:schemeClr val="accent1"/>
+            <a:schemeClr val="accent2"/>
           </a:effectRef>
           <a:fontRef idx="minor">
             <a:schemeClr val="lt1"/>
@@ -3915,56 +4354,43 @@
           <a:p>
             <a:pPr algn="ctr"/>
             <a:r>
-              <a:rPr lang="en-US" sz="1400" dirty="0" smtClean="0"/>
-              <a:t>&lt;&lt;enumeration&gt;&gt;</a:t>
-            </a:r>
-            <a:br>
-              <a:rPr lang="en-US" sz="1400" dirty="0" smtClean="0"/>
-            </a:br>
-            <a:r>
-              <a:rPr lang="en-US" sz="1400" dirty="0" smtClean="0"/>
-              <a:t>Rating</a:t>
-            </a:r>
-            <a:endParaRPr lang="en-SG" sz="1400" dirty="0"/>
-          </a:p>
-        </p:txBody>
-      </p:sp>
-      <p:sp>
-        <p:nvSpPr>
-          <p:cNvPr id="55" name="Rectangle 54"/>
+              <a:rPr lang="en-US" sz="1400" u="sng" dirty="0" smtClean="0"/>
+              <a:t>:</a:t>
+            </a:r>
+            <a:r>
+              <a:rPr lang="en-US" sz="1400" u="sng" dirty="0" err="1" smtClean="0"/>
+              <a:t>StockItem</a:t>
+            </a:r>
+            <a:endParaRPr lang="en-SG" sz="1400" u="sng" dirty="0"/>
+          </a:p>
+        </p:txBody>
+      </p:sp>
+      <p:sp>
+        <p:nvSpPr>
+          <p:cNvPr id="32" name="Rectangle 31"/>
           <p:cNvSpPr/>
           <p:nvPr/>
         </p:nvSpPr>
         <p:spPr>
           <a:xfrm>
-            <a:off x="1034730" y="2479476"/>
-            <a:ext cx="1576377" cy="344841"/>
+            <a:off x="4915901" y="6256624"/>
+            <a:ext cx="1640807" cy="484744"/>
           </a:xfrm>
           <a:prstGeom prst="rect">
             <a:avLst/>
           </a:prstGeom>
-          <a:solidFill>
-            <a:srgbClr val="00B050"/>
-          </a:solidFill>
-          <a:ln>
-            <a:solidFill>
-              <a:schemeClr val="accent3">
-                <a:lumMod val="50000"/>
-              </a:schemeClr>
-            </a:solidFill>
-          </a:ln>
         </p:spPr>
         <p:style>
           <a:lnRef idx="2">
-            <a:schemeClr val="accent1">
+            <a:schemeClr val="accent2">
               <a:shade val="50000"/>
             </a:schemeClr>
           </a:lnRef>
           <a:fillRef idx="1">
-            <a:schemeClr val="accent1"/>
+            <a:schemeClr val="accent2"/>
           </a:fillRef>
           <a:effectRef idx="0">
-            <a:schemeClr val="accent1"/>
+            <a:schemeClr val="accent2"/>
           </a:effectRef>
           <a:fontRef idx="minor">
             <a:schemeClr val="lt1"/>
@@ -3974,28 +4400,204 @@
           <a:bodyPr rtlCol="0" anchor="ctr"/>
           <a:lstStyle/>
           <a:p>
+            <a:r>
+              <a:rPr lang="en-US" sz="1400" dirty="0"/>
+              <a:t>n</a:t>
+            </a:r>
+            <a:r>
+              <a:rPr lang="en-US" sz="1400" dirty="0" smtClean="0"/>
+              <a:t>ame = “spanner”</a:t>
+            </a:r>
+          </a:p>
+          <a:p>
+            <a:endParaRPr lang="en-SG" sz="1400" dirty="0"/>
+          </a:p>
+        </p:txBody>
+      </p:sp>
+      <p:sp>
+        <p:nvSpPr>
+          <p:cNvPr id="33" name="Rectangle 32"/>
+          <p:cNvSpPr/>
+          <p:nvPr/>
+        </p:nvSpPr>
+        <p:spPr>
+          <a:xfrm>
+            <a:off x="2642387" y="5955087"/>
+            <a:ext cx="1268843" cy="312344"/>
+          </a:xfrm>
+          <a:prstGeom prst="rect">
+            <a:avLst/>
+          </a:prstGeom>
+        </p:spPr>
+        <p:style>
+          <a:lnRef idx="2">
+            <a:schemeClr val="accent6">
+              <a:shade val="50000"/>
+            </a:schemeClr>
+          </a:lnRef>
+          <a:fillRef idx="1">
+            <a:schemeClr val="accent6"/>
+          </a:fillRef>
+          <a:effectRef idx="0">
+            <a:schemeClr val="accent6"/>
+          </a:effectRef>
+          <a:fontRef idx="minor">
+            <a:schemeClr val="lt1"/>
+          </a:fontRef>
+        </p:style>
+        <p:txBody>
+          <a:bodyPr rtlCol="0" anchor="ctr"/>
+          <a:lstStyle/>
+          <a:p>
             <a:pPr algn="ctr"/>
             <a:r>
-              <a:rPr lang="en-US" sz="1400" dirty="0" smtClean="0"/>
-              <a:t>GOOD, OK, POOR</a:t>
-            </a:r>
-            <a:endParaRPr lang="en-SG" sz="1400" dirty="0"/>
+              <a:rPr lang="en-US" sz="1400" u="sng" dirty="0" smtClean="0"/>
+              <a:t>:Review</a:t>
+            </a:r>
+            <a:endParaRPr lang="en-SG" sz="1400" u="sng" dirty="0"/>
           </a:p>
         </p:txBody>
       </p:sp>
       <p:cxnSp>
         <p:nvCxnSpPr>
-          <p:cNvPr id="58" name="Elbow Connector 57"/>
+          <p:cNvPr id="34" name="Elbow Connector 33"/>
           <p:cNvCxnSpPr>
-            <a:stCxn id="15" idx="0"/>
-            <a:endCxn id="55" idx="2"/>
+            <a:stCxn id="31" idx="1"/>
+            <a:endCxn id="33" idx="3"/>
           </p:cNvCxnSpPr>
           <p:nvPr/>
         </p:nvCxnSpPr>
         <p:spPr>
-          <a:xfrm rot="5400000" flipH="1" flipV="1">
-            <a:off x="1466086" y="3180277"/>
-            <a:ext cx="712792" cy="873"/>
+          <a:xfrm rot="10800000" flipV="1">
+            <a:off x="3911231" y="6093439"/>
+            <a:ext cx="1004671" cy="17820"/>
+          </a:xfrm>
+          <a:prstGeom prst="bentConnector3">
+            <a:avLst>
+              <a:gd name="adj1" fmla="val 50000"/>
+            </a:avLst>
+          </a:prstGeom>
+          <a:ln>
+            <a:tailEnd type="arrow"/>
+          </a:ln>
+        </p:spPr>
+        <p:style>
+          <a:lnRef idx="2">
+            <a:schemeClr val="accent6">
+              <a:shade val="50000"/>
+            </a:schemeClr>
+          </a:lnRef>
+          <a:fillRef idx="1">
+            <a:schemeClr val="accent6"/>
+          </a:fillRef>
+          <a:effectRef idx="0">
+            <a:schemeClr val="accent6"/>
+          </a:effectRef>
+          <a:fontRef idx="minor">
+            <a:schemeClr val="lt1"/>
+          </a:fontRef>
+        </p:style>
+      </p:cxnSp>
+      <p:sp>
+        <p:nvSpPr>
+          <p:cNvPr id="38" name="Rectangle 37"/>
+          <p:cNvSpPr/>
+          <p:nvPr/>
+        </p:nvSpPr>
+        <p:spPr>
+          <a:xfrm>
+            <a:off x="2642387" y="6261639"/>
+            <a:ext cx="1268843" cy="312344"/>
+          </a:xfrm>
+          <a:prstGeom prst="rect">
+            <a:avLst/>
+          </a:prstGeom>
+        </p:spPr>
+        <p:style>
+          <a:lnRef idx="2">
+            <a:schemeClr val="accent6">
+              <a:shade val="50000"/>
+            </a:schemeClr>
+          </a:lnRef>
+          <a:fillRef idx="1">
+            <a:schemeClr val="accent6"/>
+          </a:fillRef>
+          <a:effectRef idx="0">
+            <a:schemeClr val="accent6"/>
+          </a:effectRef>
+          <a:fontRef idx="minor">
+            <a:schemeClr val="lt1"/>
+          </a:fontRef>
+        </p:style>
+        <p:txBody>
+          <a:bodyPr rtlCol="0" anchor="ctr"/>
+          <a:lstStyle/>
+          <a:p>
+            <a:r>
+              <a:rPr lang="en-US" sz="1400" dirty="0"/>
+              <a:t>r</a:t>
+            </a:r>
+            <a:r>
+              <a:rPr lang="en-US" sz="1400" dirty="0" smtClean="0"/>
+              <a:t>ating=POOR</a:t>
+            </a:r>
+            <a:endParaRPr lang="en-SG" sz="1400" dirty="0"/>
+          </a:p>
+        </p:txBody>
+      </p:sp>
+      <p:cxnSp>
+        <p:nvCxnSpPr>
+          <p:cNvPr id="39" name="Elbow Connector 38"/>
+          <p:cNvCxnSpPr>
+            <a:stCxn id="29" idx="1"/>
+            <a:endCxn id="31" idx="3"/>
+          </p:cNvCxnSpPr>
+          <p:nvPr/>
+        </p:nvCxnSpPr>
+        <p:spPr>
+          <a:xfrm rot="10800000" flipV="1">
+            <a:off x="6564740" y="6076509"/>
+            <a:ext cx="880142" cy="16929"/>
+          </a:xfrm>
+          <a:prstGeom prst="bentConnector3">
+            <a:avLst>
+              <a:gd name="adj1" fmla="val 50000"/>
+            </a:avLst>
+          </a:prstGeom>
+          <a:ln>
+            <a:tailEnd type="arrow"/>
+          </a:ln>
+        </p:spPr>
+        <p:style>
+          <a:lnRef idx="2">
+            <a:schemeClr val="accent5">
+              <a:shade val="50000"/>
+            </a:schemeClr>
+          </a:lnRef>
+          <a:fillRef idx="1">
+            <a:schemeClr val="accent5"/>
+          </a:fillRef>
+          <a:effectRef idx="0">
+            <a:schemeClr val="accent5"/>
+          </a:effectRef>
+          <a:fontRef idx="minor">
+            <a:schemeClr val="lt1"/>
+          </a:fontRef>
+        </p:style>
+      </p:cxnSp>
+      <p:cxnSp>
+        <p:nvCxnSpPr>
+          <p:cNvPr id="40" name="Elbow Connector 39"/>
+          <p:cNvCxnSpPr>
+            <a:stCxn id="49" idx="1"/>
+            <a:endCxn id="52" idx="3"/>
+          </p:cNvCxnSpPr>
+          <p:nvPr/>
+        </p:nvCxnSpPr>
+        <p:spPr>
+          <a:xfrm rot="10800000">
+            <a:off x="2611109" y="1997759"/>
+            <a:ext cx="607889" cy="1084158"/>
           </a:xfrm>
           <a:prstGeom prst="bentConnector3">
             <a:avLst>
@@ -4032,14 +4634,146 @@
       </p:cxnSp>
       <p:sp>
         <p:nvSpPr>
-          <p:cNvPr id="83" name="Rectangle 82"/>
+          <p:cNvPr id="14" name="Rectangle 13"/>
           <p:cNvSpPr/>
           <p:nvPr/>
         </p:nvSpPr>
         <p:spPr>
           <a:xfrm>
-            <a:off x="3559349" y="2185569"/>
-            <a:ext cx="1513900" cy="298463"/>
+            <a:off x="1199559" y="2590184"/>
+            <a:ext cx="610552" cy="307777"/>
+          </a:xfrm>
+          <a:prstGeom prst="rect">
+            <a:avLst/>
+          </a:prstGeom>
+        </p:spPr>
+        <p:txBody>
+          <a:bodyPr wrap="none">
+            <a:spAutoFit/>
+          </a:bodyPr>
+          <a:lstStyle/>
+          <a:p>
+            <a:r>
+              <a:rPr lang="en-US" sz="1400" dirty="0"/>
+              <a:t>rating</a:t>
+            </a:r>
+          </a:p>
+        </p:txBody>
+      </p:sp>
+      <p:sp>
+        <p:nvSpPr>
+          <p:cNvPr id="47" name="TextBox 46"/>
+          <p:cNvSpPr txBox="1"/>
+          <p:nvPr/>
+        </p:nvSpPr>
+        <p:spPr>
+          <a:xfrm>
+            <a:off x="1855341" y="2615927"/>
+            <a:ext cx="484411" cy="307777"/>
+          </a:xfrm>
+          <a:prstGeom prst="rect">
+            <a:avLst/>
+          </a:prstGeom>
+          <a:noFill/>
+        </p:spPr>
+        <p:txBody>
+          <a:bodyPr wrap="square" rtlCol="0">
+            <a:spAutoFit/>
+          </a:bodyPr>
+          <a:lstStyle/>
+          <a:p>
+            <a:r>
+              <a:rPr lang="en-US" sz="1400" dirty="0" smtClean="0"/>
+              <a:t>0..1</a:t>
+            </a:r>
+            <a:endParaRPr lang="en-SG" sz="1400" dirty="0"/>
+          </a:p>
+        </p:txBody>
+      </p:sp>
+      <p:sp>
+        <p:nvSpPr>
+          <p:cNvPr id="48" name="TextBox 47"/>
+          <p:cNvSpPr txBox="1"/>
+          <p:nvPr/>
+        </p:nvSpPr>
+        <p:spPr>
+          <a:xfrm>
+            <a:off x="5088751" y="1727729"/>
+            <a:ext cx="660885" cy="307777"/>
+          </a:xfrm>
+          <a:prstGeom prst="rect">
+            <a:avLst/>
+          </a:prstGeom>
+          <a:noFill/>
+        </p:spPr>
+        <p:txBody>
+          <a:bodyPr wrap="square" rtlCol="0">
+            <a:spAutoFit/>
+          </a:bodyPr>
+          <a:lstStyle/>
+          <a:p>
+            <a:r>
+              <a:rPr lang="en-US" sz="1400" dirty="0" smtClean="0"/>
+              <a:t>items</a:t>
+            </a:r>
+            <a:endParaRPr lang="en-SG" sz="1400" dirty="0"/>
+          </a:p>
+        </p:txBody>
+      </p:sp>
+      <p:sp>
+        <p:nvSpPr>
+          <p:cNvPr id="41" name="Rectangle 40"/>
+          <p:cNvSpPr/>
+          <p:nvPr/>
+        </p:nvSpPr>
+        <p:spPr>
+          <a:xfrm>
+            <a:off x="7533029" y="4918000"/>
+            <a:ext cx="1219302" cy="294050"/>
+          </a:xfrm>
+          <a:prstGeom prst="rect">
+            <a:avLst/>
+          </a:prstGeom>
+        </p:spPr>
+        <p:style>
+          <a:lnRef idx="2">
+            <a:schemeClr val="accent5">
+              <a:shade val="50000"/>
+            </a:schemeClr>
+          </a:lnRef>
+          <a:fillRef idx="1">
+            <a:schemeClr val="accent5"/>
+          </a:fillRef>
+          <a:effectRef idx="0">
+            <a:schemeClr val="accent5"/>
+          </a:effectRef>
+          <a:fontRef idx="minor">
+            <a:schemeClr val="lt1"/>
+          </a:fontRef>
+        </p:style>
+        <p:txBody>
+          <a:bodyPr rtlCol="0" anchor="ctr"/>
+          <a:lstStyle/>
+          <a:p>
+            <a:pPr algn="ctr"/>
+            <a:r>
+              <a:rPr lang="en-US" sz="1400" u="sng" dirty="0" smtClean="0"/>
+              <a:t>:Inventory</a:t>
+            </a:r>
+            <a:endParaRPr lang="en-SG" sz="1400" u="sng" dirty="0"/>
+          </a:p>
+        </p:txBody>
+      </p:sp>
+      <p:sp>
+        <p:nvSpPr>
+          <p:cNvPr id="42" name="Rectangle 41"/>
+          <p:cNvSpPr/>
+          <p:nvPr/>
+        </p:nvSpPr>
+        <p:spPr>
+          <a:xfrm>
+            <a:off x="5004048" y="4926582"/>
+            <a:ext cx="1648839" cy="310743"/>
           </a:xfrm>
           <a:prstGeom prst="rect">
             <a:avLst/>
@@ -4065,20 +4799,29 @@
           <a:bodyPr rtlCol="0" anchor="ctr"/>
           <a:lstStyle/>
           <a:p>
-            <a:endParaRPr lang="en-US" sz="1400" dirty="0" smtClean="0"/>
-          </a:p>
-        </p:txBody>
-      </p:sp>
-      <p:sp>
-        <p:nvSpPr>
-          <p:cNvPr id="79" name="Rectangle 78"/>
+            <a:pPr algn="ctr"/>
+            <a:r>
+              <a:rPr lang="en-US" sz="1400" u="sng" dirty="0" smtClean="0"/>
+              <a:t>:</a:t>
+            </a:r>
+            <a:r>
+              <a:rPr lang="en-US" sz="1400" u="sng" dirty="0" err="1" smtClean="0"/>
+              <a:t>StockItem</a:t>
+            </a:r>
+            <a:endParaRPr lang="en-SG" sz="1400" u="sng" dirty="0"/>
+          </a:p>
+        </p:txBody>
+      </p:sp>
+      <p:sp>
+        <p:nvSpPr>
+          <p:cNvPr id="43" name="Rectangle 42"/>
           <p:cNvSpPr/>
           <p:nvPr/>
         </p:nvSpPr>
         <p:spPr>
           <a:xfrm>
-            <a:off x="3559349" y="2315582"/>
-            <a:ext cx="1513900" cy="298463"/>
+            <a:off x="5004048" y="5245139"/>
+            <a:ext cx="1640807" cy="484744"/>
           </a:xfrm>
           <a:prstGeom prst="rect">
             <a:avLst/>
@@ -4105,91 +4848,28 @@
           <a:lstStyle/>
           <a:p>
             <a:r>
+              <a:rPr lang="en-US" sz="1400" dirty="0"/>
+              <a:t>n</a:t>
+            </a:r>
+            <a:r>
               <a:rPr lang="en-US" sz="1400" dirty="0" smtClean="0"/>
-              <a:t>+print() {abstract}</a:t>
-            </a:r>
-          </a:p>
-        </p:txBody>
-      </p:sp>
-      <p:cxnSp>
-        <p:nvCxnSpPr>
-          <p:cNvPr id="103" name="Elbow Connector 102"/>
-          <p:cNvCxnSpPr>
-            <a:stCxn id="5" idx="0"/>
-            <a:endCxn id="4" idx="3"/>
-          </p:cNvCxnSpPr>
-          <p:nvPr/>
-        </p:nvCxnSpPr>
-        <p:spPr>
-          <a:xfrm rot="16200000" flipV="1">
-            <a:off x="5994441" y="722443"/>
-            <a:ext cx="1071939" cy="970054"/>
-          </a:xfrm>
-          <a:prstGeom prst="bentConnector2">
-            <a:avLst/>
-          </a:prstGeom>
-          <a:ln>
-            <a:prstDash val="sysDash"/>
-            <a:headEnd type="none" w="med" len="med"/>
-            <a:tailEnd type="arrow" w="med" len="med"/>
-          </a:ln>
-        </p:spPr>
-        <p:style>
-          <a:lnRef idx="2">
-            <a:schemeClr val="accent3">
-              <a:shade val="50000"/>
-            </a:schemeClr>
-          </a:lnRef>
-          <a:fillRef idx="1">
-            <a:schemeClr val="accent3"/>
-          </a:fillRef>
-          <a:effectRef idx="0">
-            <a:schemeClr val="accent3"/>
-          </a:effectRef>
-          <a:fontRef idx="minor">
-            <a:schemeClr val="lt1"/>
-          </a:fontRef>
-        </p:style>
-      </p:cxnSp>
-      <p:sp>
-        <p:nvSpPr>
-          <p:cNvPr id="111" name="TextBox 110"/>
-          <p:cNvSpPr txBox="1"/>
-          <p:nvPr/>
-        </p:nvSpPr>
-        <p:spPr>
-          <a:xfrm>
-            <a:off x="2456467" y="3742101"/>
-            <a:ext cx="275507" cy="307777"/>
-          </a:xfrm>
-          <a:prstGeom prst="rect">
-            <a:avLst/>
-          </a:prstGeom>
-          <a:noFill/>
-        </p:spPr>
-        <p:txBody>
-          <a:bodyPr wrap="square" rtlCol="0">
-            <a:spAutoFit/>
-          </a:bodyPr>
-          <a:lstStyle/>
-          <a:p>
-            <a:r>
-              <a:rPr lang="en-US" sz="1400" dirty="0"/>
-              <a:t>1</a:t>
-            </a:r>
+              <a:t>ame = “spanner”</a:t>
+            </a:r>
+          </a:p>
+          <a:p>
             <a:endParaRPr lang="en-SG" sz="1400" dirty="0"/>
           </a:p>
         </p:txBody>
       </p:sp>
       <p:sp>
         <p:nvSpPr>
-          <p:cNvPr id="113" name="Rectangle 112"/>
+          <p:cNvPr id="44" name="Rectangle 43"/>
           <p:cNvSpPr/>
           <p:nvPr/>
         </p:nvSpPr>
         <p:spPr>
           <a:xfrm>
-            <a:off x="1187624" y="3843661"/>
+            <a:off x="2730534" y="4943602"/>
             <a:ext cx="1268843" cy="312344"/>
           </a:xfrm>
           <a:prstGeom prst="rect">
@@ -4216,283 +4896,6 @@
           <a:bodyPr rtlCol="0" anchor="ctr"/>
           <a:lstStyle/>
           <a:p>
-            <a:r>
-              <a:rPr lang="en-US" sz="1400" dirty="0" smtClean="0"/>
-              <a:t>-</a:t>
-            </a:r>
-            <a:r>
-              <a:rPr lang="en-US" sz="1400" dirty="0" err="1" smtClean="0"/>
-              <a:t>rating:Rating</a:t>
-            </a:r>
-            <a:endParaRPr lang="en-SG" sz="1400" dirty="0"/>
-          </a:p>
-        </p:txBody>
-      </p:sp>
-      <p:sp>
-        <p:nvSpPr>
-          <p:cNvPr id="118" name="Rectangle 117"/>
-          <p:cNvSpPr/>
-          <p:nvPr/>
-        </p:nvSpPr>
-        <p:spPr>
-          <a:xfrm>
-            <a:off x="4787064" y="1082200"/>
-            <a:ext cx="1258315" cy="347411"/>
-          </a:xfrm>
-          <a:prstGeom prst="rect">
-            <a:avLst/>
-          </a:prstGeom>
-          <a:ln/>
-        </p:spPr>
-        <p:style>
-          <a:lnRef idx="2">
-            <a:schemeClr val="accent3">
-              <a:shade val="50000"/>
-            </a:schemeClr>
-          </a:lnRef>
-          <a:fillRef idx="1">
-            <a:schemeClr val="accent3"/>
-          </a:fillRef>
-          <a:effectRef idx="0">
-            <a:schemeClr val="accent3"/>
-          </a:effectRef>
-          <a:fontRef idx="minor">
-            <a:schemeClr val="lt1"/>
-          </a:fontRef>
-        </p:style>
-        <p:txBody>
-          <a:bodyPr rtlCol="0" anchor="ctr"/>
-          <a:lstStyle/>
-          <a:p>
-            <a:r>
-              <a:rPr lang="en-US" sz="1400" dirty="0"/>
-              <a:t>b</a:t>
-            </a:r>
-            <a:r>
-              <a:rPr lang="en-US" sz="1400" dirty="0" smtClean="0"/>
-              <a:t>ill()</a:t>
-            </a:r>
-            <a:endParaRPr lang="en-SG" sz="1400" dirty="0"/>
-          </a:p>
-        </p:txBody>
-      </p:sp>
-      <p:sp>
-        <p:nvSpPr>
-          <p:cNvPr id="119" name="Rectangle 118"/>
-          <p:cNvSpPr/>
-          <p:nvPr/>
-        </p:nvSpPr>
-        <p:spPr>
-          <a:xfrm>
-            <a:off x="4787066" y="903537"/>
-            <a:ext cx="1258315" cy="205345"/>
-          </a:xfrm>
-          <a:prstGeom prst="rect">
-            <a:avLst/>
-          </a:prstGeom>
-          <a:ln/>
-        </p:spPr>
-        <p:style>
-          <a:lnRef idx="2">
-            <a:schemeClr val="accent3">
-              <a:shade val="50000"/>
-            </a:schemeClr>
-          </a:lnRef>
-          <a:fillRef idx="1">
-            <a:schemeClr val="accent3"/>
-          </a:fillRef>
-          <a:effectRef idx="0">
-            <a:schemeClr val="accent3"/>
-          </a:effectRef>
-          <a:fontRef idx="minor">
-            <a:schemeClr val="lt1"/>
-          </a:fontRef>
-        </p:style>
-        <p:txBody>
-          <a:bodyPr rtlCol="0" anchor="ctr"/>
-          <a:lstStyle/>
-          <a:p>
-            <a:pPr algn="ctr"/>
-            <a:endParaRPr lang="en-SG" sz="1400" dirty="0"/>
-          </a:p>
-        </p:txBody>
-      </p:sp>
-      <p:sp>
-        <p:nvSpPr>
-          <p:cNvPr id="29" name="Rectangle 28"/>
-          <p:cNvSpPr/>
-          <p:nvPr/>
-        </p:nvSpPr>
-        <p:spPr>
-          <a:xfrm>
-            <a:off x="6405786" y="5589240"/>
-            <a:ext cx="1219302" cy="294050"/>
-          </a:xfrm>
-          <a:prstGeom prst="rect">
-            <a:avLst/>
-          </a:prstGeom>
-        </p:spPr>
-        <p:style>
-          <a:lnRef idx="2">
-            <a:schemeClr val="accent5">
-              <a:shade val="50000"/>
-            </a:schemeClr>
-          </a:lnRef>
-          <a:fillRef idx="1">
-            <a:schemeClr val="accent5"/>
-          </a:fillRef>
-          <a:effectRef idx="0">
-            <a:schemeClr val="accent5"/>
-          </a:effectRef>
-          <a:fontRef idx="minor">
-            <a:schemeClr val="lt1"/>
-          </a:fontRef>
-        </p:style>
-        <p:txBody>
-          <a:bodyPr rtlCol="0" anchor="ctr"/>
-          <a:lstStyle/>
-          <a:p>
-            <a:pPr algn="ctr"/>
-            <a:r>
-              <a:rPr lang="en-US" sz="1400" u="sng" dirty="0" smtClean="0"/>
-              <a:t>:Inventory</a:t>
-            </a:r>
-            <a:endParaRPr lang="en-SG" sz="1400" u="sng" dirty="0"/>
-          </a:p>
-        </p:txBody>
-      </p:sp>
-      <p:sp>
-        <p:nvSpPr>
-          <p:cNvPr id="31" name="Rectangle 30"/>
-          <p:cNvSpPr/>
-          <p:nvPr/>
-        </p:nvSpPr>
-        <p:spPr>
-          <a:xfrm>
-            <a:off x="3876805" y="5597822"/>
-            <a:ext cx="1648839" cy="310743"/>
-          </a:xfrm>
-          <a:prstGeom prst="rect">
-            <a:avLst/>
-          </a:prstGeom>
-        </p:spPr>
-        <p:style>
-          <a:lnRef idx="2">
-            <a:schemeClr val="accent2">
-              <a:shade val="50000"/>
-            </a:schemeClr>
-          </a:lnRef>
-          <a:fillRef idx="1">
-            <a:schemeClr val="accent2"/>
-          </a:fillRef>
-          <a:effectRef idx="0">
-            <a:schemeClr val="accent2"/>
-          </a:effectRef>
-          <a:fontRef idx="minor">
-            <a:schemeClr val="lt1"/>
-          </a:fontRef>
-        </p:style>
-        <p:txBody>
-          <a:bodyPr rtlCol="0" anchor="ctr"/>
-          <a:lstStyle/>
-          <a:p>
-            <a:pPr algn="ctr"/>
-            <a:r>
-              <a:rPr lang="en-US" sz="1400" u="sng" dirty="0" smtClean="0"/>
-              <a:t>:</a:t>
-            </a:r>
-            <a:r>
-              <a:rPr lang="en-US" sz="1400" u="sng" dirty="0" err="1" smtClean="0"/>
-              <a:t>StockItem</a:t>
-            </a:r>
-            <a:endParaRPr lang="en-SG" sz="1400" u="sng" dirty="0"/>
-          </a:p>
-        </p:txBody>
-      </p:sp>
-      <p:sp>
-        <p:nvSpPr>
-          <p:cNvPr id="32" name="Rectangle 31"/>
-          <p:cNvSpPr/>
-          <p:nvPr/>
-        </p:nvSpPr>
-        <p:spPr>
-          <a:xfrm>
-            <a:off x="3876805" y="5916379"/>
-            <a:ext cx="1640807" cy="484744"/>
-          </a:xfrm>
-          <a:prstGeom prst="rect">
-            <a:avLst/>
-          </a:prstGeom>
-        </p:spPr>
-        <p:style>
-          <a:lnRef idx="2">
-            <a:schemeClr val="accent2">
-              <a:shade val="50000"/>
-            </a:schemeClr>
-          </a:lnRef>
-          <a:fillRef idx="1">
-            <a:schemeClr val="accent2"/>
-          </a:fillRef>
-          <a:effectRef idx="0">
-            <a:schemeClr val="accent2"/>
-          </a:effectRef>
-          <a:fontRef idx="minor">
-            <a:schemeClr val="lt1"/>
-          </a:fontRef>
-        </p:style>
-        <p:txBody>
-          <a:bodyPr rtlCol="0" anchor="ctr"/>
-          <a:lstStyle/>
-          <a:p>
-            <a:r>
-              <a:rPr lang="en-US" sz="1400" dirty="0"/>
-              <a:t>n</a:t>
-            </a:r>
-            <a:r>
-              <a:rPr lang="en-US" sz="1400" dirty="0" smtClean="0"/>
-              <a:t>ame = “spanner”</a:t>
-            </a:r>
-          </a:p>
-          <a:p>
-            <a:endParaRPr lang="en-SG" sz="1400" dirty="0"/>
-          </a:p>
-        </p:txBody>
-      </p:sp>
-      <p:sp>
-        <p:nvSpPr>
-          <p:cNvPr id="33" name="Rectangle 32"/>
-          <p:cNvSpPr/>
-          <p:nvPr/>
-        </p:nvSpPr>
-        <p:spPr>
-          <a:xfrm>
-            <a:off x="1603291" y="5614842"/>
-            <a:ext cx="1268843" cy="312344"/>
-          </a:xfrm>
-          <a:prstGeom prst="rect">
-            <a:avLst/>
-          </a:prstGeom>
-        </p:spPr>
-        <p:style>
-          <a:lnRef idx="2">
-            <a:schemeClr val="accent6">
-              <a:shade val="50000"/>
-            </a:schemeClr>
-          </a:lnRef>
-          <a:fillRef idx="1">
-            <a:schemeClr val="accent6"/>
-          </a:fillRef>
-          <a:effectRef idx="0">
-            <a:schemeClr val="accent6"/>
-          </a:effectRef>
-          <a:fontRef idx="minor">
-            <a:schemeClr val="lt1"/>
-          </a:fontRef>
-        </p:style>
-        <p:txBody>
-          <a:bodyPr rtlCol="0" anchor="ctr"/>
-          <a:lstStyle/>
-          <a:p>
             <a:pPr algn="ctr"/>
             <a:r>
               <a:rPr lang="en-US" sz="1400" u="sng" dirty="0" smtClean="0"/>
@@ -4504,17 +4907,17 @@
       </p:sp>
       <p:cxnSp>
         <p:nvCxnSpPr>
-          <p:cNvPr id="34" name="Elbow Connector 33"/>
+          <p:cNvPr id="45" name="Elbow Connector 44"/>
           <p:cNvCxnSpPr>
-            <a:stCxn id="35" idx="1"/>
-            <a:endCxn id="33" idx="3"/>
+            <a:stCxn id="42" idx="1"/>
+            <a:endCxn id="44" idx="3"/>
           </p:cNvCxnSpPr>
           <p:nvPr/>
         </p:nvCxnSpPr>
         <p:spPr>
           <a:xfrm rot="10800000" flipV="1">
-            <a:off x="2872135" y="5765222"/>
-            <a:ext cx="763441" cy="5791"/>
+            <a:off x="3999378" y="5081954"/>
+            <a:ext cx="1004671" cy="17820"/>
           </a:xfrm>
           <a:prstGeom prst="bentConnector3">
             <a:avLst>
@@ -4542,105 +4945,18 @@
           </a:fontRef>
         </p:style>
       </p:cxnSp>
-      <p:sp>
-        <p:nvSpPr>
-          <p:cNvPr id="35" name="Flowchart: Decision 34"/>
-          <p:cNvSpPr/>
-          <p:nvPr/>
-        </p:nvSpPr>
-        <p:spPr>
-          <a:xfrm>
-            <a:off x="3635575" y="5625440"/>
-            <a:ext cx="266061" cy="279566"/>
-          </a:xfrm>
-          <a:prstGeom prst="flowChartDecision">
-            <a:avLst/>
-          </a:prstGeom>
-        </p:spPr>
-        <p:style>
-          <a:lnRef idx="2">
-            <a:schemeClr val="accent6">
-              <a:shade val="50000"/>
-            </a:schemeClr>
-          </a:lnRef>
-          <a:fillRef idx="1">
-            <a:schemeClr val="accent6"/>
-          </a:fillRef>
-          <a:effectRef idx="0">
-            <a:schemeClr val="accent6"/>
-          </a:effectRef>
-          <a:fontRef idx="minor">
-            <a:schemeClr val="lt1"/>
-          </a:fontRef>
-        </p:style>
-        <p:txBody>
-          <a:bodyPr rtlCol="0" anchor="ctr"/>
-          <a:lstStyle/>
-          <a:p>
-            <a:pPr algn="ctr"/>
-            <a:endParaRPr lang="en-US" sz="1400"/>
-          </a:p>
-        </p:txBody>
-      </p:sp>
-      <p:sp>
-        <p:nvSpPr>
-          <p:cNvPr id="38" name="Rectangle 37"/>
-          <p:cNvSpPr/>
-          <p:nvPr/>
-        </p:nvSpPr>
-        <p:spPr>
-          <a:xfrm>
-            <a:off x="1603291" y="5921394"/>
-            <a:ext cx="1268843" cy="312344"/>
-          </a:xfrm>
-          <a:prstGeom prst="rect">
-            <a:avLst/>
-          </a:prstGeom>
-        </p:spPr>
-        <p:style>
-          <a:lnRef idx="2">
-            <a:schemeClr val="accent6">
-              <a:shade val="50000"/>
-            </a:schemeClr>
-          </a:lnRef>
-          <a:fillRef idx="1">
-            <a:schemeClr val="accent6"/>
-          </a:fillRef>
-          <a:effectRef idx="0">
-            <a:schemeClr val="accent6"/>
-          </a:effectRef>
-          <a:fontRef idx="minor">
-            <a:schemeClr val="lt1"/>
-          </a:fontRef>
-        </p:style>
-        <p:txBody>
-          <a:bodyPr rtlCol="0" anchor="ctr"/>
-          <a:lstStyle/>
-          <a:p>
-            <a:r>
-              <a:rPr lang="en-US" sz="1400" dirty="0"/>
-              <a:t>r</a:t>
-            </a:r>
-            <a:r>
-              <a:rPr lang="en-US" sz="1400" dirty="0" smtClean="0"/>
-              <a:t>ating=POOR</a:t>
-            </a:r>
-            <a:endParaRPr lang="en-SG" sz="1400" dirty="0"/>
-          </a:p>
-        </p:txBody>
-      </p:sp>
       <p:cxnSp>
         <p:nvCxnSpPr>
-          <p:cNvPr id="39" name="Elbow Connector 38"/>
+          <p:cNvPr id="51" name="Elbow Connector 50"/>
           <p:cNvCxnSpPr>
-            <a:stCxn id="29" idx="1"/>
-            <a:endCxn id="31" idx="3"/>
+            <a:stCxn id="41" idx="1"/>
+            <a:endCxn id="42" idx="3"/>
           </p:cNvCxnSpPr>
           <p:nvPr/>
         </p:nvCxnSpPr>
         <p:spPr>
           <a:xfrm rot="10800000" flipV="1">
-            <a:off x="5525644" y="5736264"/>
+            <a:off x="6652887" y="5065024"/>
             <a:ext cx="880142" cy="16929"/>
           </a:xfrm>
           <a:prstGeom prst="bentConnector3">
@@ -4669,6 +4985,155 @@
           </a:fontRef>
         </p:style>
       </p:cxnSp>
+      <p:sp>
+        <p:nvSpPr>
+          <p:cNvPr id="53" name="Rectangle 52"/>
+          <p:cNvSpPr/>
+          <p:nvPr/>
+        </p:nvSpPr>
+        <p:spPr>
+          <a:xfrm>
+            <a:off x="899592" y="4893626"/>
+            <a:ext cx="1088155" cy="373149"/>
+          </a:xfrm>
+          <a:prstGeom prst="rect">
+            <a:avLst/>
+          </a:prstGeom>
+          <a:solidFill>
+            <a:srgbClr val="00B050"/>
+          </a:solidFill>
+          <a:ln>
+            <a:solidFill>
+              <a:schemeClr val="accent3">
+                <a:lumMod val="50000"/>
+              </a:schemeClr>
+            </a:solidFill>
+          </a:ln>
+        </p:spPr>
+        <p:style>
+          <a:lnRef idx="2">
+            <a:schemeClr val="accent1">
+              <a:shade val="50000"/>
+            </a:schemeClr>
+          </a:lnRef>
+          <a:fillRef idx="1">
+            <a:schemeClr val="accent1"/>
+          </a:fillRef>
+          <a:effectRef idx="0">
+            <a:schemeClr val="accent1"/>
+          </a:effectRef>
+          <a:fontRef idx="minor">
+            <a:schemeClr val="lt1"/>
+          </a:fontRef>
+        </p:style>
+        <p:txBody>
+          <a:bodyPr rtlCol="0" anchor="ctr"/>
+          <a:lstStyle/>
+          <a:p>
+            <a:pPr algn="ctr"/>
+            <a:r>
+              <a:rPr lang="en-US" sz="1400" u="sng" dirty="0" smtClean="0"/>
+              <a:t>:Rating</a:t>
+            </a:r>
+            <a:endParaRPr lang="en-SG" sz="1400" u="sng" dirty="0"/>
+          </a:p>
+        </p:txBody>
+      </p:sp>
+      <p:sp>
+        <p:nvSpPr>
+          <p:cNvPr id="56" name="Rectangle 55"/>
+          <p:cNvSpPr/>
+          <p:nvPr/>
+        </p:nvSpPr>
+        <p:spPr>
+          <a:xfrm>
+            <a:off x="899592" y="5237325"/>
+            <a:ext cx="1088155" cy="312217"/>
+          </a:xfrm>
+          <a:prstGeom prst="rect">
+            <a:avLst/>
+          </a:prstGeom>
+          <a:solidFill>
+            <a:srgbClr val="00B050"/>
+          </a:solidFill>
+          <a:ln>
+            <a:solidFill>
+              <a:schemeClr val="accent3">
+                <a:lumMod val="50000"/>
+              </a:schemeClr>
+            </a:solidFill>
+          </a:ln>
+        </p:spPr>
+        <p:style>
+          <a:lnRef idx="2">
+            <a:schemeClr val="accent1">
+              <a:shade val="50000"/>
+            </a:schemeClr>
+          </a:lnRef>
+          <a:fillRef idx="1">
+            <a:schemeClr val="accent1"/>
+          </a:fillRef>
+          <a:effectRef idx="0">
+            <a:schemeClr val="accent1"/>
+          </a:effectRef>
+          <a:fontRef idx="minor">
+            <a:schemeClr val="lt1"/>
+          </a:fontRef>
+        </p:style>
+        <p:txBody>
+          <a:bodyPr rtlCol="0" anchor="ctr"/>
+          <a:lstStyle/>
+          <a:p>
+            <a:pPr algn="ctr"/>
+            <a:r>
+              <a:rPr lang="en-US" sz="1400" dirty="0" smtClean="0"/>
+              <a:t>POOR</a:t>
+            </a:r>
+            <a:endParaRPr lang="en-SG" sz="1400" dirty="0"/>
+          </a:p>
+        </p:txBody>
+      </p:sp>
+      <p:cxnSp>
+        <p:nvCxnSpPr>
+          <p:cNvPr id="57" name="Elbow Connector 56"/>
+          <p:cNvCxnSpPr>
+            <a:stCxn id="44" idx="1"/>
+            <a:endCxn id="53" idx="3"/>
+          </p:cNvCxnSpPr>
+          <p:nvPr/>
+        </p:nvCxnSpPr>
+        <p:spPr>
+          <a:xfrm rot="10800000">
+            <a:off x="1987748" y="5080202"/>
+            <a:ext cx="742787" cy="19573"/>
+          </a:xfrm>
+          <a:prstGeom prst="bentConnector3">
+            <a:avLst>
+              <a:gd name="adj1" fmla="val 50000"/>
+            </a:avLst>
+          </a:prstGeom>
+          <a:ln>
+            <a:prstDash val="solid"/>
+            <a:tailEnd type="arrow"/>
+          </a:ln>
+        </p:spPr>
+        <p:style>
+          <a:lnRef idx="2">
+            <a:schemeClr val="accent6">
+              <a:shade val="50000"/>
+            </a:schemeClr>
+          </a:lnRef>
+          <a:fillRef idx="1">
+            <a:schemeClr val="accent6"/>
+          </a:fillRef>
+          <a:effectRef idx="0">
+            <a:schemeClr val="accent6"/>
+          </a:effectRef>
+          <a:fontRef idx="minor">
+            <a:schemeClr val="lt1"/>
+          </a:fontRef>
+        </p:style>
+      </p:cxnSp>
     </p:spTree>
     <p:extLst>
       <p:ext uri="{BB962C8B-B14F-4D97-AF65-F5344CB8AC3E}">
@@ -4679,6 +5144,410 @@
   <p:clrMapOvr>
     <a:masterClrMapping/>
   </p:clrMapOvr>
+  <p:timing>
+    <p:tnLst>
+      <p:par>
+        <p:cTn id="1" dur="indefinite" restart="never" nodeType="tmRoot"/>
+      </p:par>
+    </p:tnLst>
+  </p:timing>
+</p:sld>
+</file>
+
+<file path=ppt/slides/slide2.xml><?xml version="1.0" encoding="utf-8"?>
+<p:sld xmlns:a="http://schemas.openxmlformats.org/drawingml/2006/main" xmlns:r="http://schemas.openxmlformats.org/officeDocument/2006/relationships" xmlns:p="http://schemas.openxmlformats.org/presentationml/2006/main">
+  <p:cSld>
+    <p:spTree>
+      <p:nvGrpSpPr>
+        <p:cNvPr id="1" name=""/>
+        <p:cNvGrpSpPr/>
+        <p:nvPr/>
+      </p:nvGrpSpPr>
+      <p:grpSpPr>
+        <a:xfrm>
+          <a:off x="0" y="0"/>
+          <a:ext cx="0" cy="0"/>
+          <a:chOff x="0" y="0"/>
+          <a:chExt cx="0" cy="0"/>
+        </a:xfrm>
+      </p:grpSpPr>
+      <p:sp>
+        <p:nvSpPr>
+          <p:cNvPr id="4" name="Rectangle 3"/>
+          <p:cNvSpPr/>
+          <p:nvPr/>
+        </p:nvSpPr>
+        <p:spPr>
+          <a:xfrm>
+            <a:off x="5073249" y="281816"/>
+            <a:ext cx="1258315" cy="540059"/>
+          </a:xfrm>
+          <a:prstGeom prst="rect">
+            <a:avLst/>
+          </a:prstGeom>
+          <a:solidFill>
+            <a:schemeClr val="bg1"/>
+          </a:solidFill>
+          <a:ln>
+            <a:solidFill>
+              <a:schemeClr val="bg1"/>
+            </a:solidFill>
+          </a:ln>
+        </p:spPr>
+        <p:style>
+          <a:lnRef idx="2">
+            <a:schemeClr val="accent3">
+              <a:shade val="50000"/>
+            </a:schemeClr>
+          </a:lnRef>
+          <a:fillRef idx="1">
+            <a:schemeClr val="accent3"/>
+          </a:fillRef>
+          <a:effectRef idx="0">
+            <a:schemeClr val="accent3"/>
+          </a:effectRef>
+          <a:fontRef idx="minor">
+            <a:schemeClr val="lt1"/>
+          </a:fontRef>
+        </p:style>
+        <p:txBody>
+          <a:bodyPr rtlCol="0" anchor="ctr"/>
+          <a:lstStyle/>
+          <a:p>
+            <a:pPr algn="ctr"/>
+            <a:r>
+              <a:rPr lang="en-US" sz="1400" dirty="0" smtClean="0">
+                <a:solidFill>
+                  <a:schemeClr val="tx1"/>
+                </a:solidFill>
+              </a:rPr>
+              <a:t>Billable</a:t>
+            </a:r>
+            <a:endParaRPr lang="en-SG" sz="1400" dirty="0">
+              <a:solidFill>
+                <a:schemeClr val="tx1"/>
+              </a:solidFill>
+            </a:endParaRPr>
+          </a:p>
+        </p:txBody>
+      </p:sp>
+      <p:sp>
+        <p:nvSpPr>
+          <p:cNvPr id="5" name="Rectangle 4"/>
+          <p:cNvSpPr/>
+          <p:nvPr/>
+        </p:nvSpPr>
+        <p:spPr>
+          <a:xfrm>
+            <a:off x="6076397" y="1743439"/>
+            <a:ext cx="1878080" cy="294050"/>
+          </a:xfrm>
+          <a:prstGeom prst="rect">
+            <a:avLst/>
+          </a:prstGeom>
+          <a:solidFill>
+            <a:schemeClr val="bg1"/>
+          </a:solidFill>
+          <a:ln>
+            <a:solidFill>
+              <a:schemeClr val="bg1"/>
+            </a:solidFill>
+          </a:ln>
+        </p:spPr>
+        <p:style>
+          <a:lnRef idx="2">
+            <a:schemeClr val="accent5">
+              <a:shade val="50000"/>
+            </a:schemeClr>
+          </a:lnRef>
+          <a:fillRef idx="1">
+            <a:schemeClr val="accent5"/>
+          </a:fillRef>
+          <a:effectRef idx="0">
+            <a:schemeClr val="accent5"/>
+          </a:effectRef>
+          <a:fontRef idx="minor">
+            <a:schemeClr val="lt1"/>
+          </a:fontRef>
+        </p:style>
+        <p:txBody>
+          <a:bodyPr rtlCol="0" anchor="ctr"/>
+          <a:lstStyle/>
+          <a:p>
+            <a:pPr algn="ctr"/>
+            <a:r>
+              <a:rPr lang="en-US" sz="1400" dirty="0" smtClean="0">
+                <a:solidFill>
+                  <a:schemeClr val="tx1"/>
+                </a:solidFill>
+              </a:rPr>
+              <a:t>Inventory</a:t>
+            </a:r>
+            <a:endParaRPr lang="en-SG" sz="1400" dirty="0">
+              <a:solidFill>
+                <a:schemeClr val="tx1"/>
+              </a:solidFill>
+            </a:endParaRPr>
+          </a:p>
+        </p:txBody>
+      </p:sp>
+      <p:sp>
+        <p:nvSpPr>
+          <p:cNvPr id="15" name="Rectangle 14"/>
+          <p:cNvSpPr/>
+          <p:nvPr/>
+        </p:nvSpPr>
+        <p:spPr>
+          <a:xfrm>
+            <a:off x="1124182" y="3153342"/>
+            <a:ext cx="1395727" cy="312344"/>
+          </a:xfrm>
+          <a:prstGeom prst="rect">
+            <a:avLst/>
+          </a:prstGeom>
+          <a:solidFill>
+            <a:schemeClr val="bg1"/>
+          </a:solidFill>
+          <a:ln>
+            <a:solidFill>
+              <a:schemeClr val="bg1"/>
+            </a:solidFill>
+          </a:ln>
+        </p:spPr>
+        <p:style>
+          <a:lnRef idx="2">
+            <a:schemeClr val="accent6">
+              <a:shade val="50000"/>
+            </a:schemeClr>
+          </a:lnRef>
+          <a:fillRef idx="1">
+            <a:schemeClr val="accent6"/>
+          </a:fillRef>
+          <a:effectRef idx="0">
+            <a:schemeClr val="accent6"/>
+          </a:effectRef>
+          <a:fontRef idx="minor">
+            <a:schemeClr val="lt1"/>
+          </a:fontRef>
+        </p:style>
+        <p:txBody>
+          <a:bodyPr rtlCol="0" anchor="ctr"/>
+          <a:lstStyle/>
+          <a:p>
+            <a:pPr algn="ctr"/>
+            <a:r>
+              <a:rPr lang="en-US" sz="1400" dirty="0" smtClean="0">
+                <a:solidFill>
+                  <a:schemeClr val="tx1"/>
+                </a:solidFill>
+              </a:rPr>
+              <a:t>Review</a:t>
+            </a:r>
+            <a:endParaRPr lang="en-SG" sz="1400" dirty="0">
+              <a:solidFill>
+                <a:schemeClr val="tx1"/>
+              </a:solidFill>
+            </a:endParaRPr>
+          </a:p>
+        </p:txBody>
+      </p:sp>
+      <p:sp>
+        <p:nvSpPr>
+          <p:cNvPr id="37" name="Rectangle 36"/>
+          <p:cNvSpPr/>
+          <p:nvPr/>
+        </p:nvSpPr>
+        <p:spPr>
+          <a:xfrm>
+            <a:off x="3559349" y="1603107"/>
+            <a:ext cx="1513900" cy="574714"/>
+          </a:xfrm>
+          <a:prstGeom prst="rect">
+            <a:avLst/>
+          </a:prstGeom>
+          <a:solidFill>
+            <a:schemeClr val="bg1"/>
+          </a:solidFill>
+          <a:ln>
+            <a:solidFill>
+              <a:schemeClr val="bg1"/>
+            </a:solidFill>
+          </a:ln>
+        </p:spPr>
+        <p:style>
+          <a:lnRef idx="2">
+            <a:schemeClr val="accent2">
+              <a:shade val="50000"/>
+            </a:schemeClr>
+          </a:lnRef>
+          <a:fillRef idx="1">
+            <a:schemeClr val="accent2"/>
+          </a:fillRef>
+          <a:effectRef idx="0">
+            <a:schemeClr val="accent2"/>
+          </a:effectRef>
+          <a:fontRef idx="minor">
+            <a:schemeClr val="lt1"/>
+          </a:fontRef>
+        </p:style>
+        <p:txBody>
+          <a:bodyPr rtlCol="0" anchor="ctr"/>
+          <a:lstStyle/>
+          <a:p>
+            <a:pPr algn="ctr"/>
+            <a:r>
+              <a:rPr lang="en-US" sz="1400" dirty="0" smtClean="0">
+                <a:solidFill>
+                  <a:schemeClr val="tx1"/>
+                </a:solidFill>
+              </a:rPr>
+              <a:t>Item</a:t>
+            </a:r>
+            <a:endParaRPr lang="en-SG" sz="1400" dirty="0">
+              <a:solidFill>
+                <a:schemeClr val="tx1"/>
+              </a:solidFill>
+            </a:endParaRPr>
+          </a:p>
+        </p:txBody>
+      </p:sp>
+      <p:sp>
+        <p:nvSpPr>
+          <p:cNvPr id="49" name="Rectangle 48"/>
+          <p:cNvSpPr/>
+          <p:nvPr/>
+        </p:nvSpPr>
+        <p:spPr>
+          <a:xfrm>
+            <a:off x="3218997" y="3139375"/>
+            <a:ext cx="2194605" cy="310743"/>
+          </a:xfrm>
+          <a:prstGeom prst="rect">
+            <a:avLst/>
+          </a:prstGeom>
+          <a:solidFill>
+            <a:schemeClr val="bg1"/>
+          </a:solidFill>
+          <a:ln>
+            <a:solidFill>
+              <a:schemeClr val="bg1"/>
+            </a:solidFill>
+          </a:ln>
+        </p:spPr>
+        <p:style>
+          <a:lnRef idx="2">
+            <a:schemeClr val="accent2">
+              <a:shade val="50000"/>
+            </a:schemeClr>
+          </a:lnRef>
+          <a:fillRef idx="1">
+            <a:schemeClr val="accent2"/>
+          </a:fillRef>
+          <a:effectRef idx="0">
+            <a:schemeClr val="accent2"/>
+          </a:effectRef>
+          <a:fontRef idx="minor">
+            <a:schemeClr val="lt1"/>
+          </a:fontRef>
+        </p:style>
+        <p:txBody>
+          <a:bodyPr rtlCol="0" anchor="ctr"/>
+          <a:lstStyle/>
+          <a:p>
+            <a:pPr algn="ctr"/>
+            <a:r>
+              <a:rPr lang="en-US" sz="1400" dirty="0" err="1" smtClean="0">
+                <a:solidFill>
+                  <a:schemeClr val="tx1"/>
+                </a:solidFill>
+              </a:rPr>
+              <a:t>StockItem</a:t>
+            </a:r>
+            <a:endParaRPr lang="en-SG" sz="1400" dirty="0">
+              <a:solidFill>
+                <a:schemeClr val="tx1"/>
+              </a:solidFill>
+            </a:endParaRPr>
+          </a:p>
+        </p:txBody>
+      </p:sp>
+      <p:sp>
+        <p:nvSpPr>
+          <p:cNvPr id="52" name="Rectangle 51"/>
+          <p:cNvSpPr/>
+          <p:nvPr/>
+        </p:nvSpPr>
+        <p:spPr>
+          <a:xfrm>
+            <a:off x="1034731" y="1556792"/>
+            <a:ext cx="1576377" cy="540059"/>
+          </a:xfrm>
+          <a:prstGeom prst="rect">
+            <a:avLst/>
+          </a:prstGeom>
+          <a:solidFill>
+            <a:schemeClr val="bg1"/>
+          </a:solidFill>
+          <a:ln>
+            <a:solidFill>
+              <a:schemeClr val="bg1"/>
+            </a:solidFill>
+          </a:ln>
+        </p:spPr>
+        <p:style>
+          <a:lnRef idx="2">
+            <a:schemeClr val="accent1">
+              <a:shade val="50000"/>
+            </a:schemeClr>
+          </a:lnRef>
+          <a:fillRef idx="1">
+            <a:schemeClr val="accent1"/>
+          </a:fillRef>
+          <a:effectRef idx="0">
+            <a:schemeClr val="accent1"/>
+          </a:effectRef>
+          <a:fontRef idx="minor">
+            <a:schemeClr val="lt1"/>
+          </a:fontRef>
+        </p:style>
+        <p:txBody>
+          <a:bodyPr rtlCol="0" anchor="ctr"/>
+          <a:lstStyle/>
+          <a:p>
+            <a:pPr algn="ctr"/>
+            <a:r>
+              <a:rPr lang="en-US" sz="1400" dirty="0" smtClean="0">
+                <a:solidFill>
+                  <a:schemeClr val="tx1"/>
+                </a:solidFill>
+              </a:rPr>
+              <a:t>Rating</a:t>
+            </a:r>
+            <a:endParaRPr lang="en-SG" sz="1400" dirty="0">
+              <a:solidFill>
+                <a:schemeClr val="tx1"/>
+              </a:solidFill>
+            </a:endParaRPr>
+          </a:p>
+        </p:txBody>
+      </p:sp>
+    </p:spTree>
+    <p:extLst>
+      <p:ext uri="{BB962C8B-B14F-4D97-AF65-F5344CB8AC3E}">
+        <p14:creationId xmlns:p14="http://schemas.microsoft.com/office/powerpoint/2010/main" val="3922707539"/>
+      </p:ext>
+    </p:extLst>
+  </p:cSld>
+  <p:clrMapOvr>
+    <a:masterClrMapping/>
+  </p:clrMapOvr>
+  <p:timing>
+    <p:tnLst>
+      <p:par>
+        <p:cTn id="1" dur="indefinite" restart="never" nodeType="tmRoot"/>
+      </p:par>
+    </p:tnLst>
+  </p:timing>
 </p:sld>
 </file>
 
